--- a/מצגת הגנה.pptx
+++ b/מצגת הגנה.pptx
@@ -10,23 +10,27 @@
     <p:sldId id="258" r:id="rId4"/>
     <p:sldId id="259" r:id="rId5"/>
     <p:sldId id="260" r:id="rId6"/>
-    <p:sldId id="261" r:id="rId7"/>
-    <p:sldId id="262" r:id="rId8"/>
-    <p:sldId id="264" r:id="rId9"/>
-    <p:sldId id="263" r:id="rId10"/>
-    <p:sldId id="265" r:id="rId11"/>
-    <p:sldId id="266" r:id="rId12"/>
-    <p:sldId id="269" r:id="rId13"/>
-    <p:sldId id="270" r:id="rId14"/>
-    <p:sldId id="271" r:id="rId15"/>
-    <p:sldId id="267" r:id="rId16"/>
-    <p:sldId id="272" r:id="rId17"/>
-    <p:sldId id="273" r:id="rId18"/>
-    <p:sldId id="274" r:id="rId19"/>
-    <p:sldId id="268" r:id="rId20"/>
-    <p:sldId id="275" r:id="rId21"/>
-    <p:sldId id="276" r:id="rId22"/>
-    <p:sldId id="277" r:id="rId23"/>
+    <p:sldId id="280" r:id="rId7"/>
+    <p:sldId id="261" r:id="rId8"/>
+    <p:sldId id="262" r:id="rId9"/>
+    <p:sldId id="264" r:id="rId10"/>
+    <p:sldId id="263" r:id="rId11"/>
+    <p:sldId id="265" r:id="rId12"/>
+    <p:sldId id="266" r:id="rId13"/>
+    <p:sldId id="269" r:id="rId14"/>
+    <p:sldId id="270" r:id="rId15"/>
+    <p:sldId id="271" r:id="rId16"/>
+    <p:sldId id="267" r:id="rId17"/>
+    <p:sldId id="272" r:id="rId18"/>
+    <p:sldId id="273" r:id="rId19"/>
+    <p:sldId id="274" r:id="rId20"/>
+    <p:sldId id="268" r:id="rId21"/>
+    <p:sldId id="275" r:id="rId22"/>
+    <p:sldId id="276" r:id="rId23"/>
+    <p:sldId id="277" r:id="rId24"/>
+    <p:sldId id="278" r:id="rId25"/>
+    <p:sldId id="279" r:id="rId26"/>
+    <p:sldId id="281" r:id="rId27"/>
   </p:sldIdLst>
   <p:sldSz cx="12192000" cy="6858000"/>
   <p:notesSz cx="6858000" cy="9144000"/>
@@ -280,7 +284,7 @@
           <a:p>
             <a:fld id="{62D6E202-B606-4609-B914-27C9371A1F6D}" type="datetime1">
               <a:rPr lang="en-US" smtClean="0"/>
-              <a:t>8/25/2019</a:t>
+              <a:t>8/29/2019</a:t>
             </a:fld>
             <a:endParaRPr lang="en-US" dirty="0"/>
           </a:p>
@@ -479,7 +483,7 @@
           <a:p>
             <a:fld id="{62D6E202-B606-4609-B914-27C9371A1F6D}" type="datetime1">
               <a:rPr lang="en-US" smtClean="0"/>
-              <a:t>8/25/2019</a:t>
+              <a:t>8/29/2019</a:t>
             </a:fld>
             <a:endParaRPr lang="en-US" dirty="0"/>
           </a:p>
@@ -688,7 +692,7 @@
           <a:p>
             <a:fld id="{62D6E202-B606-4609-B914-27C9371A1F6D}" type="datetime1">
               <a:rPr lang="en-US" smtClean="0"/>
-              <a:t>8/25/2019</a:t>
+              <a:t>8/29/2019</a:t>
             </a:fld>
             <a:endParaRPr lang="en-US" dirty="0"/>
           </a:p>
@@ -887,7 +891,7 @@
           <a:p>
             <a:fld id="{62D6E202-B606-4609-B914-27C9371A1F6D}" type="datetime1">
               <a:rPr lang="en-US" smtClean="0"/>
-              <a:t>8/25/2019</a:t>
+              <a:t>8/29/2019</a:t>
             </a:fld>
             <a:endParaRPr lang="en-US" dirty="0"/>
           </a:p>
@@ -1163,7 +1167,7 @@
           <a:p>
             <a:fld id="{62D6E202-B606-4609-B914-27C9371A1F6D}" type="datetime1">
               <a:rPr lang="en-US" smtClean="0"/>
-              <a:t>8/25/2019</a:t>
+              <a:t>8/29/2019</a:t>
             </a:fld>
             <a:endParaRPr lang="en-US" dirty="0"/>
           </a:p>
@@ -1429,7 +1433,7 @@
           <a:p>
             <a:fld id="{62D6E202-B606-4609-B914-27C9371A1F6D}" type="datetime1">
               <a:rPr lang="en-US" smtClean="0"/>
-              <a:t>8/25/2019</a:t>
+              <a:t>8/29/2019</a:t>
             </a:fld>
             <a:endParaRPr lang="en-US" dirty="0"/>
           </a:p>
@@ -1842,7 +1846,7 @@
           <a:p>
             <a:fld id="{62D6E202-B606-4609-B914-27C9371A1F6D}" type="datetime1">
               <a:rPr lang="en-US" smtClean="0"/>
-              <a:t>8/25/2019</a:t>
+              <a:t>8/29/2019</a:t>
             </a:fld>
             <a:endParaRPr lang="en-US" dirty="0"/>
           </a:p>
@@ -1984,7 +1988,7 @@
           <a:p>
             <a:fld id="{62D6E202-B606-4609-B914-27C9371A1F6D}" type="datetime1">
               <a:rPr lang="en-US" smtClean="0"/>
-              <a:t>8/25/2019</a:t>
+              <a:t>8/29/2019</a:t>
             </a:fld>
             <a:endParaRPr lang="en-US" dirty="0"/>
           </a:p>
@@ -2098,7 +2102,7 @@
           <a:p>
             <a:fld id="{62D6E202-B606-4609-B914-27C9371A1F6D}" type="datetime1">
               <a:rPr lang="en-US" smtClean="0"/>
-              <a:t>8/25/2019</a:t>
+              <a:t>8/29/2019</a:t>
             </a:fld>
             <a:endParaRPr lang="en-US" dirty="0"/>
           </a:p>
@@ -2410,7 +2414,7 @@
           <a:p>
             <a:fld id="{62D6E202-B606-4609-B914-27C9371A1F6D}" type="datetime1">
               <a:rPr lang="en-US" smtClean="0"/>
-              <a:t>8/25/2019</a:t>
+              <a:t>8/29/2019</a:t>
             </a:fld>
             <a:endParaRPr lang="en-US" dirty="0"/>
           </a:p>
@@ -2699,7 +2703,7 @@
           <a:p>
             <a:fld id="{62D6E202-B606-4609-B914-27C9371A1F6D}" type="datetime1">
               <a:rPr lang="en-US" smtClean="0"/>
-              <a:t>8/25/2019</a:t>
+              <a:t>8/29/2019</a:t>
             </a:fld>
             <a:endParaRPr lang="en-US" dirty="0"/>
           </a:p>
@@ -2941,7 +2945,7 @@
           <a:p>
             <a:fld id="{62D6E202-B606-4609-B914-27C9371A1F6D}" type="datetime1">
               <a:rPr lang="en-US" smtClean="0"/>
-              <a:t>8/25/2019</a:t>
+              <a:t>8/29/2019</a:t>
             </a:fld>
             <a:endParaRPr lang="en-US" dirty="0"/>
           </a:p>
@@ -3584,7 +3588,6 @@
           </p:cNvPr>
           <p:cNvCxnSpPr>
             <a:cxnSpLocks/>
-            <a:stCxn id="18" idx="3"/>
           </p:cNvCxnSpPr>
           <p:nvPr/>
         </p:nvCxnSpPr>
@@ -3617,123 +3620,6 @@
           </a:fontRef>
         </p:style>
       </p:cxnSp>
-      <p:grpSp>
-        <p:nvGrpSpPr>
-          <p:cNvPr id="74" name="קבוצה 73">
-            <a:extLst>
-              <a:ext uri="{FF2B5EF4-FFF2-40B4-BE49-F238E27FC236}">
-                <a16:creationId xmlns:a16="http://schemas.microsoft.com/office/drawing/2014/main" id="{EC409F83-D4A2-45D4-A437-0327BA7AFE52}"/>
-              </a:ext>
-            </a:extLst>
-          </p:cNvPr>
-          <p:cNvGrpSpPr/>
-          <p:nvPr/>
-        </p:nvGrpSpPr>
-        <p:grpSpPr>
-          <a:xfrm>
-            <a:off x="8352612" y="287217"/>
-            <a:ext cx="3238500" cy="3086098"/>
-            <a:chOff x="8352612" y="287217"/>
-            <a:chExt cx="3238500" cy="3086098"/>
-          </a:xfrm>
-        </p:grpSpPr>
-        <p:sp>
-          <p:nvSpPr>
-            <p:cNvPr id="18" name="אליפסה 17">
-              <a:extLst>
-                <a:ext uri="{FF2B5EF4-FFF2-40B4-BE49-F238E27FC236}">
-                  <a16:creationId xmlns:a16="http://schemas.microsoft.com/office/drawing/2014/main" id="{A6D4CC49-9F08-4544-B952-3CE0E5E695EE}"/>
-                </a:ext>
-              </a:extLst>
-            </p:cNvPr>
-            <p:cNvSpPr/>
-            <p:nvPr/>
-          </p:nvSpPr>
-          <p:spPr>
-            <a:xfrm>
-              <a:off x="8352612" y="287217"/>
-              <a:ext cx="3238500" cy="3086098"/>
-            </a:xfrm>
-            <a:prstGeom prst="ellipse">
-              <a:avLst/>
-            </a:prstGeom>
-            <a:solidFill>
-              <a:schemeClr val="accent6">
-                <a:lumMod val="75000"/>
-                <a:alpha val="70000"/>
-              </a:schemeClr>
-            </a:solidFill>
-            <a:ln w="57150">
-              <a:solidFill>
-                <a:schemeClr val="tx1"/>
-              </a:solidFill>
-            </a:ln>
-          </p:spPr>
-          <p:style>
-            <a:lnRef idx="2">
-              <a:schemeClr val="accent1">
-                <a:shade val="50000"/>
-              </a:schemeClr>
-            </a:lnRef>
-            <a:fillRef idx="1">
-              <a:schemeClr val="accent1"/>
-            </a:fillRef>
-            <a:effectRef idx="0">
-              <a:schemeClr val="accent1"/>
-            </a:effectRef>
-            <a:fontRef idx="minor">
-              <a:schemeClr val="lt1"/>
-            </a:fontRef>
-          </p:style>
-          <p:txBody>
-            <a:bodyPr rtlCol="1" anchor="ctr"/>
-            <a:lstStyle/>
-            <a:p>
-              <a:pPr algn="ctr"/>
-              <a:endParaRPr lang="he-IL"/>
-            </a:p>
-          </p:txBody>
-        </p:sp>
-        <p:pic>
-          <p:nvPicPr>
-            <p:cNvPr id="67" name="גרפיקה 66" descr="פגיעה במטרה">
-              <a:extLst>
-                <a:ext uri="{FF2B5EF4-FFF2-40B4-BE49-F238E27FC236}">
-                  <a16:creationId xmlns:a16="http://schemas.microsoft.com/office/drawing/2014/main" id="{5418FEC6-D83A-4DFD-8228-CADB80360B84}"/>
-                </a:ext>
-              </a:extLst>
-            </p:cNvPr>
-            <p:cNvPicPr>
-              <a:picLocks noChangeAspect="1"/>
-            </p:cNvPicPr>
-            <p:nvPr/>
-          </p:nvPicPr>
-          <p:blipFill>
-            <a:blip r:embed="rId6">
-              <a:extLst>
-                <a:ext uri="{28A0092B-C50C-407E-A947-70E740481C1C}">
-                  <a14:useLocalDpi xmlns:a14="http://schemas.microsoft.com/office/drawing/2010/main" val="0"/>
-                </a:ext>
-                <a:ext uri="{96DAC541-7B7A-43D3-8B79-37D633B846F1}">
-                  <asvg:svgBlip xmlns:asvg="http://schemas.microsoft.com/office/drawing/2016/SVG/main" r:embed="rId7"/>
-                </a:ext>
-              </a:extLst>
-            </a:blip>
-            <a:stretch>
-              <a:fillRect/>
-            </a:stretch>
-          </p:blipFill>
-          <p:spPr>
-            <a:xfrm>
-              <a:off x="8821060" y="639291"/>
-              <a:ext cx="2314995" cy="2314995"/>
-            </a:xfrm>
-            <a:prstGeom prst="rect">
-              <a:avLst/>
-            </a:prstGeom>
-          </p:spPr>
-        </p:pic>
-      </p:grpSp>
       <p:sp>
         <p:nvSpPr>
           <p:cNvPr id="68" name="תיבת טקסט 67">
@@ -3939,7 +3825,7 @@
         </p:nvSpPr>
         <p:spPr>
           <a:xfrm>
-            <a:off x="8742979" y="3420940"/>
+            <a:off x="8798224" y="3386650"/>
             <a:ext cx="2701784" cy="646331"/>
           </a:xfrm>
           <a:prstGeom prst="rect">
@@ -4012,7 +3898,7 @@
                   <pslz:sldZmObj sldId="257" cId="805138976">
                     <pslz:zmPr id="{BB23ED92-BBFA-4EBE-A40F-7406571D3119}" imageType="cover" transitionDur="1000" showBg="0">
                       <p166:blipFill xmlns:p166="http://schemas.microsoft.com/office/powerpoint/2016/6/main">
-                        <a:blip r:embed="rId8">
+                        <a:blip r:embed="rId6">
                           <a:extLst>
                             <a:ext uri="{28A0092B-C50C-407E-A947-70E740481C1C}">
                               <a14:useLocalDpi xmlns:a14="http://schemas.microsoft.com/office/drawing/2010/main" val="0"/>
@@ -4178,8 +4064,8 @@
           </p:pic>
         </mc:Fallback>
       </mc:AlternateContent>
-      <mc:AlternateContent xmlns:mc="http://schemas.openxmlformats.org/markup-compatibility/2006">
-        <mc:Choice xmlns:pslz="http://schemas.microsoft.com/office/powerpoint/2016/slidezoom" Requires="pslz">
+      <mc:AlternateContent xmlns:mc="http://schemas.openxmlformats.org/markup-compatibility/2006" xmlns:pslz="http://schemas.microsoft.com/office/powerpoint/2016/slidezoom">
+        <mc:Choice Requires="pslz">
           <p:graphicFrame>
             <p:nvGraphicFramePr>
               <p:cNvPr id="3" name="תצוגת שקופית 2">
@@ -4237,7 +4123,7 @@
             </a:graphic>
           </p:graphicFrame>
         </mc:Choice>
-        <mc:Fallback>
+        <mc:Fallback xmlns="">
           <p:pic>
             <p:nvPicPr>
               <p:cNvPr id="3" name="תצוגת שקופית 2">
@@ -4254,7 +4140,7 @@
               <p:nvPr/>
             </p:nvPicPr>
             <p:blipFill>
-              <a:blip r:embed="rId17">
+              <a:blip r:embed="rId19">
                 <a:extLst>
                   <a:ext uri="{28A0092B-C50C-407E-A947-70E740481C1C}">
                     <a14:useLocalDpi xmlns:a14="http://schemas.microsoft.com/office/drawing/2010/main" val="0"/>
@@ -4269,6 +4155,105 @@
               <a:xfrm>
                 <a:off x="5490746" y="3718696"/>
                 <a:ext cx="3072229" cy="2910859"/>
+              </a:xfrm>
+              <a:prstGeom prst="rect">
+                <a:avLst/>
+              </a:prstGeom>
+            </p:spPr>
+          </p:pic>
+        </mc:Fallback>
+      </mc:AlternateContent>
+      <mc:AlternateContent xmlns:mc="http://schemas.openxmlformats.org/markup-compatibility/2006">
+        <mc:Choice xmlns:pslz="http://schemas.microsoft.com/office/powerpoint/2016/slidezoom" Requires="pslz">
+          <p:graphicFrame>
+            <p:nvGraphicFramePr>
+              <p:cNvPr id="7" name="תצוגת שקופית 6">
+                <a:extLst>
+                  <a:ext uri="{FF2B5EF4-FFF2-40B4-BE49-F238E27FC236}">
+                    <a16:creationId xmlns:a16="http://schemas.microsoft.com/office/drawing/2014/main" id="{99400F74-A4DF-48C9-90DB-6DB949A9B5B5}"/>
+                  </a:ext>
+                </a:extLst>
+              </p:cNvPr>
+              <p:cNvGraphicFramePr>
+                <a:graphicFrameLocks noChangeAspect="1"/>
+              </p:cNvGraphicFramePr>
+              <p:nvPr>
+                <p:extLst>
+                  <p:ext uri="{D42A27DB-BD31-4B8C-83A1-F6EECF244321}">
+                    <p14:modId xmlns:p14="http://schemas.microsoft.com/office/powerpoint/2010/main" val="3407824669"/>
+                  </p:ext>
+                </p:extLst>
+              </p:nvPr>
+            </p:nvGraphicFramePr>
+            <p:xfrm>
+              <a:off x="8385829" y="189430"/>
+              <a:ext cx="3478749" cy="3317696"/>
+            </p:xfrm>
+            <a:graphic>
+              <a:graphicData uri="http://schemas.microsoft.com/office/powerpoint/2016/slidezoom">
+                <pslz:sldZm>
+                  <pslz:sldZmObj sldId="278" cId="2772015783">
+                    <pslz:zmPr id="{102B29F1-07A7-4064-9A69-5B9E8C3CF661}" imageType="cover" transitionDur="1000" showBg="0">
+                      <p166:blipFill xmlns:p166="http://schemas.microsoft.com/office/powerpoint/2016/6/main">
+                        <a:blip r:embed="rId20">
+                          <a:extLst>
+                            <a:ext uri="{28A0092B-C50C-407E-A947-70E740481C1C}">
+                              <a14:useLocalDpi xmlns:a14="http://schemas.microsoft.com/office/drawing/2010/main" val="0"/>
+                            </a:ext>
+                          </a:extLst>
+                        </a:blip>
+                        <a:stretch>
+                          <a:fillRect/>
+                        </a:stretch>
+                      </p166:blipFill>
+                      <p166:spPr xmlns:p166="http://schemas.microsoft.com/office/powerpoint/2016/6/main">
+                        <a:xfrm>
+                          <a:off x="0" y="0"/>
+                          <a:ext cx="3478749" cy="3317696"/>
+                        </a:xfrm>
+                        <a:prstGeom prst="rect">
+                          <a:avLst/>
+                        </a:prstGeom>
+                      </p166:spPr>
+                    </pslz:zmPr>
+                  </pslz:sldZmObj>
+                </pslz:sldZm>
+              </a:graphicData>
+            </a:graphic>
+          </p:graphicFrame>
+        </mc:Choice>
+        <mc:Fallback>
+          <p:pic>
+            <p:nvPicPr>
+              <p:cNvPr id="7" name="תצוגת שקופית 6">
+                <a:hlinkClick r:id="rId21" action="ppaction://hlinksldjump"/>
+                <a:extLst>
+                  <a:ext uri="{FF2B5EF4-FFF2-40B4-BE49-F238E27FC236}">
+                    <a16:creationId xmlns:a16="http://schemas.microsoft.com/office/drawing/2014/main" id="{99400F74-A4DF-48C9-90DB-6DB949A9B5B5}"/>
+                  </a:ext>
+                </a:extLst>
+              </p:cNvPr>
+              <p:cNvPicPr>
+                <a:picLocks noGrp="1" noRot="1" noChangeAspect="1" noMove="1" noResize="1" noEditPoints="1" noAdjustHandles="1" noChangeArrowheads="1" noChangeShapeType="1"/>
+              </p:cNvPicPr>
+              <p:nvPr/>
+            </p:nvPicPr>
+            <p:blipFill>
+              <a:blip r:embed="rId20">
+                <a:extLst>
+                  <a:ext uri="{28A0092B-C50C-407E-A947-70E740481C1C}">
+                    <a14:useLocalDpi xmlns:a14="http://schemas.microsoft.com/office/drawing/2010/main" val="0"/>
+                  </a:ext>
+                </a:extLst>
+              </a:blip>
+              <a:stretch>
+                <a:fillRect/>
+              </a:stretch>
+            </p:blipFill>
+            <p:spPr>
+              <a:xfrm>
+                <a:off x="8385829" y="189430"/>
+                <a:ext cx="3478749" cy="3317696"/>
               </a:xfrm>
               <a:prstGeom prst="rect">
                 <a:avLst/>
@@ -4303,6 +4288,555 @@
 </file>
 
 <file path=ppt/slides/slide10.xml><?xml version="1.0" encoding="utf-8"?>
+<p:sld xmlns:a="http://schemas.openxmlformats.org/drawingml/2006/main" xmlns:r="http://schemas.openxmlformats.org/officeDocument/2006/relationships" xmlns:p="http://schemas.openxmlformats.org/presentationml/2006/main">
+  <p:cSld>
+    <p:bg>
+      <p:bgPr>
+        <a:solidFill>
+          <a:schemeClr val="bg2">
+            <a:lumMod val="25000"/>
+          </a:schemeClr>
+        </a:solidFill>
+        <a:effectLst/>
+      </p:bgPr>
+    </p:bg>
+    <p:spTree>
+      <p:nvGrpSpPr>
+        <p:cNvPr id="1" name=""/>
+        <p:cNvGrpSpPr/>
+        <p:nvPr/>
+      </p:nvGrpSpPr>
+      <p:grpSpPr>
+        <a:xfrm>
+          <a:off x="0" y="0"/>
+          <a:ext cx="0" cy="0"/>
+          <a:chOff x="0" y="0"/>
+          <a:chExt cx="0" cy="0"/>
+        </a:xfrm>
+      </p:grpSpPr>
+      <p:sp>
+        <p:nvSpPr>
+          <p:cNvPr id="2" name="תיבת טקסט 1">
+            <a:extLst>
+              <a:ext uri="{FF2B5EF4-FFF2-40B4-BE49-F238E27FC236}">
+                <a16:creationId xmlns:a16="http://schemas.microsoft.com/office/drawing/2014/main" id="{A1FA8E3E-762E-4356-BFC6-A8310BF007C3}"/>
+              </a:ext>
+            </a:extLst>
+          </p:cNvPr>
+          <p:cNvSpPr txBox="1"/>
+          <p:nvPr/>
+        </p:nvSpPr>
+        <p:spPr>
+          <a:xfrm>
+            <a:off x="895350" y="305068"/>
+            <a:ext cx="10467975" cy="6432530"/>
+          </a:xfrm>
+          <a:prstGeom prst="rect">
+            <a:avLst/>
+          </a:prstGeom>
+          <a:noFill/>
+        </p:spPr>
+        <p:txBody>
+          <a:bodyPr wrap="square" rtlCol="1">
+            <a:spAutoFit/>
+          </a:bodyPr>
+          <a:lstStyle/>
+          <a:p>
+            <a:pPr algn="ctr"/>
+            <a:r>
+              <a:rPr lang="en-US" sz="4000" dirty="0">
+                <a:solidFill>
+                  <a:schemeClr val="bg1"/>
+                </a:solidFill>
+                <a:latin typeface="Segoe UI Black" panose="020B0A02040204020203" pitchFamily="34" charset="0"/>
+                <a:ea typeface="Segoe UI Black" panose="020B0A02040204020203" pitchFamily="34" charset="0"/>
+              </a:rPr>
+              <a:t>Our lab &amp; tools:</a:t>
+            </a:r>
+            <a:endParaRPr lang="he-IL" sz="4000" dirty="0">
+              <a:solidFill>
+                <a:schemeClr val="bg1"/>
+              </a:solidFill>
+              <a:latin typeface="Segoe UI Black" panose="020B0A02040204020203" pitchFamily="34" charset="0"/>
+              <a:ea typeface="Segoe UI Black" panose="020B0A02040204020203" pitchFamily="34" charset="0"/>
+            </a:endParaRPr>
+          </a:p>
+          <a:p>
+            <a:pPr algn="ctr"/>
+            <a:endParaRPr lang="en-US" sz="2400" dirty="0">
+              <a:solidFill>
+                <a:schemeClr val="bg1"/>
+              </a:solidFill>
+            </a:endParaRPr>
+          </a:p>
+          <a:p>
+            <a:pPr algn="l"/>
+            <a:r>
+              <a:rPr lang="en-US" sz="2400" dirty="0">
+                <a:solidFill>
+                  <a:schemeClr val="bg1"/>
+                </a:solidFill>
+              </a:rPr>
+              <a:t>We measure 3 things in every entry:</a:t>
+            </a:r>
+          </a:p>
+          <a:p>
+            <a:pPr marL="457200" indent="-457200" algn="l" rtl="0">
+              <a:buAutoNum type="arabicPeriod"/>
+            </a:pPr>
+            <a:r>
+              <a:rPr lang="en-US" sz="2400" dirty="0">
+                <a:solidFill>
+                  <a:schemeClr val="bg1"/>
+                </a:solidFill>
+              </a:rPr>
+              <a:t>Number of </a:t>
+            </a:r>
+            <a:r>
+              <a:rPr lang="en-US" sz="2400" b="1" dirty="0">
+                <a:solidFill>
+                  <a:schemeClr val="bg1"/>
+                </a:solidFill>
+              </a:rPr>
+              <a:t>requests</a:t>
+            </a:r>
+          </a:p>
+          <a:p>
+            <a:pPr marL="457200" indent="-457200" algn="l" rtl="0">
+              <a:buAutoNum type="arabicPeriod"/>
+            </a:pPr>
+            <a:r>
+              <a:rPr lang="en-US" sz="2400" dirty="0">
+                <a:solidFill>
+                  <a:schemeClr val="bg1"/>
+                </a:solidFill>
+              </a:rPr>
+              <a:t>Total </a:t>
+            </a:r>
+            <a:r>
+              <a:rPr lang="en-US" sz="2400" b="1" dirty="0">
+                <a:solidFill>
+                  <a:schemeClr val="bg1"/>
+                </a:solidFill>
+              </a:rPr>
+              <a:t>weight</a:t>
+            </a:r>
+          </a:p>
+          <a:p>
+            <a:pPr marL="457200" indent="-457200" algn="l" rtl="0">
+              <a:buAutoNum type="arabicPeriod"/>
+            </a:pPr>
+            <a:r>
+              <a:rPr lang="en-US" sz="2400" dirty="0">
+                <a:solidFill>
+                  <a:schemeClr val="bg1"/>
+                </a:solidFill>
+              </a:rPr>
+              <a:t>Total </a:t>
+            </a:r>
+            <a:r>
+              <a:rPr lang="en-US" sz="2400" b="1" dirty="0">
+                <a:solidFill>
+                  <a:schemeClr val="bg1"/>
+                </a:solidFill>
+              </a:rPr>
+              <a:t>time</a:t>
+            </a:r>
+          </a:p>
+          <a:p>
+            <a:pPr marL="457200" indent="-457200" algn="l" rtl="0">
+              <a:buAutoNum type="arabicPeriod"/>
+            </a:pPr>
+            <a:endParaRPr lang="en-US" sz="2400" dirty="0">
+              <a:solidFill>
+                <a:schemeClr val="bg1"/>
+              </a:solidFill>
+            </a:endParaRPr>
+          </a:p>
+          <a:p>
+            <a:pPr algn="l"/>
+            <a:r>
+              <a:rPr lang="en-US" sz="2400" dirty="0">
+                <a:solidFill>
+                  <a:schemeClr val="bg1"/>
+                </a:solidFill>
+              </a:rPr>
+              <a:t>After verifying that the browser use the QUIC protocol only when set in the profile configuration, we looked at 3 test cases:</a:t>
+            </a:r>
+          </a:p>
+          <a:p>
+            <a:pPr algn="l"/>
+            <a:r>
+              <a:rPr lang="en-US" sz="2400" dirty="0">
+                <a:solidFill>
+                  <a:schemeClr val="bg1"/>
+                </a:solidFill>
+              </a:rPr>
+              <a:t>1. Run on a virtual machine with </a:t>
+            </a:r>
+            <a:r>
+              <a:rPr lang="en-US" sz="2400" dirty="0" err="1">
+                <a:solidFill>
+                  <a:schemeClr val="bg1"/>
+                </a:solidFill>
+              </a:rPr>
+              <a:t>WiFi</a:t>
+            </a:r>
+            <a:r>
+              <a:rPr lang="en-US" sz="2400" dirty="0">
+                <a:solidFill>
+                  <a:schemeClr val="bg1"/>
+                </a:solidFill>
+              </a:rPr>
+              <a:t> connection</a:t>
+            </a:r>
+          </a:p>
+          <a:p>
+            <a:pPr algn="l"/>
+            <a:r>
+              <a:rPr lang="en-US" sz="2400" dirty="0">
+                <a:solidFill>
+                  <a:schemeClr val="bg1"/>
+                </a:solidFill>
+              </a:rPr>
+              <a:t>2. Run on a virtual machine with an Ethernet connection</a:t>
+            </a:r>
+          </a:p>
+          <a:p>
+            <a:pPr algn="l"/>
+            <a:r>
+              <a:rPr lang="en-US" sz="2400" dirty="0">
+                <a:solidFill>
+                  <a:schemeClr val="bg1"/>
+                </a:solidFill>
+              </a:rPr>
+              <a:t>3. Run on Linux with an Ethernet connection</a:t>
+            </a:r>
+            <a:endParaRPr lang="he-IL" sz="2400" dirty="0">
+              <a:solidFill>
+                <a:schemeClr val="bg1"/>
+              </a:solidFill>
+            </a:endParaRPr>
+          </a:p>
+          <a:p>
+            <a:pPr algn="l"/>
+            <a:endParaRPr lang="en-US" dirty="0">
+              <a:solidFill>
+                <a:schemeClr val="bg1"/>
+              </a:solidFill>
+            </a:endParaRPr>
+          </a:p>
+          <a:p>
+            <a:pPr algn="ctr"/>
+            <a:r>
+              <a:rPr lang="en-US" sz="2800" b="1" dirty="0">
+                <a:solidFill>
+                  <a:schemeClr val="bg1"/>
+                </a:solidFill>
+              </a:rPr>
+              <a:t>In each test case we made 3000 entries to Google server (YouTube) using the QUIC protocol and 3000 identical entries without the experimental protocol (using HTTP 2.0)</a:t>
+            </a:r>
+            <a:endParaRPr lang="en-US" sz="2800" b="1" dirty="0">
+              <a:solidFill>
+                <a:srgbClr val="FF0000"/>
+              </a:solidFill>
+              <a:latin typeface="Segoe UI Black" panose="020B0A02040204020203" pitchFamily="34" charset="0"/>
+              <a:ea typeface="Segoe UI Black" panose="020B0A02040204020203" pitchFamily="34" charset="0"/>
+            </a:endParaRPr>
+          </a:p>
+        </p:txBody>
+      </p:sp>
+      <p:pic>
+        <p:nvPicPr>
+          <p:cNvPr id="4" name="תמונה 3" descr="תמונה שמכילה טקסט&#10;&#10;התיאור נוצר באופן אוטומטי">
+            <a:extLst>
+              <a:ext uri="{FF2B5EF4-FFF2-40B4-BE49-F238E27FC236}">
+                <a16:creationId xmlns:a16="http://schemas.microsoft.com/office/drawing/2014/main" id="{0D52779F-E880-464C-A36E-177390401293}"/>
+              </a:ext>
+            </a:extLst>
+          </p:cNvPr>
+          <p:cNvPicPr>
+            <a:picLocks noChangeAspect="1"/>
+          </p:cNvPicPr>
+          <p:nvPr/>
+        </p:nvPicPr>
+        <p:blipFill>
+          <a:blip r:embed="rId2">
+            <a:extLst>
+              <a:ext uri="{28A0092B-C50C-407E-A947-70E740481C1C}">
+                <a14:useLocalDpi xmlns:a14="http://schemas.microsoft.com/office/drawing/2010/main" val="0"/>
+              </a:ext>
+              <a:ext uri="{837473B0-CC2E-450A-ABE3-18F120FF3D39}">
+                <a1611:picAttrSrcUrl xmlns:a1611="http://schemas.microsoft.com/office/drawing/2016/11/main" r:id="rId3"/>
+              </a:ext>
+            </a:extLst>
+          </a:blip>
+          <a:stretch>
+            <a:fillRect/>
+          </a:stretch>
+        </p:blipFill>
+        <p:spPr>
+          <a:xfrm>
+            <a:off x="8420101" y="674400"/>
+            <a:ext cx="2214562" cy="2384913"/>
+          </a:xfrm>
+          <a:prstGeom prst="rect">
+            <a:avLst/>
+          </a:prstGeom>
+          <a:ln>
+            <a:noFill/>
+          </a:ln>
+          <a:effectLst>
+            <a:softEdge rad="112500"/>
+          </a:effectLst>
+        </p:spPr>
+      </p:pic>
+      <mc:AlternateContent xmlns:mc="http://schemas.openxmlformats.org/markup-compatibility/2006" xmlns:pslz="http://schemas.microsoft.com/office/powerpoint/2016/slidezoom">
+        <mc:Choice Requires="pslz">
+          <p:graphicFrame>
+            <p:nvGraphicFramePr>
+              <p:cNvPr id="5" name="תצוגת שקופית 4">
+                <a:extLst>
+                  <a:ext uri="{FF2B5EF4-FFF2-40B4-BE49-F238E27FC236}">
+                    <a16:creationId xmlns:a16="http://schemas.microsoft.com/office/drawing/2014/main" id="{84CE687A-A772-46EA-9DAF-0856548E8C0B}"/>
+                  </a:ext>
+                </a:extLst>
+              </p:cNvPr>
+              <p:cNvGraphicFramePr>
+                <a:graphicFrameLocks noChangeAspect="1"/>
+              </p:cNvGraphicFramePr>
+              <p:nvPr>
+                <p:extLst>
+                  <p:ext uri="{D42A27DB-BD31-4B8C-83A1-F6EECF244321}">
+                    <p14:modId xmlns:p14="http://schemas.microsoft.com/office/powerpoint/2010/main" val="250908577"/>
+                  </p:ext>
+                </p:extLst>
+              </p:nvPr>
+            </p:nvGraphicFramePr>
+            <p:xfrm>
+              <a:off x="4295775" y="2028825"/>
+              <a:ext cx="1195705" cy="672584"/>
+            </p:xfrm>
+            <a:graphic>
+              <a:graphicData uri="http://schemas.microsoft.com/office/powerpoint/2016/slidezoom">
+                <pslz:sldZm>
+                  <pslz:sldZmObj sldId="264" cId="810889528">
+                    <pslz:zmPr id="{8DA0DE95-3053-40F8-81E3-0757488F1683}" transitionDur="1000">
+                      <p166:blipFill xmlns:p166="http://schemas.microsoft.com/office/powerpoint/2016/6/main">
+                        <a:blip r:embed="rId4"/>
+                        <a:stretch>
+                          <a:fillRect/>
+                        </a:stretch>
+                      </p166:blipFill>
+                      <p166:spPr xmlns:p166="http://schemas.microsoft.com/office/powerpoint/2016/6/main">
+                        <a:xfrm>
+                          <a:off x="0" y="0"/>
+                          <a:ext cx="1195705" cy="672584"/>
+                        </a:xfrm>
+                        <a:prstGeom prst="rect">
+                          <a:avLst/>
+                        </a:prstGeom>
+                        <a:ln w="3175">
+                          <a:solidFill>
+                            <a:prstClr val="ltGray"/>
+                          </a:solidFill>
+                        </a:ln>
+                      </p166:spPr>
+                    </pslz:zmPr>
+                  </pslz:sldZmObj>
+                </pslz:sldZm>
+              </a:graphicData>
+            </a:graphic>
+          </p:graphicFrame>
+        </mc:Choice>
+        <mc:Fallback xmlns="">
+          <p:pic>
+            <p:nvPicPr>
+              <p:cNvPr id="5" name="תצוגת שקופית 4">
+                <a:hlinkClick r:id="rId5" action="ppaction://hlinksldjump"/>
+                <a:extLst>
+                  <a:ext uri="{FF2B5EF4-FFF2-40B4-BE49-F238E27FC236}">
+                    <a16:creationId xmlns:a16="http://schemas.microsoft.com/office/drawing/2014/main" id="{84CE687A-A772-46EA-9DAF-0856548E8C0B}"/>
+                  </a:ext>
+                </a:extLst>
+              </p:cNvPr>
+              <p:cNvPicPr>
+                <a:picLocks noGrp="1" noRot="1" noChangeAspect="1" noMove="1" noResize="1" noEditPoints="1" noAdjustHandles="1" noChangeArrowheads="1" noChangeShapeType="1"/>
+              </p:cNvPicPr>
+              <p:nvPr/>
+            </p:nvPicPr>
+            <p:blipFill>
+              <a:blip r:embed="rId6"/>
+              <a:stretch>
+                <a:fillRect/>
+              </a:stretch>
+            </p:blipFill>
+            <p:spPr>
+              <a:xfrm>
+                <a:off x="4295775" y="2028825"/>
+                <a:ext cx="1195705" cy="672584"/>
+              </a:xfrm>
+              <a:prstGeom prst="rect">
+                <a:avLst/>
+              </a:prstGeom>
+              <a:ln w="3175">
+                <a:solidFill>
+                  <a:prstClr val="ltGray"/>
+                </a:solidFill>
+              </a:ln>
+            </p:spPr>
+          </p:pic>
+        </mc:Fallback>
+      </mc:AlternateContent>
+    </p:spTree>
+    <p:extLst>
+      <p:ext uri="{BB962C8B-B14F-4D97-AF65-F5344CB8AC3E}">
+        <p14:creationId xmlns:p14="http://schemas.microsoft.com/office/powerpoint/2010/main" val="2399457740"/>
+      </p:ext>
+    </p:extLst>
+  </p:cSld>
+  <p:clrMapOvr>
+    <a:masterClrMapping/>
+  </p:clrMapOvr>
+  <p:timing>
+    <p:tnLst>
+      <p:par>
+        <p:cTn id="1" dur="indefinite" restart="never" nodeType="tmRoot">
+          <p:childTnLst>
+            <p:seq concurrent="1" nextAc="seek">
+              <p:cTn id="2" dur="indefinite" nodeType="mainSeq">
+                <p:childTnLst>
+                  <p:par>
+                    <p:cTn id="3" fill="hold">
+                      <p:stCondLst>
+                        <p:cond delay="indefinite"/>
+                        <p:cond evt="onBegin" delay="0">
+                          <p:tn val="2"/>
+                        </p:cond>
+                      </p:stCondLst>
+                      <p:childTnLst>
+                        <p:par>
+                          <p:cTn id="4" fill="hold">
+                            <p:stCondLst>
+                              <p:cond delay="0"/>
+                            </p:stCondLst>
+                            <p:childTnLst>
+                              <p:par>
+                                <p:cTn id="5" presetID="32" presetClass="emph" presetSubtype="0" fill="hold" nodeType="afterEffect">
+                                  <p:stCondLst>
+                                    <p:cond delay="0"/>
+                                  </p:stCondLst>
+                                  <p:childTnLst>
+                                    <p:animRot by="120000">
+                                      <p:cBhvr>
+                                        <p:cTn id="6" dur="100" fill="hold">
+                                          <p:stCondLst>
+                                            <p:cond delay="0"/>
+                                          </p:stCondLst>
+                                        </p:cTn>
+                                        <p:tgtEl>
+                                          <p:spTgt spid="4"/>
+                                        </p:tgtEl>
+                                        <p:attrNameLst>
+                                          <p:attrName>r</p:attrName>
+                                        </p:attrNameLst>
+                                      </p:cBhvr>
+                                    </p:animRot>
+                                    <p:animRot by="-240000">
+                                      <p:cBhvr>
+                                        <p:cTn id="7" dur="200" fill="hold">
+                                          <p:stCondLst>
+                                            <p:cond delay="200"/>
+                                          </p:stCondLst>
+                                        </p:cTn>
+                                        <p:tgtEl>
+                                          <p:spTgt spid="4"/>
+                                        </p:tgtEl>
+                                        <p:attrNameLst>
+                                          <p:attrName>r</p:attrName>
+                                        </p:attrNameLst>
+                                      </p:cBhvr>
+                                    </p:animRot>
+                                    <p:animRot by="240000">
+                                      <p:cBhvr>
+                                        <p:cTn id="8" dur="200" fill="hold">
+                                          <p:stCondLst>
+                                            <p:cond delay="400"/>
+                                          </p:stCondLst>
+                                        </p:cTn>
+                                        <p:tgtEl>
+                                          <p:spTgt spid="4"/>
+                                        </p:tgtEl>
+                                        <p:attrNameLst>
+                                          <p:attrName>r</p:attrName>
+                                        </p:attrNameLst>
+                                      </p:cBhvr>
+                                    </p:animRot>
+                                    <p:animRot by="-240000">
+                                      <p:cBhvr>
+                                        <p:cTn id="9" dur="200" fill="hold">
+                                          <p:stCondLst>
+                                            <p:cond delay="600"/>
+                                          </p:stCondLst>
+                                        </p:cTn>
+                                        <p:tgtEl>
+                                          <p:spTgt spid="4"/>
+                                        </p:tgtEl>
+                                        <p:attrNameLst>
+                                          <p:attrName>r</p:attrName>
+                                        </p:attrNameLst>
+                                      </p:cBhvr>
+                                    </p:animRot>
+                                    <p:animRot by="120000">
+                                      <p:cBhvr>
+                                        <p:cTn id="10" dur="200" fill="hold">
+                                          <p:stCondLst>
+                                            <p:cond delay="800"/>
+                                          </p:stCondLst>
+                                        </p:cTn>
+                                        <p:tgtEl>
+                                          <p:spTgt spid="4"/>
+                                        </p:tgtEl>
+                                        <p:attrNameLst>
+                                          <p:attrName>r</p:attrName>
+                                        </p:attrNameLst>
+                                      </p:cBhvr>
+                                    </p:animRot>
+                                  </p:childTnLst>
+                                </p:cTn>
+                              </p:par>
+                            </p:childTnLst>
+                          </p:cTn>
+                        </p:par>
+                      </p:childTnLst>
+                    </p:cTn>
+                  </p:par>
+                </p:childTnLst>
+              </p:cTn>
+              <p:prevCondLst>
+                <p:cond evt="onPrev" delay="0">
+                  <p:tgtEl>
+                    <p:sldTgt/>
+                  </p:tgtEl>
+                </p:cond>
+              </p:prevCondLst>
+              <p:nextCondLst>
+                <p:cond evt="onNext" delay="0">
+                  <p:tgtEl>
+                    <p:sldTgt/>
+                  </p:tgtEl>
+                </p:cond>
+              </p:nextCondLst>
+            </p:seq>
+          </p:childTnLst>
+        </p:cTn>
+      </p:par>
+    </p:tnLst>
+  </p:timing>
+</p:sld>
+</file>
+
+<file path=ppt/slides/slide11.xml><?xml version="1.0" encoding="utf-8"?>
 <p:sld xmlns:a="http://schemas.openxmlformats.org/drawingml/2006/main" xmlns:r="http://schemas.openxmlformats.org/officeDocument/2006/relationships" xmlns:p="http://schemas.openxmlformats.org/presentationml/2006/main">
   <p:cSld>
     <p:bg>
@@ -4663,8 +5197,8 @@
           </a:fontRef>
         </p:style>
       </p:cxnSp>
-      <mc:AlternateContent xmlns:mc="http://schemas.openxmlformats.org/markup-compatibility/2006">
-        <mc:Choice xmlns:pslz="http://schemas.microsoft.com/office/powerpoint/2016/slidezoom" Requires="pslz">
+      <mc:AlternateContent xmlns:mc="http://schemas.openxmlformats.org/markup-compatibility/2006" xmlns:pslz="http://schemas.microsoft.com/office/powerpoint/2016/slidezoom">
+        <mc:Choice Requires="pslz">
           <p:graphicFrame>
             <p:nvGraphicFramePr>
               <p:cNvPr id="47" name="תצוגת שקופית 46">
@@ -4722,7 +5256,7 @@
             </a:graphic>
           </p:graphicFrame>
         </mc:Choice>
-        <mc:Fallback>
+        <mc:Fallback xmlns="">
           <p:pic>
             <p:nvPicPr>
               <p:cNvPr id="47" name="תצוגת שקופית 46">
@@ -4739,7 +5273,7 @@
               <p:nvPr/>
             </p:nvPicPr>
             <p:blipFill>
-              <a:blip r:embed="rId4">
+              <a:blip r:embed="rId6">
                 <a:extLst>
                   <a:ext uri="{28A0092B-C50C-407E-A947-70E740481C1C}">
                     <a14:useLocalDpi xmlns:a14="http://schemas.microsoft.com/office/drawing/2010/main" val="0"/>
@@ -4762,8 +5296,8 @@
           </p:pic>
         </mc:Fallback>
       </mc:AlternateContent>
-      <mc:AlternateContent xmlns:mc="http://schemas.openxmlformats.org/markup-compatibility/2006">
-        <mc:Choice xmlns:pslz="http://schemas.microsoft.com/office/powerpoint/2016/slidezoom" Requires="pslz">
+      <mc:AlternateContent xmlns:mc="http://schemas.openxmlformats.org/markup-compatibility/2006" xmlns:pslz="http://schemas.microsoft.com/office/powerpoint/2016/slidezoom">
+        <mc:Choice Requires="pslz">
           <p:graphicFrame>
             <p:nvGraphicFramePr>
               <p:cNvPr id="49" name="תצוגת שקופית 48">
@@ -4794,7 +5328,7 @@
                   <pslz:sldZmObj sldId="267" cId="659012817">
                     <pslz:zmPr id="{4821EB34-AA63-478F-A058-17B76D1BB3E6}" imageType="cover" transitionDur="1000" showBg="0">
                       <p166:blipFill xmlns:p166="http://schemas.microsoft.com/office/powerpoint/2016/6/main">
-                        <a:blip r:embed="rId6">
+                        <a:blip r:embed="rId7">
                           <a:extLst>
                             <a:ext uri="{28A0092B-C50C-407E-A947-70E740481C1C}">
                               <a14:useLocalDpi xmlns:a14="http://schemas.microsoft.com/office/drawing/2010/main" val="0"/>
@@ -4821,11 +5355,11 @@
             </a:graphic>
           </p:graphicFrame>
         </mc:Choice>
-        <mc:Fallback>
+        <mc:Fallback xmlns="">
           <p:pic>
             <p:nvPicPr>
               <p:cNvPr id="49" name="תצוגת שקופית 48">
-                <a:hlinkClick r:id="rId7" action="ppaction://hlinksldjump"/>
+                <a:hlinkClick r:id="rId8" action="ppaction://hlinksldjump"/>
                 <a:extLst>
                   <a:ext uri="{FF2B5EF4-FFF2-40B4-BE49-F238E27FC236}">
                     <a16:creationId xmlns:a16="http://schemas.microsoft.com/office/drawing/2014/main" id="{D77664D4-7942-4121-BD14-21F302D3ACE6}"/>
@@ -4838,7 +5372,7 @@
               <p:nvPr/>
             </p:nvPicPr>
             <p:blipFill>
-              <a:blip r:embed="rId6">
+              <a:blip r:embed="rId9">
                 <a:extLst>
                   <a:ext uri="{28A0092B-C50C-407E-A947-70E740481C1C}">
                     <a14:useLocalDpi xmlns:a14="http://schemas.microsoft.com/office/drawing/2010/main" val="0"/>
@@ -4861,8 +5395,8 @@
           </p:pic>
         </mc:Fallback>
       </mc:AlternateContent>
-      <mc:AlternateContent xmlns:mc="http://schemas.openxmlformats.org/markup-compatibility/2006">
-        <mc:Choice xmlns:pslz="http://schemas.microsoft.com/office/powerpoint/2016/slidezoom" Requires="pslz">
+      <mc:AlternateContent xmlns:mc="http://schemas.openxmlformats.org/markup-compatibility/2006" xmlns:pslz="http://schemas.microsoft.com/office/powerpoint/2016/slidezoom">
+        <mc:Choice Requires="pslz">
           <p:graphicFrame>
             <p:nvGraphicFramePr>
               <p:cNvPr id="51" name="תצוגת שקופית 50">
@@ -4893,7 +5427,7 @@
                   <pslz:sldZmObj sldId="268" cId="1496064927">
                     <pslz:zmPr id="{7494EC04-FA69-4FDF-88B8-F629AE1EB8C1}" imageType="cover" transitionDur="1000" showBg="0">
                       <p166:blipFill xmlns:p166="http://schemas.microsoft.com/office/powerpoint/2016/6/main">
-                        <a:blip r:embed="rId8">
+                        <a:blip r:embed="rId10">
                           <a:extLst>
                             <a:ext uri="{28A0092B-C50C-407E-A947-70E740481C1C}">
                               <a14:useLocalDpi xmlns:a14="http://schemas.microsoft.com/office/drawing/2010/main" val="0"/>
@@ -4920,11 +5454,11 @@
             </a:graphic>
           </p:graphicFrame>
         </mc:Choice>
-        <mc:Fallback>
+        <mc:Fallback xmlns="">
           <p:pic>
             <p:nvPicPr>
               <p:cNvPr id="51" name="תצוגת שקופית 50">
-                <a:hlinkClick r:id="rId9" action="ppaction://hlinksldjump"/>
+                <a:hlinkClick r:id="rId11" action="ppaction://hlinksldjump"/>
                 <a:extLst>
                   <a:ext uri="{FF2B5EF4-FFF2-40B4-BE49-F238E27FC236}">
                     <a16:creationId xmlns:a16="http://schemas.microsoft.com/office/drawing/2014/main" id="{27A76813-F5FA-41E4-BD09-4004366B622F}"/>
@@ -4937,7 +5471,7 @@
               <p:nvPr/>
             </p:nvPicPr>
             <p:blipFill>
-              <a:blip r:embed="rId8">
+              <a:blip r:embed="rId12">
                 <a:extLst>
                   <a:ext uri="{28A0092B-C50C-407E-A947-70E740481C1C}">
                     <a14:useLocalDpi xmlns:a14="http://schemas.microsoft.com/office/drawing/2010/main" val="0"/>
@@ -4973,7 +5507,7 @@
 </p:sld>
 </file>
 
-<file path=ppt/slides/slide11.xml><?xml version="1.0" encoding="utf-8"?>
+<file path=ppt/slides/slide12.xml><?xml version="1.0" encoding="utf-8"?>
 <p:sld xmlns:a="http://schemas.openxmlformats.org/drawingml/2006/main" xmlns:r="http://schemas.openxmlformats.org/officeDocument/2006/relationships" xmlns:p="http://schemas.openxmlformats.org/presentationml/2006/main">
   <p:cSld>
     <p:bg>
@@ -5242,8 +5776,8 @@
           </a:p>
         </p:txBody>
       </p:sp>
-      <mc:AlternateContent xmlns:mc="http://schemas.openxmlformats.org/markup-compatibility/2006">
-        <mc:Choice xmlns:pslz="http://schemas.microsoft.com/office/powerpoint/2016/slidezoom" Requires="pslz">
+      <mc:AlternateContent xmlns:mc="http://schemas.openxmlformats.org/markup-compatibility/2006" xmlns:pslz="http://schemas.microsoft.com/office/powerpoint/2016/slidezoom">
+        <mc:Choice Requires="pslz">
           <p:graphicFrame>
             <p:nvGraphicFramePr>
               <p:cNvPr id="9" name="תצוגת שקופית 8">
@@ -5295,7 +5829,7 @@
             </a:graphic>
           </p:graphicFrame>
         </mc:Choice>
-        <mc:Fallback>
+        <mc:Fallback xmlns="">
           <p:pic>
             <p:nvPicPr>
               <p:cNvPr id="9" name="תצוגת שקופית 8">
@@ -5312,7 +5846,7 @@
               <p:nvPr/>
             </p:nvPicPr>
             <p:blipFill>
-              <a:blip r:embed="rId2"/>
+              <a:blip r:embed="rId4"/>
               <a:stretch>
                 <a:fillRect/>
               </a:stretch>
@@ -5329,8 +5863,8 @@
           </p:pic>
         </mc:Fallback>
       </mc:AlternateContent>
-      <mc:AlternateContent xmlns:mc="http://schemas.openxmlformats.org/markup-compatibility/2006">
-        <mc:Choice xmlns:pslz="http://schemas.microsoft.com/office/powerpoint/2016/slidezoom" Requires="pslz">
+      <mc:AlternateContent xmlns:mc="http://schemas.openxmlformats.org/markup-compatibility/2006" xmlns:pslz="http://schemas.microsoft.com/office/powerpoint/2016/slidezoom">
+        <mc:Choice Requires="pslz">
           <p:graphicFrame>
             <p:nvGraphicFramePr>
               <p:cNvPr id="11" name="תצוגת שקופית 10">
@@ -5361,7 +5895,7 @@
                   <pslz:sldZmObj sldId="270" cId="507897413">
                     <pslz:zmPr id="{89CD0C9E-9C48-41DA-99EB-21BF190B9FC2}" transitionDur="1000" showBg="0">
                       <p166:blipFill xmlns:p166="http://schemas.microsoft.com/office/powerpoint/2016/6/main">
-                        <a:blip r:embed="rId4"/>
+                        <a:blip r:embed="rId5"/>
                         <a:stretch>
                           <a:fillRect/>
                         </a:stretch>
@@ -5382,11 +5916,11 @@
             </a:graphic>
           </p:graphicFrame>
         </mc:Choice>
-        <mc:Fallback>
+        <mc:Fallback xmlns="">
           <p:pic>
             <p:nvPicPr>
               <p:cNvPr id="11" name="תצוגת שקופית 10">
-                <a:hlinkClick r:id="rId5" action="ppaction://hlinksldjump"/>
+                <a:hlinkClick r:id="rId6" action="ppaction://hlinksldjump"/>
                 <a:extLst>
                   <a:ext uri="{FF2B5EF4-FFF2-40B4-BE49-F238E27FC236}">
                     <a16:creationId xmlns:a16="http://schemas.microsoft.com/office/drawing/2014/main" id="{9FDB66F8-C6D3-4CCA-8684-69ADD354138B}"/>
@@ -5399,7 +5933,7 @@
               <p:nvPr/>
             </p:nvPicPr>
             <p:blipFill>
-              <a:blip r:embed="rId4"/>
+              <a:blip r:embed="rId7"/>
               <a:stretch>
                 <a:fillRect/>
               </a:stretch>
@@ -5416,8 +5950,8 @@
           </p:pic>
         </mc:Fallback>
       </mc:AlternateContent>
-      <mc:AlternateContent xmlns:mc="http://schemas.openxmlformats.org/markup-compatibility/2006">
-        <mc:Choice xmlns:pslz="http://schemas.microsoft.com/office/powerpoint/2016/slidezoom" Requires="pslz">
+      <mc:AlternateContent xmlns:mc="http://schemas.openxmlformats.org/markup-compatibility/2006" xmlns:pslz="http://schemas.microsoft.com/office/powerpoint/2016/slidezoom">
+        <mc:Choice Requires="pslz">
           <p:graphicFrame>
             <p:nvGraphicFramePr>
               <p:cNvPr id="13" name="תצוגת שקופית 12">
@@ -5448,7 +5982,7 @@
                   <pslz:sldZmObj sldId="271" cId="4130956226">
                     <pslz:zmPr id="{3CE0B9A3-2480-4924-869A-C0DCC3258C5D}" transitionDur="1000" showBg="0">
                       <p166:blipFill xmlns:p166="http://schemas.microsoft.com/office/powerpoint/2016/6/main">
-                        <a:blip r:embed="rId6"/>
+                        <a:blip r:embed="rId8"/>
                         <a:stretch>
                           <a:fillRect/>
                         </a:stretch>
@@ -5469,11 +6003,11 @@
             </a:graphic>
           </p:graphicFrame>
         </mc:Choice>
-        <mc:Fallback>
+        <mc:Fallback xmlns="">
           <p:pic>
             <p:nvPicPr>
               <p:cNvPr id="13" name="תצוגת שקופית 12">
-                <a:hlinkClick r:id="rId7" action="ppaction://hlinksldjump"/>
+                <a:hlinkClick r:id="rId9" action="ppaction://hlinksldjump"/>
                 <a:extLst>
                   <a:ext uri="{FF2B5EF4-FFF2-40B4-BE49-F238E27FC236}">
                     <a16:creationId xmlns:a16="http://schemas.microsoft.com/office/drawing/2014/main" id="{4CC5F3A8-01EC-4B4F-B54A-8909821569B4}"/>
@@ -5486,7 +6020,7 @@
               <p:nvPr/>
             </p:nvPicPr>
             <p:blipFill>
-              <a:blip r:embed="rId6"/>
+              <a:blip r:embed="rId10"/>
               <a:stretch>
                 <a:fillRect/>
               </a:stretch>
@@ -5507,169 +6041,6 @@
     <p:extLst>
       <p:ext uri="{BB962C8B-B14F-4D97-AF65-F5344CB8AC3E}">
         <p14:creationId xmlns:p14="http://schemas.microsoft.com/office/powerpoint/2010/main" val="3873473232"/>
-      </p:ext>
-    </p:extLst>
-  </p:cSld>
-  <p:clrMapOvr>
-    <a:masterClrMapping/>
-  </p:clrMapOvr>
-</p:sld>
-</file>
-
-<file path=ppt/slides/slide12.xml><?xml version="1.0" encoding="utf-8"?>
-<p:sld xmlns:a="http://schemas.openxmlformats.org/drawingml/2006/main" xmlns:r="http://schemas.openxmlformats.org/officeDocument/2006/relationships" xmlns:p="http://schemas.openxmlformats.org/presentationml/2006/main">
-  <p:cSld>
-    <p:bg>
-      <p:bgPr>
-        <a:solidFill>
-          <a:schemeClr val="accent3">
-            <a:lumMod val="75000"/>
-          </a:schemeClr>
-        </a:solidFill>
-        <a:effectLst/>
-      </p:bgPr>
-    </p:bg>
-    <p:spTree>
-      <p:nvGrpSpPr>
-        <p:cNvPr id="1" name=""/>
-        <p:cNvGrpSpPr/>
-        <p:nvPr/>
-      </p:nvGrpSpPr>
-      <p:grpSpPr>
-        <a:xfrm>
-          <a:off x="0" y="0"/>
-          <a:ext cx="0" cy="0"/>
-          <a:chOff x="0" y="0"/>
-          <a:chExt cx="0" cy="0"/>
-        </a:xfrm>
-      </p:grpSpPr>
-      <p:sp>
-        <p:nvSpPr>
-          <p:cNvPr id="4" name="מלבן 3">
-            <a:extLst>
-              <a:ext uri="{FF2B5EF4-FFF2-40B4-BE49-F238E27FC236}">
-                <a16:creationId xmlns:a16="http://schemas.microsoft.com/office/drawing/2014/main" id="{EA0DC44C-22D0-45E2-84EE-14BFDAC9D165}"/>
-              </a:ext>
-            </a:extLst>
-          </p:cNvPr>
-          <p:cNvSpPr/>
-          <p:nvPr/>
-        </p:nvSpPr>
-        <p:spPr>
-          <a:xfrm>
-            <a:off x="8677276" y="243870"/>
-            <a:ext cx="4495141" cy="830997"/>
-          </a:xfrm>
-          <a:prstGeom prst="rect">
-            <a:avLst/>
-          </a:prstGeom>
-        </p:spPr>
-        <p:txBody>
-          <a:bodyPr wrap="square">
-            <a:spAutoFit/>
-          </a:bodyPr>
-          <a:lstStyle/>
-          <a:p>
-            <a:pPr algn="ctr"/>
-            <a:r>
-              <a:rPr lang="en-US" sz="2400" b="1" dirty="0">
-                <a:ln w="9525">
-                  <a:solidFill>
-                    <a:schemeClr val="bg1"/>
-                  </a:solidFill>
-                  <a:prstDash val="solid"/>
-                </a:ln>
-                <a:solidFill>
-                  <a:schemeClr val="bg1"/>
-                </a:solidFill>
-                <a:effectLst>
-                  <a:outerShdw blurRad="12700" dist="38100" dir="2700000" algn="tl" rotWithShape="0">
-                    <a:schemeClr val="bg1">
-                      <a:lumMod val="50000"/>
-                    </a:schemeClr>
-                  </a:outerShdw>
-                </a:effectLst>
-                <a:latin typeface="Segoe UI Black" panose="020B0A02040204020203" pitchFamily="34" charset="0"/>
-                <a:ea typeface="Segoe UI Black" panose="020B0A02040204020203" pitchFamily="34" charset="0"/>
-              </a:rPr>
-              <a:t>Weight</a:t>
-            </a:r>
-          </a:p>
-          <a:p>
-            <a:pPr algn="ctr"/>
-            <a:r>
-              <a:rPr lang="en-US" sz="2400" b="1" dirty="0">
-                <a:ln w="9525">
-                  <a:solidFill>
-                    <a:schemeClr val="bg1"/>
-                  </a:solidFill>
-                  <a:prstDash val="solid"/>
-                </a:ln>
-                <a:solidFill>
-                  <a:schemeClr val="bg1"/>
-                </a:solidFill>
-                <a:effectLst>
-                  <a:outerShdw blurRad="12700" dist="38100" dir="2700000" algn="tl" rotWithShape="0">
-                    <a:schemeClr val="bg1">
-                      <a:lumMod val="50000"/>
-                    </a:schemeClr>
-                  </a:outerShdw>
-                </a:effectLst>
-                <a:latin typeface="Segoe UI Black" panose="020B0A02040204020203" pitchFamily="34" charset="0"/>
-                <a:ea typeface="Segoe UI Black" panose="020B0A02040204020203" pitchFamily="34" charset="0"/>
-              </a:rPr>
-              <a:t>(VM ethernet)</a:t>
-            </a:r>
-            <a:endParaRPr lang="he-IL" sz="2400" dirty="0">
-              <a:solidFill>
-                <a:schemeClr val="bg1"/>
-              </a:solidFill>
-              <a:latin typeface="Segoe UI Black" panose="020B0A02040204020203" pitchFamily="34" charset="0"/>
-              <a:ea typeface="Segoe UI Black" panose="020B0A02040204020203" pitchFamily="34" charset="0"/>
-            </a:endParaRPr>
-          </a:p>
-        </p:txBody>
-      </p:sp>
-      <p:pic>
-        <p:nvPicPr>
-          <p:cNvPr id="6" name="תמונה 5" descr="תמונה שמכילה צילום מסך&#10;&#10;התיאור נוצר באופן אוטומטי">
-            <a:extLst>
-              <a:ext uri="{FF2B5EF4-FFF2-40B4-BE49-F238E27FC236}">
-                <a16:creationId xmlns:a16="http://schemas.microsoft.com/office/drawing/2014/main" id="{149077F0-AB59-4E07-892E-48C7A71A234E}"/>
-              </a:ext>
-            </a:extLst>
-          </p:cNvPr>
-          <p:cNvPicPr>
-            <a:picLocks noChangeAspect="1"/>
-          </p:cNvPicPr>
-          <p:nvPr/>
-        </p:nvPicPr>
-        <p:blipFill>
-          <a:blip r:embed="rId2">
-            <a:extLst>
-              <a:ext uri="{28A0092B-C50C-407E-A947-70E740481C1C}">
-                <a14:useLocalDpi xmlns:a14="http://schemas.microsoft.com/office/drawing/2010/main" val="0"/>
-              </a:ext>
-            </a:extLst>
-          </a:blip>
-          <a:stretch>
-            <a:fillRect/>
-          </a:stretch>
-        </p:blipFill>
-        <p:spPr>
-          <a:xfrm>
-            <a:off x="1771651" y="135875"/>
-            <a:ext cx="8039100" cy="6586250"/>
-          </a:xfrm>
-          <a:prstGeom prst="rect">
-            <a:avLst/>
-          </a:prstGeom>
-        </p:spPr>
-      </p:pic>
-    </p:spTree>
-    <p:extLst>
-      <p:ext uri="{BB962C8B-B14F-4D97-AF65-F5344CB8AC3E}">
-        <p14:creationId xmlns:p14="http://schemas.microsoft.com/office/powerpoint/2010/main" val="2084972698"/>
       </p:ext>
     </p:extLst>
   </p:cSld>
@@ -5720,15 +6091,15 @@
         </p:nvSpPr>
         <p:spPr>
           <a:xfrm>
-            <a:off x="10153854" y="605820"/>
-            <a:ext cx="1981633" cy="707886"/>
+            <a:off x="10220325" y="310545"/>
+            <a:ext cx="2190092" cy="707886"/>
           </a:xfrm>
           <a:prstGeom prst="rect">
             <a:avLst/>
           </a:prstGeom>
         </p:spPr>
         <p:txBody>
-          <a:bodyPr wrap="none">
+          <a:bodyPr wrap="square">
             <a:spAutoFit/>
           </a:bodyPr>
           <a:lstStyle/>
@@ -5755,7 +6126,7 @@
                 <a:latin typeface="Segoe UI Black" panose="020B0A02040204020203" pitchFamily="34" charset="0"/>
                 <a:ea typeface="Segoe UI Black" panose="020B0A02040204020203" pitchFamily="34" charset="0"/>
               </a:rPr>
-              <a:t>Time</a:t>
+              <a:t>Weight</a:t>
             </a:r>
           </a:p>
           <a:p>
@@ -5798,7 +6169,7 @@
           <p:cNvPr id="3" name="תמונה 2" descr="תמונה שמכילה צילום מסך&#10;&#10;התיאור נוצר באופן אוטומטי">
             <a:extLst>
               <a:ext uri="{FF2B5EF4-FFF2-40B4-BE49-F238E27FC236}">
-                <a16:creationId xmlns:a16="http://schemas.microsoft.com/office/drawing/2014/main" id="{528E6625-EE73-458D-9A15-A26E49360396}"/>
+                <a16:creationId xmlns:a16="http://schemas.microsoft.com/office/drawing/2014/main" id="{25C67AAF-94CE-4823-9DAE-13E5EA264B3C}"/>
               </a:ext>
             </a:extLst>
           </p:cNvPr>
@@ -5821,8 +6192,8 @@
         </p:blipFill>
         <p:spPr>
           <a:xfrm>
-            <a:off x="2038047" y="268658"/>
-            <a:ext cx="8115905" cy="6320683"/>
+            <a:off x="1772936" y="186702"/>
+            <a:ext cx="8646127" cy="6484595"/>
           </a:xfrm>
           <a:prstGeom prst="rect">
             <a:avLst/>
@@ -5832,7 +6203,7 @@
     </p:spTree>
     <p:extLst>
       <p:ext uri="{BB962C8B-B14F-4D97-AF65-F5344CB8AC3E}">
-        <p14:creationId xmlns:p14="http://schemas.microsoft.com/office/powerpoint/2010/main" val="507897413"/>
+        <p14:creationId xmlns:p14="http://schemas.microsoft.com/office/powerpoint/2010/main" val="2084972698"/>
       </p:ext>
     </p:extLst>
   </p:cSld>
@@ -5883,7 +6254,170 @@
         </p:nvSpPr>
         <p:spPr>
           <a:xfrm>
-            <a:off x="10210367" y="541139"/>
+            <a:off x="10153854" y="605820"/>
+            <a:ext cx="1981633" cy="707886"/>
+          </a:xfrm>
+          <a:prstGeom prst="rect">
+            <a:avLst/>
+          </a:prstGeom>
+        </p:spPr>
+        <p:txBody>
+          <a:bodyPr wrap="none">
+            <a:spAutoFit/>
+          </a:bodyPr>
+          <a:lstStyle/>
+          <a:p>
+            <a:pPr algn="ctr"/>
+            <a:r>
+              <a:rPr lang="en-US" sz="2000" b="1" dirty="0">
+                <a:ln w="9525">
+                  <a:solidFill>
+                    <a:schemeClr val="bg1"/>
+                  </a:solidFill>
+                  <a:prstDash val="solid"/>
+                </a:ln>
+                <a:solidFill>
+                  <a:schemeClr val="bg1"/>
+                </a:solidFill>
+                <a:effectLst>
+                  <a:outerShdw blurRad="12700" dist="38100" dir="2700000" algn="tl" rotWithShape="0">
+                    <a:schemeClr val="bg1">
+                      <a:lumMod val="50000"/>
+                    </a:schemeClr>
+                  </a:outerShdw>
+                </a:effectLst>
+                <a:latin typeface="Segoe UI Black" panose="020B0A02040204020203" pitchFamily="34" charset="0"/>
+                <a:ea typeface="Segoe UI Black" panose="020B0A02040204020203" pitchFamily="34" charset="0"/>
+              </a:rPr>
+              <a:t>Time</a:t>
+            </a:r>
+          </a:p>
+          <a:p>
+            <a:pPr algn="ctr"/>
+            <a:r>
+              <a:rPr lang="en-US" sz="2000" b="1" dirty="0">
+                <a:ln w="9525">
+                  <a:solidFill>
+                    <a:schemeClr val="bg1"/>
+                  </a:solidFill>
+                  <a:prstDash val="solid"/>
+                </a:ln>
+                <a:solidFill>
+                  <a:schemeClr val="bg1"/>
+                </a:solidFill>
+                <a:effectLst>
+                  <a:outerShdw blurRad="12700" dist="38100" dir="2700000" algn="tl" rotWithShape="0">
+                    <a:schemeClr val="bg1">
+                      <a:lumMod val="50000"/>
+                    </a:schemeClr>
+                  </a:outerShdw>
+                </a:effectLst>
+                <a:latin typeface="Segoe UI Black" panose="020B0A02040204020203" pitchFamily="34" charset="0"/>
+                <a:ea typeface="Segoe UI Black" panose="020B0A02040204020203" pitchFamily="34" charset="0"/>
+              </a:rPr>
+              <a:t>(VM ethernet)</a:t>
+            </a:r>
+            <a:endParaRPr lang="he-IL" sz="2000" dirty="0">
+              <a:solidFill>
+                <a:schemeClr val="bg1"/>
+              </a:solidFill>
+              <a:latin typeface="Segoe UI Black" panose="020B0A02040204020203" pitchFamily="34" charset="0"/>
+              <a:ea typeface="Segoe UI Black" panose="020B0A02040204020203" pitchFamily="34" charset="0"/>
+            </a:endParaRPr>
+          </a:p>
+        </p:txBody>
+      </p:sp>
+      <p:pic>
+        <p:nvPicPr>
+          <p:cNvPr id="5" name="תמונה 4" descr="תמונה שמכילה צילום מסך&#10;&#10;התיאור נוצר באופן אוטומטי">
+            <a:extLst>
+              <a:ext uri="{FF2B5EF4-FFF2-40B4-BE49-F238E27FC236}">
+                <a16:creationId xmlns:a16="http://schemas.microsoft.com/office/drawing/2014/main" id="{1A313AFA-EB63-4919-A73F-03753DF07C62}"/>
+              </a:ext>
+            </a:extLst>
+          </p:cNvPr>
+          <p:cNvPicPr>
+            <a:picLocks noChangeAspect="1"/>
+          </p:cNvPicPr>
+          <p:nvPr/>
+        </p:nvPicPr>
+        <p:blipFill>
+          <a:blip r:embed="rId2">
+            <a:extLst>
+              <a:ext uri="{28A0092B-C50C-407E-A947-70E740481C1C}">
+                <a14:useLocalDpi xmlns:a14="http://schemas.microsoft.com/office/drawing/2010/main" val="0"/>
+              </a:ext>
+            </a:extLst>
+          </a:blip>
+          <a:stretch>
+            <a:fillRect/>
+          </a:stretch>
+        </p:blipFill>
+        <p:spPr>
+          <a:xfrm>
+            <a:off x="1442719" y="137155"/>
+            <a:ext cx="8798567" cy="6598925"/>
+          </a:xfrm>
+          <a:prstGeom prst="rect">
+            <a:avLst/>
+          </a:prstGeom>
+        </p:spPr>
+      </p:pic>
+    </p:spTree>
+    <p:extLst>
+      <p:ext uri="{BB962C8B-B14F-4D97-AF65-F5344CB8AC3E}">
+        <p14:creationId xmlns:p14="http://schemas.microsoft.com/office/powerpoint/2010/main" val="507897413"/>
+      </p:ext>
+    </p:extLst>
+  </p:cSld>
+  <p:clrMapOvr>
+    <a:masterClrMapping/>
+  </p:clrMapOvr>
+</p:sld>
+</file>
+
+<file path=ppt/slides/slide15.xml><?xml version="1.0" encoding="utf-8"?>
+<p:sld xmlns:a="http://schemas.openxmlformats.org/drawingml/2006/main" xmlns:r="http://schemas.openxmlformats.org/officeDocument/2006/relationships" xmlns:p="http://schemas.openxmlformats.org/presentationml/2006/main">
+  <p:cSld>
+    <p:bg>
+      <p:bgPr>
+        <a:solidFill>
+          <a:schemeClr val="accent3">
+            <a:lumMod val="75000"/>
+          </a:schemeClr>
+        </a:solidFill>
+        <a:effectLst/>
+      </p:bgPr>
+    </p:bg>
+    <p:spTree>
+      <p:nvGrpSpPr>
+        <p:cNvPr id="1" name=""/>
+        <p:cNvGrpSpPr/>
+        <p:nvPr/>
+      </p:nvGrpSpPr>
+      <p:grpSpPr>
+        <a:xfrm>
+          <a:off x="0" y="0"/>
+          <a:ext cx="0" cy="0"/>
+          <a:chOff x="0" y="0"/>
+          <a:chExt cx="0" cy="0"/>
+        </a:xfrm>
+      </p:grpSpPr>
+      <p:sp>
+        <p:nvSpPr>
+          <p:cNvPr id="4" name="מלבן 3">
+            <a:extLst>
+              <a:ext uri="{FF2B5EF4-FFF2-40B4-BE49-F238E27FC236}">
+                <a16:creationId xmlns:a16="http://schemas.microsoft.com/office/drawing/2014/main" id="{EA0DC44C-22D0-45E2-84EE-14BFDAC9D165}"/>
+              </a:ext>
+            </a:extLst>
+          </p:cNvPr>
+          <p:cNvSpPr/>
+          <p:nvPr/>
+        </p:nvSpPr>
+        <p:spPr>
+          <a:xfrm>
+            <a:off x="10332287" y="541139"/>
             <a:ext cx="1981633" cy="707886"/>
           </a:xfrm>
           <a:prstGeom prst="rect">
@@ -5958,10 +6492,10 @@
       </p:sp>
       <p:pic>
         <p:nvPicPr>
-          <p:cNvPr id="3" name="תמונה 2" descr="תמונה שמכילה צילום מסך&#10;&#10;התיאור נוצר באופן אוטומטי">
+          <p:cNvPr id="5" name="תמונה 4" descr="תמונה שמכילה צילום מסך&#10;&#10;התיאור נוצר באופן אוטומטי">
             <a:extLst>
               <a:ext uri="{FF2B5EF4-FFF2-40B4-BE49-F238E27FC236}">
-                <a16:creationId xmlns:a16="http://schemas.microsoft.com/office/drawing/2014/main" id="{0D4C11AD-52F1-40B5-BC26-47D573D57A79}"/>
+                <a16:creationId xmlns:a16="http://schemas.microsoft.com/office/drawing/2014/main" id="{C0FEA76D-15D6-4607-B8D0-EFB16AA0906A}"/>
               </a:ext>
             </a:extLst>
           </p:cNvPr>
@@ -5984,8 +6518,8 @@
         </p:blipFill>
         <p:spPr>
           <a:xfrm>
-            <a:off x="1873081" y="142889"/>
-            <a:ext cx="8445838" cy="6572221"/>
+            <a:off x="1656076" y="99057"/>
+            <a:ext cx="8808723" cy="6606543"/>
           </a:xfrm>
           <a:prstGeom prst="rect">
             <a:avLst/>
@@ -6005,7 +6539,7 @@
 </p:sld>
 </file>
 
-<file path=ppt/slides/slide15.xml><?xml version="1.0" encoding="utf-8"?>
+<file path=ppt/slides/slide16.xml><?xml version="1.0" encoding="utf-8"?>
 <p:sld xmlns:a="http://schemas.openxmlformats.org/drawingml/2006/main" xmlns:r="http://schemas.openxmlformats.org/officeDocument/2006/relationships" xmlns:p="http://schemas.openxmlformats.org/presentationml/2006/main">
   <p:cSld>
     <p:bg>
@@ -6274,8 +6808,8 @@
           </a:p>
         </p:txBody>
       </p:sp>
-      <mc:AlternateContent xmlns:mc="http://schemas.openxmlformats.org/markup-compatibility/2006">
-        <mc:Choice xmlns:pslz="http://schemas.microsoft.com/office/powerpoint/2016/slidezoom" Requires="pslz">
+      <mc:AlternateContent xmlns:mc="http://schemas.openxmlformats.org/markup-compatibility/2006" xmlns:pslz="http://schemas.microsoft.com/office/powerpoint/2016/slidezoom">
+        <mc:Choice Requires="pslz">
           <p:graphicFrame>
             <p:nvGraphicFramePr>
               <p:cNvPr id="3" name="תצוגת שקופית 2">
@@ -6327,7 +6861,7 @@
             </a:graphic>
           </p:graphicFrame>
         </mc:Choice>
-        <mc:Fallback>
+        <mc:Fallback xmlns="">
           <p:pic>
             <p:nvPicPr>
               <p:cNvPr id="3" name="תצוגת שקופית 2">
@@ -6344,7 +6878,7 @@
               <p:nvPr/>
             </p:nvPicPr>
             <p:blipFill>
-              <a:blip r:embed="rId2"/>
+              <a:blip r:embed="rId4"/>
               <a:stretch>
                 <a:fillRect/>
               </a:stretch>
@@ -6361,8 +6895,8 @@
           </p:pic>
         </mc:Fallback>
       </mc:AlternateContent>
-      <mc:AlternateContent xmlns:mc="http://schemas.openxmlformats.org/markup-compatibility/2006">
-        <mc:Choice xmlns:pslz="http://schemas.microsoft.com/office/powerpoint/2016/slidezoom" Requires="pslz">
+      <mc:AlternateContent xmlns:mc="http://schemas.openxmlformats.org/markup-compatibility/2006" xmlns:pslz="http://schemas.microsoft.com/office/powerpoint/2016/slidezoom">
+        <mc:Choice Requires="pslz">
           <p:graphicFrame>
             <p:nvGraphicFramePr>
               <p:cNvPr id="9" name="תצוגת שקופית 8">
@@ -6393,7 +6927,7 @@
                   <pslz:sldZmObj sldId="273" cId="91006581">
                     <pslz:zmPr id="{E62311DA-5ACE-43BD-BFA1-908128A0E432}" transitionDur="1000" showBg="0">
                       <p166:blipFill xmlns:p166="http://schemas.microsoft.com/office/powerpoint/2016/6/main">
-                        <a:blip r:embed="rId4"/>
+                        <a:blip r:embed="rId5"/>
                         <a:stretch>
                           <a:fillRect/>
                         </a:stretch>
@@ -6414,11 +6948,11 @@
             </a:graphic>
           </p:graphicFrame>
         </mc:Choice>
-        <mc:Fallback>
+        <mc:Fallback xmlns="">
           <p:pic>
             <p:nvPicPr>
               <p:cNvPr id="9" name="תצוגת שקופית 8">
-                <a:hlinkClick r:id="rId5" action="ppaction://hlinksldjump"/>
+                <a:hlinkClick r:id="rId6" action="ppaction://hlinksldjump"/>
                 <a:extLst>
                   <a:ext uri="{FF2B5EF4-FFF2-40B4-BE49-F238E27FC236}">
                     <a16:creationId xmlns:a16="http://schemas.microsoft.com/office/drawing/2014/main" id="{7B4F1E49-F89A-470F-B251-8E6389B034A0}"/>
@@ -6431,7 +6965,7 @@
               <p:nvPr/>
             </p:nvPicPr>
             <p:blipFill>
-              <a:blip r:embed="rId4"/>
+              <a:blip r:embed="rId7"/>
               <a:stretch>
                 <a:fillRect/>
               </a:stretch>
@@ -6448,8 +6982,8 @@
           </p:pic>
         </mc:Fallback>
       </mc:AlternateContent>
-      <mc:AlternateContent xmlns:mc="http://schemas.openxmlformats.org/markup-compatibility/2006">
-        <mc:Choice xmlns:pslz="http://schemas.microsoft.com/office/powerpoint/2016/slidezoom" Requires="pslz">
+      <mc:AlternateContent xmlns:mc="http://schemas.openxmlformats.org/markup-compatibility/2006" xmlns:pslz="http://schemas.microsoft.com/office/powerpoint/2016/slidezoom">
+        <mc:Choice Requires="pslz">
           <p:graphicFrame>
             <p:nvGraphicFramePr>
               <p:cNvPr id="11" name="תצוגת שקופית 10">
@@ -6480,7 +7014,7 @@
                   <pslz:sldZmObj sldId="274" cId="472792589">
                     <pslz:zmPr id="{DBBCB376-1D17-4F58-AAD1-B83DF65A09B7}" transitionDur="1000" showBg="0">
                       <p166:blipFill xmlns:p166="http://schemas.microsoft.com/office/powerpoint/2016/6/main">
-                        <a:blip r:embed="rId6"/>
+                        <a:blip r:embed="rId8"/>
                         <a:stretch>
                           <a:fillRect/>
                         </a:stretch>
@@ -6501,11 +7035,11 @@
             </a:graphic>
           </p:graphicFrame>
         </mc:Choice>
-        <mc:Fallback>
+        <mc:Fallback xmlns="">
           <p:pic>
             <p:nvPicPr>
               <p:cNvPr id="11" name="תצוגת שקופית 10">
-                <a:hlinkClick r:id="rId7" action="ppaction://hlinksldjump"/>
+                <a:hlinkClick r:id="rId9" action="ppaction://hlinksldjump"/>
                 <a:extLst>
                   <a:ext uri="{FF2B5EF4-FFF2-40B4-BE49-F238E27FC236}">
                     <a16:creationId xmlns:a16="http://schemas.microsoft.com/office/drawing/2014/main" id="{6B6C31B9-97AF-4306-9F45-6F82CA20FBCE}"/>
@@ -6518,7 +7052,7 @@
               <p:nvPr/>
             </p:nvPicPr>
             <p:blipFill>
-              <a:blip r:embed="rId6"/>
+              <a:blip r:embed="rId10"/>
               <a:stretch>
                 <a:fillRect/>
               </a:stretch>
@@ -6539,214 +7073,6 @@
     <p:extLst>
       <p:ext uri="{BB962C8B-B14F-4D97-AF65-F5344CB8AC3E}">
         <p14:creationId xmlns:p14="http://schemas.microsoft.com/office/powerpoint/2010/main" val="659012817"/>
-      </p:ext>
-    </p:extLst>
-  </p:cSld>
-  <p:clrMapOvr>
-    <a:masterClrMapping/>
-  </p:clrMapOvr>
-</p:sld>
-</file>
-
-<file path=ppt/slides/slide16.xml><?xml version="1.0" encoding="utf-8"?>
-<p:sld xmlns:a="http://schemas.openxmlformats.org/drawingml/2006/main" xmlns:r="http://schemas.openxmlformats.org/officeDocument/2006/relationships" xmlns:p="http://schemas.openxmlformats.org/presentationml/2006/main">
-  <p:cSld>
-    <p:bg>
-      <p:bgPr>
-        <a:solidFill>
-          <a:schemeClr val="accent3">
-            <a:lumMod val="75000"/>
-          </a:schemeClr>
-        </a:solidFill>
-        <a:effectLst/>
-      </p:bgPr>
-    </p:bg>
-    <p:spTree>
-      <p:nvGrpSpPr>
-        <p:cNvPr id="1" name=""/>
-        <p:cNvGrpSpPr/>
-        <p:nvPr/>
-      </p:nvGrpSpPr>
-      <p:grpSpPr>
-        <a:xfrm>
-          <a:off x="0" y="0"/>
-          <a:ext cx="0" cy="0"/>
-          <a:chOff x="0" y="0"/>
-          <a:chExt cx="0" cy="0"/>
-        </a:xfrm>
-      </p:grpSpPr>
-      <p:sp>
-        <p:nvSpPr>
-          <p:cNvPr id="4" name="מלבן 3">
-            <a:extLst>
-              <a:ext uri="{FF2B5EF4-FFF2-40B4-BE49-F238E27FC236}">
-                <a16:creationId xmlns:a16="http://schemas.microsoft.com/office/drawing/2014/main" id="{EA0DC44C-22D0-45E2-84EE-14BFDAC9D165}"/>
-              </a:ext>
-            </a:extLst>
-          </p:cNvPr>
-          <p:cNvSpPr/>
-          <p:nvPr/>
-        </p:nvSpPr>
-        <p:spPr>
-          <a:xfrm>
-            <a:off x="10460842" y="426839"/>
-            <a:ext cx="1803699" cy="646331"/>
-          </a:xfrm>
-          <a:prstGeom prst="rect">
-            <a:avLst/>
-          </a:prstGeom>
-        </p:spPr>
-        <p:txBody>
-          <a:bodyPr wrap="none">
-            <a:spAutoFit/>
-          </a:bodyPr>
-          <a:lstStyle/>
-          <a:p>
-            <a:pPr marL="0" marR="0" lvl="0" indent="0" algn="ctr" defTabSz="914400" rtl="1" eaLnBrk="1" fontAlgn="auto" latinLnBrk="0" hangingPunct="1">
-              <a:lnSpc>
-                <a:spcPct val="100000"/>
-              </a:lnSpc>
-              <a:spcBef>
-                <a:spcPts val="0"/>
-              </a:spcBef>
-              <a:spcAft>
-                <a:spcPts val="0"/>
-              </a:spcAft>
-              <a:buClrTx/>
-              <a:buSzTx/>
-              <a:buFontTx/>
-              <a:buNone/>
-              <a:tabLst/>
-              <a:defRPr/>
-            </a:pPr>
-            <a:r>
-              <a:rPr kumimoji="0" lang="en-US" b="1" i="0" u="none" strike="noStrike" kern="1200" cap="none" spc="0" normalizeH="0" baseline="0" noProof="0" dirty="0">
-                <a:ln w="9525">
-                  <a:solidFill>
-                    <a:prstClr val="white"/>
-                  </a:solidFill>
-                  <a:prstDash val="solid"/>
-                </a:ln>
-                <a:solidFill>
-                  <a:prstClr val="white"/>
-                </a:solidFill>
-                <a:effectLst>
-                  <a:outerShdw blurRad="12700" dist="38100" dir="2700000" algn="tl" rotWithShape="0">
-                    <a:prstClr val="white">
-                      <a:lumMod val="50000"/>
-                    </a:prstClr>
-                  </a:outerShdw>
-                </a:effectLst>
-                <a:uLnTx/>
-                <a:uFillTx/>
-                <a:latin typeface="Segoe UI Black" panose="020B0A02040204020203" pitchFamily="34" charset="0"/>
-                <a:ea typeface="Segoe UI Black" panose="020B0A02040204020203" pitchFamily="34" charset="0"/>
-                <a:cs typeface="+mn-cs"/>
-              </a:rPr>
-              <a:t>Weight</a:t>
-            </a:r>
-          </a:p>
-          <a:p>
-            <a:pPr marL="0" marR="0" lvl="0" indent="0" algn="ctr" defTabSz="914400" rtl="1" eaLnBrk="1" fontAlgn="auto" latinLnBrk="0" hangingPunct="1">
-              <a:lnSpc>
-                <a:spcPct val="100000"/>
-              </a:lnSpc>
-              <a:spcBef>
-                <a:spcPts val="0"/>
-              </a:spcBef>
-              <a:spcAft>
-                <a:spcPts val="0"/>
-              </a:spcAft>
-              <a:buClrTx/>
-              <a:buSzTx/>
-              <a:buFontTx/>
-              <a:buNone/>
-              <a:tabLst/>
-              <a:defRPr/>
-            </a:pPr>
-            <a:r>
-              <a:rPr kumimoji="0" lang="en-US" b="1" i="0" u="none" strike="noStrike" kern="1200" cap="none" spc="0" normalizeH="0" baseline="0" noProof="0" dirty="0">
-                <a:ln w="9525">
-                  <a:solidFill>
-                    <a:prstClr val="white"/>
-                  </a:solidFill>
-                  <a:prstDash val="solid"/>
-                </a:ln>
-                <a:solidFill>
-                  <a:prstClr val="white"/>
-                </a:solidFill>
-                <a:effectLst>
-                  <a:outerShdw blurRad="12700" dist="38100" dir="2700000" algn="tl" rotWithShape="0">
-                    <a:prstClr val="white">
-                      <a:lumMod val="50000"/>
-                    </a:prstClr>
-                  </a:outerShdw>
-                </a:effectLst>
-                <a:uLnTx/>
-                <a:uFillTx/>
-                <a:latin typeface="Segoe UI Black" panose="020B0A02040204020203" pitchFamily="34" charset="0"/>
-                <a:ea typeface="Segoe UI Black" panose="020B0A02040204020203" pitchFamily="34" charset="0"/>
-                <a:cs typeface="+mn-cs"/>
-              </a:rPr>
-              <a:t>(VM ethernet)</a:t>
-            </a:r>
-            <a:endParaRPr kumimoji="0" lang="he-IL" b="0" i="0" u="none" strike="noStrike" kern="1200" cap="none" spc="0" normalizeH="0" baseline="0" noProof="0" dirty="0">
-              <a:ln>
-                <a:noFill/>
-              </a:ln>
-              <a:solidFill>
-                <a:prstClr val="white"/>
-              </a:solidFill>
-              <a:effectLst/>
-              <a:uLnTx/>
-              <a:uFillTx/>
-              <a:latin typeface="Segoe UI Black" panose="020B0A02040204020203" pitchFamily="34" charset="0"/>
-              <a:ea typeface="Segoe UI Black" panose="020B0A02040204020203" pitchFamily="34" charset="0"/>
-              <a:cs typeface="Arial" panose="020B0604020202020204" pitchFamily="34" charset="0"/>
-            </a:endParaRPr>
-          </a:p>
-        </p:txBody>
-      </p:sp>
-      <p:pic>
-        <p:nvPicPr>
-          <p:cNvPr id="3" name="תמונה 2" descr="תמונה שמכילה צילום מסך&#10;&#10;התיאור נוצר באופן אוטומטי">
-            <a:extLst>
-              <a:ext uri="{FF2B5EF4-FFF2-40B4-BE49-F238E27FC236}">
-                <a16:creationId xmlns:a16="http://schemas.microsoft.com/office/drawing/2014/main" id="{1C56511F-083E-4E93-9BC3-D39BA91ACB04}"/>
-              </a:ext>
-            </a:extLst>
-          </p:cNvPr>
-          <p:cNvPicPr>
-            <a:picLocks noChangeAspect="1"/>
-          </p:cNvPicPr>
-          <p:nvPr/>
-        </p:nvPicPr>
-        <p:blipFill>
-          <a:blip r:embed="rId2">
-            <a:extLst>
-              <a:ext uri="{28A0092B-C50C-407E-A947-70E740481C1C}">
-                <a14:useLocalDpi xmlns:a14="http://schemas.microsoft.com/office/drawing/2010/main" val="0"/>
-              </a:ext>
-            </a:extLst>
-          </a:blip>
-          <a:stretch>
-            <a:fillRect/>
-          </a:stretch>
-        </p:blipFill>
-        <p:spPr>
-          <a:xfrm>
-            <a:off x="1651422" y="95566"/>
-            <a:ext cx="8889155" cy="6666867"/>
-          </a:xfrm>
-          <a:prstGeom prst="rect">
-            <a:avLst/>
-          </a:prstGeom>
-        </p:spPr>
-      </p:pic>
-    </p:spTree>
-    <p:extLst>
-      <p:ext uri="{BB962C8B-B14F-4D97-AF65-F5344CB8AC3E}">
-        <p14:creationId xmlns:p14="http://schemas.microsoft.com/office/powerpoint/2010/main" val="4096053108"/>
       </p:ext>
     </p:extLst>
   </p:cSld>
@@ -6797,8 +7123,8 @@
         </p:nvSpPr>
         <p:spPr>
           <a:xfrm>
-            <a:off x="10388301" y="558919"/>
-            <a:ext cx="1803699" cy="646331"/>
+            <a:off x="10407514" y="426839"/>
+            <a:ext cx="1834155" cy="584775"/>
           </a:xfrm>
           <a:prstGeom prst="rect">
             <a:avLst/>
@@ -6828,7 +7154,7 @@
               <a:defRPr/>
             </a:pPr>
             <a:r>
-              <a:rPr kumimoji="0" lang="en-US" b="1" i="0" u="none" strike="noStrike" kern="1200" cap="none" spc="0" normalizeH="0" baseline="0" noProof="0" dirty="0">
+              <a:rPr kumimoji="0" lang="en-US" sz="1600" b="1" i="0" u="none" strike="noStrike" kern="1200" cap="none" spc="0" normalizeH="0" baseline="0" noProof="0" dirty="0">
                 <a:ln w="9525">
                   <a:solidFill>
                     <a:prstClr val="white"/>
@@ -6851,7 +7177,7 @@
                 <a:ea typeface="Segoe UI Black" panose="020B0A02040204020203" pitchFamily="34" charset="0"/>
                 <a:cs typeface="+mn-cs"/>
               </a:rPr>
-              <a:t>Time</a:t>
+              <a:t>Weight</a:t>
             </a:r>
           </a:p>
           <a:p>
@@ -6873,7 +7199,7 @@
               <a:defRPr/>
             </a:pPr>
             <a:r>
-              <a:rPr kumimoji="0" lang="en-US" b="1" i="0" u="none" strike="noStrike" kern="1200" cap="none" spc="0" normalizeH="0" baseline="0" noProof="0" dirty="0">
+              <a:rPr kumimoji="0" lang="en-US" sz="1600" b="1" i="0" u="none" strike="noStrike" kern="1200" cap="none" spc="0" normalizeH="0" baseline="0" noProof="0" dirty="0">
                 <a:ln w="9525">
                   <a:solidFill>
                     <a:prstClr val="white"/>
@@ -6896,9 +7222,9 @@
                 <a:ea typeface="Segoe UI Black" panose="020B0A02040204020203" pitchFamily="34" charset="0"/>
                 <a:cs typeface="+mn-cs"/>
               </a:rPr>
-              <a:t>(VM ethernet)</a:t>
-            </a:r>
-            <a:endParaRPr kumimoji="0" lang="he-IL" b="0" i="0" u="none" strike="noStrike" kern="1200" cap="none" spc="0" normalizeH="0" baseline="0" noProof="0" dirty="0">
+              <a:t>(Linux ethernet)</a:t>
+            </a:r>
+            <a:endParaRPr kumimoji="0" lang="he-IL" sz="1600" b="0" i="0" u="none" strike="noStrike" kern="1200" cap="none" spc="0" normalizeH="0" baseline="0" noProof="0" dirty="0">
               <a:ln>
                 <a:noFill/>
               </a:ln>
@@ -6917,10 +7243,10 @@
       </p:sp>
       <p:pic>
         <p:nvPicPr>
-          <p:cNvPr id="3" name="תמונה 2" descr="תמונה שמכילה צילום מסך&#10;&#10;התיאור נוצר באופן אוטומטי">
+          <p:cNvPr id="9" name="תמונה 8" descr="תמונה שמכילה צילום מסך&#10;&#10;התיאור נוצר באופן אוטומטי">
             <a:extLst>
               <a:ext uri="{FF2B5EF4-FFF2-40B4-BE49-F238E27FC236}">
-                <a16:creationId xmlns:a16="http://schemas.microsoft.com/office/drawing/2014/main" id="{61C8640B-EF7D-49AF-9D0A-7BF730990B6B}"/>
+                <a16:creationId xmlns:a16="http://schemas.microsoft.com/office/drawing/2014/main" id="{77C9C69B-9D85-4272-8E38-5730888416AF}"/>
               </a:ext>
             </a:extLst>
           </p:cNvPr>
@@ -6943,8 +7269,8 @@
         </p:blipFill>
         <p:spPr>
           <a:xfrm>
-            <a:off x="1767837" y="182877"/>
-            <a:ext cx="8656326" cy="6492245"/>
+            <a:off x="1772703" y="186527"/>
+            <a:ext cx="8646594" cy="6484946"/>
           </a:xfrm>
           <a:prstGeom prst="rect">
             <a:avLst/>
@@ -6954,7 +7280,7 @@
     </p:spTree>
     <p:extLst>
       <p:ext uri="{BB962C8B-B14F-4D97-AF65-F5344CB8AC3E}">
-        <p14:creationId xmlns:p14="http://schemas.microsoft.com/office/powerpoint/2010/main" val="91006581"/>
+        <p14:creationId xmlns:p14="http://schemas.microsoft.com/office/powerpoint/2010/main" val="4096053108"/>
       </p:ext>
     </p:extLst>
   </p:cSld>
@@ -6991,12 +7317,48 @@
           <a:chExt cx="0" cy="0"/>
         </a:xfrm>
       </p:grpSpPr>
+      <p:pic>
+        <p:nvPicPr>
+          <p:cNvPr id="5" name="תמונה 4" descr="תמונה שמכילה צילום מסך&#10;&#10;התיאור נוצר באופן אוטומטי">
+            <a:extLst>
+              <a:ext uri="{FF2B5EF4-FFF2-40B4-BE49-F238E27FC236}">
+                <a16:creationId xmlns:a16="http://schemas.microsoft.com/office/drawing/2014/main" id="{3167E6EE-AA83-4DA2-800C-43A02ED3195A}"/>
+              </a:ext>
+            </a:extLst>
+          </p:cNvPr>
+          <p:cNvPicPr>
+            <a:picLocks noChangeAspect="1"/>
+          </p:cNvPicPr>
+          <p:nvPr/>
+        </p:nvPicPr>
+        <p:blipFill>
+          <a:blip r:embed="rId2">
+            <a:extLst>
+              <a:ext uri="{28A0092B-C50C-407E-A947-70E740481C1C}">
+                <a14:useLocalDpi xmlns:a14="http://schemas.microsoft.com/office/drawing/2010/main" val="0"/>
+              </a:ext>
+            </a:extLst>
+          </a:blip>
+          <a:stretch>
+            <a:fillRect/>
+          </a:stretch>
+        </p:blipFill>
+        <p:spPr>
+          <a:xfrm>
+            <a:off x="1643529" y="89647"/>
+            <a:ext cx="8904941" cy="6678706"/>
+          </a:xfrm>
+          <a:prstGeom prst="rect">
+            <a:avLst/>
+          </a:prstGeom>
+        </p:spPr>
+      </p:pic>
       <p:sp>
         <p:nvSpPr>
-          <p:cNvPr id="4" name="מלבן 3">
+          <p:cNvPr id="6" name="מלבן 5">
             <a:extLst>
               <a:ext uri="{FF2B5EF4-FFF2-40B4-BE49-F238E27FC236}">
-                <a16:creationId xmlns:a16="http://schemas.microsoft.com/office/drawing/2014/main" id="{EA0DC44C-22D0-45E2-84EE-14BFDAC9D165}"/>
+                <a16:creationId xmlns:a16="http://schemas.microsoft.com/office/drawing/2014/main" id="{001BD0CA-6F85-4955-A886-1C78C2CBF75B}"/>
               </a:ext>
             </a:extLst>
           </p:cNvPr>
@@ -7005,8 +7367,8 @@
         </p:nvSpPr>
         <p:spPr>
           <a:xfrm>
-            <a:off x="10406232" y="487799"/>
-            <a:ext cx="1803699" cy="646331"/>
+            <a:off x="10436089" y="560189"/>
+            <a:ext cx="1834155" cy="584775"/>
           </a:xfrm>
           <a:prstGeom prst="rect">
             <a:avLst/>
@@ -7036,7 +7398,7 @@
               <a:defRPr/>
             </a:pPr>
             <a:r>
-              <a:rPr kumimoji="0" lang="en-US" b="1" i="0" u="none" strike="noStrike" kern="1200" cap="none" spc="0" normalizeH="0" baseline="0" noProof="0" dirty="0">
+              <a:rPr kumimoji="0" lang="en-US" sz="1600" b="1" i="0" u="none" strike="noStrike" kern="1200" cap="none" spc="0" normalizeH="0" baseline="0" noProof="0" dirty="0">
                 <a:ln w="9525">
                   <a:solidFill>
                     <a:prstClr val="white"/>
@@ -7059,7 +7421,7 @@
                 <a:ea typeface="Segoe UI Black" panose="020B0A02040204020203" pitchFamily="34" charset="0"/>
                 <a:cs typeface="+mn-cs"/>
               </a:rPr>
-              <a:t>Requests</a:t>
+              <a:t>Time</a:t>
             </a:r>
           </a:p>
           <a:p>
@@ -7081,7 +7443,7 @@
               <a:defRPr/>
             </a:pPr>
             <a:r>
-              <a:rPr kumimoji="0" lang="en-US" b="1" i="0" u="none" strike="noStrike" kern="1200" cap="none" spc="0" normalizeH="0" baseline="0" noProof="0" dirty="0">
+              <a:rPr kumimoji="0" lang="en-US" sz="1600" b="1" i="0" u="none" strike="noStrike" kern="1200" cap="none" spc="0" normalizeH="0" baseline="0" noProof="0" dirty="0">
                 <a:ln w="9525">
                   <a:solidFill>
                     <a:prstClr val="white"/>
@@ -7104,9 +7466,9 @@
                 <a:ea typeface="Segoe UI Black" panose="020B0A02040204020203" pitchFamily="34" charset="0"/>
                 <a:cs typeface="+mn-cs"/>
               </a:rPr>
-              <a:t>(VM ethernet)</a:t>
-            </a:r>
-            <a:endParaRPr kumimoji="0" lang="he-IL" b="0" i="0" u="none" strike="noStrike" kern="1200" cap="none" spc="0" normalizeH="0" baseline="0" noProof="0" dirty="0">
+              <a:t>(Linux ethernet)</a:t>
+            </a:r>
+            <a:endParaRPr kumimoji="0" lang="he-IL" sz="1600" b="0" i="0" u="none" strike="noStrike" kern="1200" cap="none" spc="0" normalizeH="0" baseline="0" noProof="0" dirty="0">
               <a:ln>
                 <a:noFill/>
               </a:ln>
@@ -7123,46 +7485,10 @@
           </a:p>
         </p:txBody>
       </p:sp>
-      <p:pic>
-        <p:nvPicPr>
-          <p:cNvPr id="3" name="תמונה 2" descr="תמונה שמכילה צילום מסך&#10;&#10;התיאור נוצר באופן אוטומטי">
-            <a:extLst>
-              <a:ext uri="{FF2B5EF4-FFF2-40B4-BE49-F238E27FC236}">
-                <a16:creationId xmlns:a16="http://schemas.microsoft.com/office/drawing/2014/main" id="{15EF90CE-0AB6-4FE3-AA15-0A846BE241E9}"/>
-              </a:ext>
-            </a:extLst>
-          </p:cNvPr>
-          <p:cNvPicPr>
-            <a:picLocks noChangeAspect="1"/>
-          </p:cNvPicPr>
-          <p:nvPr/>
-        </p:nvPicPr>
-        <p:blipFill>
-          <a:blip r:embed="rId2">
-            <a:extLst>
-              <a:ext uri="{28A0092B-C50C-407E-A947-70E740481C1C}">
-                <a14:useLocalDpi xmlns:a14="http://schemas.microsoft.com/office/drawing/2010/main" val="0"/>
-              </a:ext>
-            </a:extLst>
-          </a:blip>
-          <a:stretch>
-            <a:fillRect/>
-          </a:stretch>
-        </p:blipFill>
-        <p:spPr>
-          <a:xfrm>
-            <a:off x="1696717" y="129537"/>
-            <a:ext cx="8798566" cy="6598925"/>
-          </a:xfrm>
-          <a:prstGeom prst="rect">
-            <a:avLst/>
-          </a:prstGeom>
-        </p:spPr>
-      </p:pic>
     </p:spTree>
     <p:extLst>
       <p:ext uri="{BB962C8B-B14F-4D97-AF65-F5344CB8AC3E}">
-        <p14:creationId xmlns:p14="http://schemas.microsoft.com/office/powerpoint/2010/main" val="472792589"/>
+        <p14:creationId xmlns:p14="http://schemas.microsoft.com/office/powerpoint/2010/main" val="91006581"/>
       </p:ext>
     </p:extLst>
   </p:cSld>
@@ -7178,7 +7504,9 @@
     <p:bg>
       <p:bgPr>
         <a:solidFill>
-          <a:srgbClr val="33637A"/>
+          <a:schemeClr val="accent3">
+            <a:lumMod val="75000"/>
+          </a:schemeClr>
         </a:solidFill>
         <a:effectLst/>
       </p:bgPr>
@@ -7197,12 +7525,48 @@
           <a:chExt cx="0" cy="0"/>
         </a:xfrm>
       </p:grpSpPr>
+      <p:pic>
+        <p:nvPicPr>
+          <p:cNvPr id="5" name="תמונה 4" descr="תמונה שמכילה צילום מסך&#10;&#10;התיאור נוצר באופן אוטומטי">
+            <a:extLst>
+              <a:ext uri="{FF2B5EF4-FFF2-40B4-BE49-F238E27FC236}">
+                <a16:creationId xmlns:a16="http://schemas.microsoft.com/office/drawing/2014/main" id="{6FE9D9E5-8924-4329-BB92-DBEC075E6204}"/>
+              </a:ext>
+            </a:extLst>
+          </p:cNvPr>
+          <p:cNvPicPr>
+            <a:picLocks noChangeAspect="1"/>
+          </p:cNvPicPr>
+          <p:nvPr/>
+        </p:nvPicPr>
+        <p:blipFill>
+          <a:blip r:embed="rId2">
+            <a:extLst>
+              <a:ext uri="{28A0092B-C50C-407E-A947-70E740481C1C}">
+                <a14:useLocalDpi xmlns:a14="http://schemas.microsoft.com/office/drawing/2010/main" val="0"/>
+              </a:ext>
+            </a:extLst>
+          </a:blip>
+          <a:stretch>
+            <a:fillRect/>
+          </a:stretch>
+        </p:blipFill>
+        <p:spPr>
+          <a:xfrm>
+            <a:off x="1762757" y="179067"/>
+            <a:ext cx="8666486" cy="6499865"/>
+          </a:xfrm>
+          <a:prstGeom prst="rect">
+            <a:avLst/>
+          </a:prstGeom>
+        </p:spPr>
+      </p:pic>
       <p:sp>
         <p:nvSpPr>
-          <p:cNvPr id="4" name="מלבן 3">
+          <p:cNvPr id="6" name="מלבן 5">
             <a:extLst>
               <a:ext uri="{FF2B5EF4-FFF2-40B4-BE49-F238E27FC236}">
-                <a16:creationId xmlns:a16="http://schemas.microsoft.com/office/drawing/2014/main" id="{4EBA03DC-032B-4AF9-BF72-F5C283C2F05A}"/>
+                <a16:creationId xmlns:a16="http://schemas.microsoft.com/office/drawing/2014/main" id="{6640A3DC-4FD2-4914-AE8F-696ED436A041}"/>
               </a:ext>
             </a:extLst>
           </p:cNvPr>
@@ -7211,8 +7575,8 @@
         </p:nvSpPr>
         <p:spPr>
           <a:xfrm>
-            <a:off x="4266011" y="348734"/>
-            <a:ext cx="3659977" cy="923330"/>
+            <a:off x="10407514" y="426839"/>
+            <a:ext cx="1834155" cy="584775"/>
           </a:xfrm>
           <a:prstGeom prst="rect">
             <a:avLst/>
@@ -7224,265 +7588,107 @@
           </a:bodyPr>
           <a:lstStyle/>
           <a:p>
-            <a:pPr algn="ctr"/>
-            <a:r>
-              <a:rPr lang="en-US" sz="5400" b="1" dirty="0">
+            <a:pPr marL="0" marR="0" lvl="0" indent="0" algn="ctr" defTabSz="914400" rtl="1" eaLnBrk="1" fontAlgn="auto" latinLnBrk="0" hangingPunct="1">
+              <a:lnSpc>
+                <a:spcPct val="100000"/>
+              </a:lnSpc>
+              <a:spcBef>
+                <a:spcPts val="0"/>
+              </a:spcBef>
+              <a:spcAft>
+                <a:spcPts val="0"/>
+              </a:spcAft>
+              <a:buClrTx/>
+              <a:buSzTx/>
+              <a:buFontTx/>
+              <a:buNone/>
+              <a:tabLst/>
+              <a:defRPr/>
+            </a:pPr>
+            <a:r>
+              <a:rPr kumimoji="0" lang="en-US" sz="1600" b="1" i="0" u="none" strike="noStrike" kern="1200" cap="none" spc="0" normalizeH="0" baseline="0" noProof="0" dirty="0">
                 <a:ln w="9525">
                   <a:solidFill>
-                    <a:schemeClr val="bg1"/>
+                    <a:prstClr val="white"/>
                   </a:solidFill>
                   <a:prstDash val="solid"/>
                 </a:ln>
                 <a:solidFill>
-                  <a:schemeClr val="bg1"/>
+                  <a:prstClr val="white"/>
                 </a:solidFill>
                 <a:effectLst>
                   <a:outerShdw blurRad="12700" dist="38100" dir="2700000" algn="tl" rotWithShape="0">
-                    <a:schemeClr val="bg1">
+                    <a:prstClr val="white">
                       <a:lumMod val="50000"/>
-                    </a:schemeClr>
+                    </a:prstClr>
                   </a:outerShdw>
                 </a:effectLst>
+                <a:uLnTx/>
+                <a:uFillTx/>
                 <a:latin typeface="Segoe UI Black" panose="020B0A02040204020203" pitchFamily="34" charset="0"/>
                 <a:ea typeface="Segoe UI Black" panose="020B0A02040204020203" pitchFamily="34" charset="0"/>
+                <a:cs typeface="+mn-cs"/>
               </a:rPr>
-              <a:t>VM (</a:t>
-            </a:r>
-            <a:r>
-              <a:rPr lang="en-US" sz="5400" b="1" dirty="0" err="1">
+              <a:t>Request</a:t>
+            </a:r>
+          </a:p>
+          <a:p>
+            <a:pPr marL="0" marR="0" lvl="0" indent="0" algn="ctr" defTabSz="914400" rtl="1" eaLnBrk="1" fontAlgn="auto" latinLnBrk="0" hangingPunct="1">
+              <a:lnSpc>
+                <a:spcPct val="100000"/>
+              </a:lnSpc>
+              <a:spcBef>
+                <a:spcPts val="0"/>
+              </a:spcBef>
+              <a:spcAft>
+                <a:spcPts val="0"/>
+              </a:spcAft>
+              <a:buClrTx/>
+              <a:buSzTx/>
+              <a:buFontTx/>
+              <a:buNone/>
+              <a:tabLst/>
+              <a:defRPr/>
+            </a:pPr>
+            <a:r>
+              <a:rPr kumimoji="0" lang="en-US" sz="1600" b="1" i="0" u="none" strike="noStrike" kern="1200" cap="none" spc="0" normalizeH="0" baseline="0" noProof="0" dirty="0">
                 <a:ln w="9525">
                   <a:solidFill>
-                    <a:schemeClr val="bg1"/>
+                    <a:prstClr val="white"/>
                   </a:solidFill>
                   <a:prstDash val="solid"/>
                 </a:ln>
                 <a:solidFill>
-                  <a:schemeClr val="bg1"/>
+                  <a:prstClr val="white"/>
                 </a:solidFill>
                 <a:effectLst>
                   <a:outerShdw blurRad="12700" dist="38100" dir="2700000" algn="tl" rotWithShape="0">
-                    <a:schemeClr val="bg1">
+                    <a:prstClr val="white">
                       <a:lumMod val="50000"/>
-                    </a:schemeClr>
+                    </a:prstClr>
                   </a:outerShdw>
                 </a:effectLst>
+                <a:uLnTx/>
+                <a:uFillTx/>
                 <a:latin typeface="Segoe UI Black" panose="020B0A02040204020203" pitchFamily="34" charset="0"/>
                 <a:ea typeface="Segoe UI Black" panose="020B0A02040204020203" pitchFamily="34" charset="0"/>
+                <a:cs typeface="+mn-cs"/>
               </a:rPr>
-              <a:t>WiFi</a:t>
-            </a:r>
-            <a:r>
-              <a:rPr lang="en-US" sz="5400" b="1" dirty="0">
-                <a:ln w="9525">
-                  <a:solidFill>
-                    <a:schemeClr val="bg1"/>
-                  </a:solidFill>
-                  <a:prstDash val="solid"/>
-                </a:ln>
-                <a:solidFill>
-                  <a:schemeClr val="bg1"/>
-                </a:solidFill>
-                <a:effectLst>
-                  <a:outerShdw blurRad="12700" dist="38100" dir="2700000" algn="tl" rotWithShape="0">
-                    <a:schemeClr val="bg1">
-                      <a:lumMod val="50000"/>
-                    </a:schemeClr>
-                  </a:outerShdw>
-                </a:effectLst>
-                <a:latin typeface="Segoe UI Black" panose="020B0A02040204020203" pitchFamily="34" charset="0"/>
-                <a:ea typeface="Segoe UI Black" panose="020B0A02040204020203" pitchFamily="34" charset="0"/>
-              </a:rPr>
-              <a:t>)</a:t>
-            </a:r>
-            <a:endParaRPr lang="he-IL" sz="5400" dirty="0">
+              <a:t>(Linux ethernet)</a:t>
+            </a:r>
+            <a:endParaRPr kumimoji="0" lang="he-IL" sz="1600" b="0" i="0" u="none" strike="noStrike" kern="1200" cap="none" spc="0" normalizeH="0" baseline="0" noProof="0" dirty="0">
+              <a:ln>
+                <a:noFill/>
+              </a:ln>
               <a:solidFill>
-                <a:schemeClr val="bg1"/>
+                <a:prstClr val="white"/>
               </a:solidFill>
+              <a:effectLst/>
+              <a:uLnTx/>
+              <a:uFillTx/>
               <a:latin typeface="Segoe UI Black" panose="020B0A02040204020203" pitchFamily="34" charset="0"/>
               <a:ea typeface="Segoe UI Black" panose="020B0A02040204020203" pitchFamily="34" charset="0"/>
-            </a:endParaRPr>
-          </a:p>
-        </p:txBody>
-      </p:sp>
-      <p:sp>
-        <p:nvSpPr>
-          <p:cNvPr id="5" name="מלבן 4">
-            <a:extLst>
-              <a:ext uri="{FF2B5EF4-FFF2-40B4-BE49-F238E27FC236}">
-                <a16:creationId xmlns:a16="http://schemas.microsoft.com/office/drawing/2014/main" id="{3367D233-BC47-40BA-BA68-02887DBB25AA}"/>
-              </a:ext>
-            </a:extLst>
-          </p:cNvPr>
-          <p:cNvSpPr/>
-          <p:nvPr/>
-        </p:nvSpPr>
-        <p:spPr>
-          <a:xfrm>
-            <a:off x="1515420" y="1767959"/>
-            <a:ext cx="2398412" cy="830997"/>
-          </a:xfrm>
-          <a:prstGeom prst="rect">
-            <a:avLst/>
-          </a:prstGeom>
-        </p:spPr>
-        <p:txBody>
-          <a:bodyPr wrap="none">
-            <a:spAutoFit/>
-          </a:bodyPr>
-          <a:lstStyle/>
-          <a:p>
-            <a:pPr algn="ctr"/>
-            <a:r>
-              <a:rPr lang="en-US" sz="4800" b="1" dirty="0">
-                <a:ln w="9525">
-                  <a:solidFill>
-                    <a:schemeClr val="bg1"/>
-                  </a:solidFill>
-                  <a:prstDash val="solid"/>
-                </a:ln>
-                <a:solidFill>
-                  <a:schemeClr val="bg1"/>
-                </a:solidFill>
-                <a:effectLst>
-                  <a:outerShdw blurRad="12700" dist="38100" dir="2700000" algn="tl" rotWithShape="0">
-                    <a:schemeClr val="bg1">
-                      <a:lumMod val="50000"/>
-                    </a:schemeClr>
-                  </a:outerShdw>
-                </a:effectLst>
-                <a:latin typeface="Segoe UI Black" panose="020B0A02040204020203" pitchFamily="34" charset="0"/>
-                <a:ea typeface="Segoe UI Black" panose="020B0A02040204020203" pitchFamily="34" charset="0"/>
-              </a:rPr>
-              <a:t>Weight</a:t>
-            </a:r>
-            <a:endParaRPr lang="he-IL" sz="4800" dirty="0">
-              <a:solidFill>
-                <a:schemeClr val="bg1"/>
-              </a:solidFill>
-              <a:latin typeface="Segoe UI Black" panose="020B0A02040204020203" pitchFamily="34" charset="0"/>
-              <a:ea typeface="Segoe UI Black" panose="020B0A02040204020203" pitchFamily="34" charset="0"/>
-            </a:endParaRPr>
-          </a:p>
-        </p:txBody>
-      </p:sp>
-      <p:sp>
-        <p:nvSpPr>
-          <p:cNvPr id="6" name="מלבן 5">
-            <a:extLst>
-              <a:ext uri="{FF2B5EF4-FFF2-40B4-BE49-F238E27FC236}">
-                <a16:creationId xmlns:a16="http://schemas.microsoft.com/office/drawing/2014/main" id="{5B3BAD3F-3548-441C-8F7C-857869CFAAB3}"/>
-              </a:ext>
-            </a:extLst>
-          </p:cNvPr>
-          <p:cNvSpPr/>
-          <p:nvPr/>
-        </p:nvSpPr>
-        <p:spPr>
-          <a:xfrm>
-            <a:off x="5401054" y="1767959"/>
-            <a:ext cx="1694695" cy="830997"/>
-          </a:xfrm>
-          <a:prstGeom prst="rect">
-            <a:avLst/>
-          </a:prstGeom>
-        </p:spPr>
-        <p:txBody>
-          <a:bodyPr wrap="none">
-            <a:spAutoFit/>
-          </a:bodyPr>
-          <a:lstStyle/>
-          <a:p>
-            <a:pPr algn="ctr"/>
-            <a:r>
-              <a:rPr lang="en-US" sz="4800" b="1" dirty="0">
-                <a:ln w="9525">
-                  <a:solidFill>
-                    <a:schemeClr val="bg1"/>
-                  </a:solidFill>
-                  <a:prstDash val="solid"/>
-                </a:ln>
-                <a:solidFill>
-                  <a:schemeClr val="bg1"/>
-                </a:solidFill>
-                <a:effectLst>
-                  <a:outerShdw blurRad="12700" dist="38100" dir="2700000" algn="tl" rotWithShape="0">
-                    <a:schemeClr val="bg1">
-                      <a:lumMod val="50000"/>
-                    </a:schemeClr>
-                  </a:outerShdw>
-                </a:effectLst>
-                <a:latin typeface="Segoe UI Black" panose="020B0A02040204020203" pitchFamily="34" charset="0"/>
-                <a:ea typeface="Segoe UI Black" panose="020B0A02040204020203" pitchFamily="34" charset="0"/>
-              </a:rPr>
-              <a:t>Time</a:t>
-            </a:r>
-            <a:endParaRPr lang="he-IL" sz="4800" dirty="0">
-              <a:solidFill>
-                <a:schemeClr val="bg1"/>
-              </a:solidFill>
-              <a:latin typeface="Segoe UI Black" panose="020B0A02040204020203" pitchFamily="34" charset="0"/>
-              <a:ea typeface="Segoe UI Black" panose="020B0A02040204020203" pitchFamily="34" charset="0"/>
-            </a:endParaRPr>
-          </a:p>
-        </p:txBody>
-      </p:sp>
-      <p:sp>
-        <p:nvSpPr>
-          <p:cNvPr id="7" name="מלבן 6">
-            <a:extLst>
-              <a:ext uri="{FF2B5EF4-FFF2-40B4-BE49-F238E27FC236}">
-                <a16:creationId xmlns:a16="http://schemas.microsoft.com/office/drawing/2014/main" id="{0D271E5B-EF5F-4DBA-9051-E4C63DB34342}"/>
-              </a:ext>
-            </a:extLst>
-          </p:cNvPr>
-          <p:cNvSpPr/>
-          <p:nvPr/>
-        </p:nvSpPr>
-        <p:spPr>
-          <a:xfrm>
-            <a:off x="8243878" y="1767959"/>
-            <a:ext cx="2924197" cy="830997"/>
-          </a:xfrm>
-          <a:prstGeom prst="rect">
-            <a:avLst/>
-          </a:prstGeom>
-        </p:spPr>
-        <p:txBody>
-          <a:bodyPr wrap="none">
-            <a:spAutoFit/>
-          </a:bodyPr>
-          <a:lstStyle/>
-          <a:p>
-            <a:pPr algn="ctr"/>
-            <a:r>
-              <a:rPr lang="en-US" sz="4800" b="1" dirty="0">
-                <a:ln w="9525">
-                  <a:solidFill>
-                    <a:schemeClr val="bg1"/>
-                  </a:solidFill>
-                  <a:prstDash val="solid"/>
-                </a:ln>
-                <a:solidFill>
-                  <a:schemeClr val="bg1"/>
-                </a:solidFill>
-                <a:effectLst>
-                  <a:outerShdw blurRad="12700" dist="38100" dir="2700000" algn="tl" rotWithShape="0">
-                    <a:schemeClr val="bg1">
-                      <a:lumMod val="50000"/>
-                    </a:schemeClr>
-                  </a:outerShdw>
-                </a:effectLst>
-                <a:latin typeface="Segoe UI Black" panose="020B0A02040204020203" pitchFamily="34" charset="0"/>
-                <a:ea typeface="Segoe UI Black" panose="020B0A02040204020203" pitchFamily="34" charset="0"/>
-              </a:rPr>
-              <a:t>Requests</a:t>
-            </a:r>
-            <a:endParaRPr lang="he-IL" sz="4800" dirty="0">
-              <a:solidFill>
-                <a:schemeClr val="bg1"/>
-              </a:solidFill>
-              <a:latin typeface="Segoe UI Black" panose="020B0A02040204020203" pitchFamily="34" charset="0"/>
-              <a:ea typeface="Segoe UI Black" panose="020B0A02040204020203" pitchFamily="34" charset="0"/>
+              <a:cs typeface="Arial" panose="020B0604020202020204" pitchFamily="34" charset="0"/>
             </a:endParaRPr>
           </a:p>
         </p:txBody>
@@ -7490,7 +7696,7 @@
     </p:spTree>
     <p:extLst>
       <p:ext uri="{BB962C8B-B14F-4D97-AF65-F5344CB8AC3E}">
-        <p14:creationId xmlns:p14="http://schemas.microsoft.com/office/powerpoint/2010/main" val="1496064927"/>
+        <p14:creationId xmlns:p14="http://schemas.microsoft.com/office/powerpoint/2010/main" val="472792589"/>
       </p:ext>
     </p:extLst>
   </p:cSld>
@@ -8137,9 +8343,7 @@
     <p:bg>
       <p:bgPr>
         <a:solidFill>
-          <a:schemeClr val="accent3">
-            <a:lumMod val="75000"/>
-          </a:schemeClr>
+          <a:srgbClr val="33637A"/>
         </a:solidFill>
         <a:effectLst/>
       </p:bgPr>
@@ -8163,7 +8367,7 @@
           <p:cNvPr id="4" name="מלבן 3">
             <a:extLst>
               <a:ext uri="{FF2B5EF4-FFF2-40B4-BE49-F238E27FC236}">
-                <a16:creationId xmlns:a16="http://schemas.microsoft.com/office/drawing/2014/main" id="{EA0DC44C-22D0-45E2-84EE-14BFDAC9D165}"/>
+                <a16:creationId xmlns:a16="http://schemas.microsoft.com/office/drawing/2014/main" id="{4EBA03DC-032B-4AF9-BF72-F5C283C2F05A}"/>
               </a:ext>
             </a:extLst>
           </p:cNvPr>
@@ -8172,8 +8376,8 @@
         </p:nvSpPr>
         <p:spPr>
           <a:xfrm>
-            <a:off x="3848433" y="426839"/>
-            <a:ext cx="4495141" cy="1569660"/>
+            <a:off x="4266011" y="348734"/>
+            <a:ext cx="3659977" cy="923330"/>
           </a:xfrm>
           <a:prstGeom prst="rect">
             <a:avLst/>
@@ -8185,107 +8389,265 @@
           </a:bodyPr>
           <a:lstStyle/>
           <a:p>
-            <a:pPr marL="0" marR="0" lvl="0" indent="0" algn="ctr" defTabSz="914400" rtl="1" eaLnBrk="1" fontAlgn="auto" latinLnBrk="0" hangingPunct="1">
-              <a:lnSpc>
-                <a:spcPct val="100000"/>
-              </a:lnSpc>
-              <a:spcBef>
-                <a:spcPts val="0"/>
-              </a:spcBef>
-              <a:spcAft>
-                <a:spcPts val="0"/>
-              </a:spcAft>
-              <a:buClrTx/>
-              <a:buSzTx/>
-              <a:buFontTx/>
-              <a:buNone/>
-              <a:tabLst/>
-              <a:defRPr/>
-            </a:pPr>
-            <a:r>
-              <a:rPr kumimoji="0" lang="en-US" sz="4800" b="1" i="0" u="none" strike="noStrike" kern="1200" cap="none" spc="0" normalizeH="0" baseline="0" noProof="0" dirty="0">
+            <a:pPr algn="ctr"/>
+            <a:r>
+              <a:rPr lang="en-US" sz="5400" b="1" dirty="0">
                 <a:ln w="9525">
                   <a:solidFill>
-                    <a:prstClr val="white"/>
+                    <a:schemeClr val="bg1"/>
                   </a:solidFill>
                   <a:prstDash val="solid"/>
                 </a:ln>
                 <a:solidFill>
-                  <a:prstClr val="white"/>
+                  <a:schemeClr val="bg1"/>
                 </a:solidFill>
                 <a:effectLst>
                   <a:outerShdw blurRad="12700" dist="38100" dir="2700000" algn="tl" rotWithShape="0">
-                    <a:prstClr val="white">
+                    <a:schemeClr val="bg1">
                       <a:lumMod val="50000"/>
-                    </a:prstClr>
+                    </a:schemeClr>
                   </a:outerShdw>
                 </a:effectLst>
-                <a:uLnTx/>
-                <a:uFillTx/>
                 <a:latin typeface="Segoe UI Black" panose="020B0A02040204020203" pitchFamily="34" charset="0"/>
                 <a:ea typeface="Segoe UI Black" panose="020B0A02040204020203" pitchFamily="34" charset="0"/>
-                <a:cs typeface="+mn-cs"/>
               </a:rPr>
-              <a:t>Weight</a:t>
-            </a:r>
-          </a:p>
-          <a:p>
-            <a:pPr marL="0" marR="0" lvl="0" indent="0" algn="ctr" defTabSz="914400" rtl="1" eaLnBrk="1" fontAlgn="auto" latinLnBrk="0" hangingPunct="1">
-              <a:lnSpc>
-                <a:spcPct val="100000"/>
-              </a:lnSpc>
-              <a:spcBef>
-                <a:spcPts val="0"/>
-              </a:spcBef>
-              <a:spcAft>
-                <a:spcPts val="0"/>
-              </a:spcAft>
-              <a:buClrTx/>
-              <a:buSzTx/>
-              <a:buFontTx/>
-              <a:buNone/>
-              <a:tabLst/>
-              <a:defRPr/>
-            </a:pPr>
-            <a:r>
-              <a:rPr kumimoji="0" lang="en-US" sz="4800" b="1" i="0" u="none" strike="noStrike" kern="1200" cap="none" spc="0" normalizeH="0" baseline="0" noProof="0" dirty="0">
+              <a:t>VM (</a:t>
+            </a:r>
+            <a:r>
+              <a:rPr lang="en-US" sz="5400" b="1" dirty="0" err="1">
                 <a:ln w="9525">
                   <a:solidFill>
-                    <a:prstClr val="white"/>
+                    <a:schemeClr val="bg1"/>
                   </a:solidFill>
                   <a:prstDash val="solid"/>
                 </a:ln>
                 <a:solidFill>
-                  <a:prstClr val="white"/>
+                  <a:schemeClr val="bg1"/>
                 </a:solidFill>
                 <a:effectLst>
                   <a:outerShdw blurRad="12700" dist="38100" dir="2700000" algn="tl" rotWithShape="0">
-                    <a:prstClr val="white">
+                    <a:schemeClr val="bg1">
                       <a:lumMod val="50000"/>
-                    </a:prstClr>
+                    </a:schemeClr>
                   </a:outerShdw>
                 </a:effectLst>
-                <a:uLnTx/>
-                <a:uFillTx/>
                 <a:latin typeface="Segoe UI Black" panose="020B0A02040204020203" pitchFamily="34" charset="0"/>
                 <a:ea typeface="Segoe UI Black" panose="020B0A02040204020203" pitchFamily="34" charset="0"/>
-                <a:cs typeface="+mn-cs"/>
               </a:rPr>
-              <a:t>(VM ethernet)</a:t>
-            </a:r>
-            <a:endParaRPr kumimoji="0" lang="he-IL" sz="4800" b="0" i="0" u="none" strike="noStrike" kern="1200" cap="none" spc="0" normalizeH="0" baseline="0" noProof="0" dirty="0">
-              <a:ln>
-                <a:noFill/>
-              </a:ln>
+              <a:t>WiFi</a:t>
+            </a:r>
+            <a:r>
+              <a:rPr lang="en-US" sz="5400" b="1" dirty="0">
+                <a:ln w="9525">
+                  <a:solidFill>
+                    <a:schemeClr val="bg1"/>
+                  </a:solidFill>
+                  <a:prstDash val="solid"/>
+                </a:ln>
+                <a:solidFill>
+                  <a:schemeClr val="bg1"/>
+                </a:solidFill>
+                <a:effectLst>
+                  <a:outerShdw blurRad="12700" dist="38100" dir="2700000" algn="tl" rotWithShape="0">
+                    <a:schemeClr val="bg1">
+                      <a:lumMod val="50000"/>
+                    </a:schemeClr>
+                  </a:outerShdw>
+                </a:effectLst>
+                <a:latin typeface="Segoe UI Black" panose="020B0A02040204020203" pitchFamily="34" charset="0"/>
+                <a:ea typeface="Segoe UI Black" panose="020B0A02040204020203" pitchFamily="34" charset="0"/>
+              </a:rPr>
+              <a:t>)</a:t>
+            </a:r>
+            <a:endParaRPr lang="he-IL" sz="5400" dirty="0">
               <a:solidFill>
-                <a:prstClr val="white"/>
+                <a:schemeClr val="bg1"/>
               </a:solidFill>
-              <a:effectLst/>
-              <a:uLnTx/>
-              <a:uFillTx/>
               <a:latin typeface="Segoe UI Black" panose="020B0A02040204020203" pitchFamily="34" charset="0"/>
               <a:ea typeface="Segoe UI Black" panose="020B0A02040204020203" pitchFamily="34" charset="0"/>
-              <a:cs typeface="Arial" panose="020B0604020202020204" pitchFamily="34" charset="0"/>
+            </a:endParaRPr>
+          </a:p>
+        </p:txBody>
+      </p:sp>
+      <p:sp>
+        <p:nvSpPr>
+          <p:cNvPr id="5" name="מלבן 4">
+            <a:extLst>
+              <a:ext uri="{FF2B5EF4-FFF2-40B4-BE49-F238E27FC236}">
+                <a16:creationId xmlns:a16="http://schemas.microsoft.com/office/drawing/2014/main" id="{3367D233-BC47-40BA-BA68-02887DBB25AA}"/>
+              </a:ext>
+            </a:extLst>
+          </p:cNvPr>
+          <p:cNvSpPr/>
+          <p:nvPr/>
+        </p:nvSpPr>
+        <p:spPr>
+          <a:xfrm>
+            <a:off x="1515420" y="1767959"/>
+            <a:ext cx="2398412" cy="830997"/>
+          </a:xfrm>
+          <a:prstGeom prst="rect">
+            <a:avLst/>
+          </a:prstGeom>
+        </p:spPr>
+        <p:txBody>
+          <a:bodyPr wrap="none">
+            <a:spAutoFit/>
+          </a:bodyPr>
+          <a:lstStyle/>
+          <a:p>
+            <a:pPr algn="ctr"/>
+            <a:r>
+              <a:rPr lang="en-US" sz="4800" b="1" dirty="0">
+                <a:ln w="9525">
+                  <a:solidFill>
+                    <a:schemeClr val="bg1"/>
+                  </a:solidFill>
+                  <a:prstDash val="solid"/>
+                </a:ln>
+                <a:solidFill>
+                  <a:schemeClr val="bg1"/>
+                </a:solidFill>
+                <a:effectLst>
+                  <a:outerShdw blurRad="12700" dist="38100" dir="2700000" algn="tl" rotWithShape="0">
+                    <a:schemeClr val="bg1">
+                      <a:lumMod val="50000"/>
+                    </a:schemeClr>
+                  </a:outerShdw>
+                </a:effectLst>
+                <a:latin typeface="Segoe UI Black" panose="020B0A02040204020203" pitchFamily="34" charset="0"/>
+                <a:ea typeface="Segoe UI Black" panose="020B0A02040204020203" pitchFamily="34" charset="0"/>
+              </a:rPr>
+              <a:t>Weight</a:t>
+            </a:r>
+            <a:endParaRPr lang="he-IL" sz="4800" dirty="0">
+              <a:solidFill>
+                <a:schemeClr val="bg1"/>
+              </a:solidFill>
+              <a:latin typeface="Segoe UI Black" panose="020B0A02040204020203" pitchFamily="34" charset="0"/>
+              <a:ea typeface="Segoe UI Black" panose="020B0A02040204020203" pitchFamily="34" charset="0"/>
+            </a:endParaRPr>
+          </a:p>
+        </p:txBody>
+      </p:sp>
+      <p:sp>
+        <p:nvSpPr>
+          <p:cNvPr id="6" name="מלבן 5">
+            <a:extLst>
+              <a:ext uri="{FF2B5EF4-FFF2-40B4-BE49-F238E27FC236}">
+                <a16:creationId xmlns:a16="http://schemas.microsoft.com/office/drawing/2014/main" id="{5B3BAD3F-3548-441C-8F7C-857869CFAAB3}"/>
+              </a:ext>
+            </a:extLst>
+          </p:cNvPr>
+          <p:cNvSpPr/>
+          <p:nvPr/>
+        </p:nvSpPr>
+        <p:spPr>
+          <a:xfrm>
+            <a:off x="5401054" y="1767959"/>
+            <a:ext cx="1694695" cy="830997"/>
+          </a:xfrm>
+          <a:prstGeom prst="rect">
+            <a:avLst/>
+          </a:prstGeom>
+        </p:spPr>
+        <p:txBody>
+          <a:bodyPr wrap="none">
+            <a:spAutoFit/>
+          </a:bodyPr>
+          <a:lstStyle/>
+          <a:p>
+            <a:pPr algn="ctr"/>
+            <a:r>
+              <a:rPr lang="en-US" sz="4800" b="1" dirty="0">
+                <a:ln w="9525">
+                  <a:solidFill>
+                    <a:schemeClr val="bg1"/>
+                  </a:solidFill>
+                  <a:prstDash val="solid"/>
+                </a:ln>
+                <a:solidFill>
+                  <a:schemeClr val="bg1"/>
+                </a:solidFill>
+                <a:effectLst>
+                  <a:outerShdw blurRad="12700" dist="38100" dir="2700000" algn="tl" rotWithShape="0">
+                    <a:schemeClr val="bg1">
+                      <a:lumMod val="50000"/>
+                    </a:schemeClr>
+                  </a:outerShdw>
+                </a:effectLst>
+                <a:latin typeface="Segoe UI Black" panose="020B0A02040204020203" pitchFamily="34" charset="0"/>
+                <a:ea typeface="Segoe UI Black" panose="020B0A02040204020203" pitchFamily="34" charset="0"/>
+              </a:rPr>
+              <a:t>Time</a:t>
+            </a:r>
+            <a:endParaRPr lang="he-IL" sz="4800" dirty="0">
+              <a:solidFill>
+                <a:schemeClr val="bg1"/>
+              </a:solidFill>
+              <a:latin typeface="Segoe UI Black" panose="020B0A02040204020203" pitchFamily="34" charset="0"/>
+              <a:ea typeface="Segoe UI Black" panose="020B0A02040204020203" pitchFamily="34" charset="0"/>
+            </a:endParaRPr>
+          </a:p>
+        </p:txBody>
+      </p:sp>
+      <p:sp>
+        <p:nvSpPr>
+          <p:cNvPr id="7" name="מלבן 6">
+            <a:extLst>
+              <a:ext uri="{FF2B5EF4-FFF2-40B4-BE49-F238E27FC236}">
+                <a16:creationId xmlns:a16="http://schemas.microsoft.com/office/drawing/2014/main" id="{0D271E5B-EF5F-4DBA-9051-E4C63DB34342}"/>
+              </a:ext>
+            </a:extLst>
+          </p:cNvPr>
+          <p:cNvSpPr/>
+          <p:nvPr/>
+        </p:nvSpPr>
+        <p:spPr>
+          <a:xfrm>
+            <a:off x="8243878" y="1767959"/>
+            <a:ext cx="2924197" cy="830997"/>
+          </a:xfrm>
+          <a:prstGeom prst="rect">
+            <a:avLst/>
+          </a:prstGeom>
+        </p:spPr>
+        <p:txBody>
+          <a:bodyPr wrap="none">
+            <a:spAutoFit/>
+          </a:bodyPr>
+          <a:lstStyle/>
+          <a:p>
+            <a:pPr algn="ctr"/>
+            <a:r>
+              <a:rPr lang="en-US" sz="4800" b="1" dirty="0">
+                <a:ln w="9525">
+                  <a:solidFill>
+                    <a:schemeClr val="bg1"/>
+                  </a:solidFill>
+                  <a:prstDash val="solid"/>
+                </a:ln>
+                <a:solidFill>
+                  <a:schemeClr val="bg1"/>
+                </a:solidFill>
+                <a:effectLst>
+                  <a:outerShdw blurRad="12700" dist="38100" dir="2700000" algn="tl" rotWithShape="0">
+                    <a:schemeClr val="bg1">
+                      <a:lumMod val="50000"/>
+                    </a:schemeClr>
+                  </a:outerShdw>
+                </a:effectLst>
+                <a:latin typeface="Segoe UI Black" panose="020B0A02040204020203" pitchFamily="34" charset="0"/>
+                <a:ea typeface="Segoe UI Black" panose="020B0A02040204020203" pitchFamily="34" charset="0"/>
+              </a:rPr>
+              <a:t>Requests</a:t>
+            </a:r>
+            <a:endParaRPr lang="he-IL" sz="4800" dirty="0">
+              <a:solidFill>
+                <a:schemeClr val="bg1"/>
+              </a:solidFill>
+              <a:latin typeface="Segoe UI Black" panose="020B0A02040204020203" pitchFamily="34" charset="0"/>
+              <a:ea typeface="Segoe UI Black" panose="020B0A02040204020203" pitchFamily="34" charset="0"/>
             </a:endParaRPr>
           </a:p>
         </p:txBody>
@@ -8293,7 +8655,7 @@
     </p:spTree>
     <p:extLst>
       <p:ext uri="{BB962C8B-B14F-4D97-AF65-F5344CB8AC3E}">
-        <p14:creationId xmlns:p14="http://schemas.microsoft.com/office/powerpoint/2010/main" val="164972077"/>
+        <p14:creationId xmlns:p14="http://schemas.microsoft.com/office/powerpoint/2010/main" val="1496064927"/>
       </p:ext>
     </p:extLst>
   </p:cSld>
@@ -8398,7 +8760,7 @@
                 <a:ea typeface="Segoe UI Black" panose="020B0A02040204020203" pitchFamily="34" charset="0"/>
                 <a:cs typeface="+mn-cs"/>
               </a:rPr>
-              <a:t>Time</a:t>
+              <a:t>Weight</a:t>
             </a:r>
           </a:p>
           <a:p>
@@ -8465,7 +8827,7 @@
     </p:spTree>
     <p:extLst>
       <p:ext uri="{BB962C8B-B14F-4D97-AF65-F5344CB8AC3E}">
-        <p14:creationId xmlns:p14="http://schemas.microsoft.com/office/powerpoint/2010/main" val="410320884"/>
+        <p14:creationId xmlns:p14="http://schemas.microsoft.com/office/powerpoint/2010/main" val="164972077"/>
       </p:ext>
     </p:extLst>
   </p:cSld>
@@ -8570,7 +8932,7 @@
                 <a:ea typeface="Segoe UI Black" panose="020B0A02040204020203" pitchFamily="34" charset="0"/>
                 <a:cs typeface="+mn-cs"/>
               </a:rPr>
-              <a:t>Requests</a:t>
+              <a:t>Time</a:t>
             </a:r>
           </a:p>
           <a:p>
@@ -8637,7 +8999,2542 @@
     </p:spTree>
     <p:extLst>
       <p:ext uri="{BB962C8B-B14F-4D97-AF65-F5344CB8AC3E}">
+        <p14:creationId xmlns:p14="http://schemas.microsoft.com/office/powerpoint/2010/main" val="410320884"/>
+      </p:ext>
+    </p:extLst>
+  </p:cSld>
+  <p:clrMapOvr>
+    <a:masterClrMapping/>
+  </p:clrMapOvr>
+</p:sld>
+</file>
+
+<file path=ppt/slides/slide23.xml><?xml version="1.0" encoding="utf-8"?>
+<p:sld xmlns:a="http://schemas.openxmlformats.org/drawingml/2006/main" xmlns:r="http://schemas.openxmlformats.org/officeDocument/2006/relationships" xmlns:p="http://schemas.openxmlformats.org/presentationml/2006/main">
+  <p:cSld>
+    <p:bg>
+      <p:bgPr>
+        <a:solidFill>
+          <a:schemeClr val="accent3">
+            <a:lumMod val="75000"/>
+          </a:schemeClr>
+        </a:solidFill>
+        <a:effectLst/>
+      </p:bgPr>
+    </p:bg>
+    <p:spTree>
+      <p:nvGrpSpPr>
+        <p:cNvPr id="1" name=""/>
+        <p:cNvGrpSpPr/>
+        <p:nvPr/>
+      </p:nvGrpSpPr>
+      <p:grpSpPr>
+        <a:xfrm>
+          <a:off x="0" y="0"/>
+          <a:ext cx="0" cy="0"/>
+          <a:chOff x="0" y="0"/>
+          <a:chExt cx="0" cy="0"/>
+        </a:xfrm>
+      </p:grpSpPr>
+      <p:sp>
+        <p:nvSpPr>
+          <p:cNvPr id="4" name="מלבן 3">
+            <a:extLst>
+              <a:ext uri="{FF2B5EF4-FFF2-40B4-BE49-F238E27FC236}">
+                <a16:creationId xmlns:a16="http://schemas.microsoft.com/office/drawing/2014/main" id="{EA0DC44C-22D0-45E2-84EE-14BFDAC9D165}"/>
+              </a:ext>
+            </a:extLst>
+          </p:cNvPr>
+          <p:cNvSpPr/>
+          <p:nvPr/>
+        </p:nvSpPr>
+        <p:spPr>
+          <a:xfrm>
+            <a:off x="3848433" y="426839"/>
+            <a:ext cx="4495141" cy="1569660"/>
+          </a:xfrm>
+          <a:prstGeom prst="rect">
+            <a:avLst/>
+          </a:prstGeom>
+        </p:spPr>
+        <p:txBody>
+          <a:bodyPr wrap="none">
+            <a:spAutoFit/>
+          </a:bodyPr>
+          <a:lstStyle/>
+          <a:p>
+            <a:pPr marL="0" marR="0" lvl="0" indent="0" algn="ctr" defTabSz="914400" rtl="1" eaLnBrk="1" fontAlgn="auto" latinLnBrk="0" hangingPunct="1">
+              <a:lnSpc>
+                <a:spcPct val="100000"/>
+              </a:lnSpc>
+              <a:spcBef>
+                <a:spcPts val="0"/>
+              </a:spcBef>
+              <a:spcAft>
+                <a:spcPts val="0"/>
+              </a:spcAft>
+              <a:buClrTx/>
+              <a:buSzTx/>
+              <a:buFontTx/>
+              <a:buNone/>
+              <a:tabLst/>
+              <a:defRPr/>
+            </a:pPr>
+            <a:r>
+              <a:rPr kumimoji="0" lang="en-US" sz="4800" b="1" i="0" u="none" strike="noStrike" kern="1200" cap="none" spc="0" normalizeH="0" baseline="0" noProof="0" dirty="0">
+                <a:ln w="9525">
+                  <a:solidFill>
+                    <a:prstClr val="white"/>
+                  </a:solidFill>
+                  <a:prstDash val="solid"/>
+                </a:ln>
+                <a:solidFill>
+                  <a:prstClr val="white"/>
+                </a:solidFill>
+                <a:effectLst>
+                  <a:outerShdw blurRad="12700" dist="38100" dir="2700000" algn="tl" rotWithShape="0">
+                    <a:prstClr val="white">
+                      <a:lumMod val="50000"/>
+                    </a:prstClr>
+                  </a:outerShdw>
+                </a:effectLst>
+                <a:uLnTx/>
+                <a:uFillTx/>
+                <a:latin typeface="Segoe UI Black" panose="020B0A02040204020203" pitchFamily="34" charset="0"/>
+                <a:ea typeface="Segoe UI Black" panose="020B0A02040204020203" pitchFamily="34" charset="0"/>
+                <a:cs typeface="+mn-cs"/>
+              </a:rPr>
+              <a:t>Requests</a:t>
+            </a:r>
+          </a:p>
+          <a:p>
+            <a:pPr marL="0" marR="0" lvl="0" indent="0" algn="ctr" defTabSz="914400" rtl="1" eaLnBrk="1" fontAlgn="auto" latinLnBrk="0" hangingPunct="1">
+              <a:lnSpc>
+                <a:spcPct val="100000"/>
+              </a:lnSpc>
+              <a:spcBef>
+                <a:spcPts val="0"/>
+              </a:spcBef>
+              <a:spcAft>
+                <a:spcPts val="0"/>
+              </a:spcAft>
+              <a:buClrTx/>
+              <a:buSzTx/>
+              <a:buFontTx/>
+              <a:buNone/>
+              <a:tabLst/>
+              <a:defRPr/>
+            </a:pPr>
+            <a:r>
+              <a:rPr kumimoji="0" lang="en-US" sz="4800" b="1" i="0" u="none" strike="noStrike" kern="1200" cap="none" spc="0" normalizeH="0" baseline="0" noProof="0" dirty="0">
+                <a:ln w="9525">
+                  <a:solidFill>
+                    <a:prstClr val="white"/>
+                  </a:solidFill>
+                  <a:prstDash val="solid"/>
+                </a:ln>
+                <a:solidFill>
+                  <a:prstClr val="white"/>
+                </a:solidFill>
+                <a:effectLst>
+                  <a:outerShdw blurRad="12700" dist="38100" dir="2700000" algn="tl" rotWithShape="0">
+                    <a:prstClr val="white">
+                      <a:lumMod val="50000"/>
+                    </a:prstClr>
+                  </a:outerShdw>
+                </a:effectLst>
+                <a:uLnTx/>
+                <a:uFillTx/>
+                <a:latin typeface="Segoe UI Black" panose="020B0A02040204020203" pitchFamily="34" charset="0"/>
+                <a:ea typeface="Segoe UI Black" panose="020B0A02040204020203" pitchFamily="34" charset="0"/>
+                <a:cs typeface="+mn-cs"/>
+              </a:rPr>
+              <a:t>(VM ethernet)</a:t>
+            </a:r>
+            <a:endParaRPr kumimoji="0" lang="he-IL" sz="4800" b="0" i="0" u="none" strike="noStrike" kern="1200" cap="none" spc="0" normalizeH="0" baseline="0" noProof="0" dirty="0">
+              <a:ln>
+                <a:noFill/>
+              </a:ln>
+              <a:solidFill>
+                <a:prstClr val="white"/>
+              </a:solidFill>
+              <a:effectLst/>
+              <a:uLnTx/>
+              <a:uFillTx/>
+              <a:latin typeface="Segoe UI Black" panose="020B0A02040204020203" pitchFamily="34" charset="0"/>
+              <a:ea typeface="Segoe UI Black" panose="020B0A02040204020203" pitchFamily="34" charset="0"/>
+              <a:cs typeface="Arial" panose="020B0604020202020204" pitchFamily="34" charset="0"/>
+            </a:endParaRPr>
+          </a:p>
+        </p:txBody>
+      </p:sp>
+    </p:spTree>
+    <p:extLst>
+      <p:ext uri="{BB962C8B-B14F-4D97-AF65-F5344CB8AC3E}">
         <p14:creationId xmlns:p14="http://schemas.microsoft.com/office/powerpoint/2010/main" val="552512706"/>
+      </p:ext>
+    </p:extLst>
+  </p:cSld>
+  <p:clrMapOvr>
+    <a:masterClrMapping/>
+  </p:clrMapOvr>
+</p:sld>
+</file>
+
+<file path=ppt/slides/slide24.xml><?xml version="1.0" encoding="utf-8"?>
+<p:sld xmlns:a="http://schemas.openxmlformats.org/drawingml/2006/main" xmlns:r="http://schemas.openxmlformats.org/officeDocument/2006/relationships" xmlns:p="http://schemas.openxmlformats.org/presentationml/2006/main">
+  <p:cSld>
+    <p:bg>
+      <p:bgPr>
+        <a:solidFill>
+          <a:schemeClr val="bg2">
+            <a:lumMod val="75000"/>
+          </a:schemeClr>
+        </a:solidFill>
+        <a:effectLst/>
+      </p:bgPr>
+    </p:bg>
+    <p:spTree>
+      <p:nvGrpSpPr>
+        <p:cNvPr id="1" name=""/>
+        <p:cNvGrpSpPr/>
+        <p:nvPr/>
+      </p:nvGrpSpPr>
+      <p:grpSpPr>
+        <a:xfrm>
+          <a:off x="0" y="0"/>
+          <a:ext cx="0" cy="0"/>
+          <a:chOff x="0" y="0"/>
+          <a:chExt cx="0" cy="0"/>
+        </a:xfrm>
+      </p:grpSpPr>
+      <p:grpSp>
+        <p:nvGrpSpPr>
+          <p:cNvPr id="19" name="קבוצה 18">
+            <a:extLst>
+              <a:ext uri="{FF2B5EF4-FFF2-40B4-BE49-F238E27FC236}">
+                <a16:creationId xmlns:a16="http://schemas.microsoft.com/office/drawing/2014/main" id="{D5ADB65C-55CD-4BAE-B088-784BE8A6B07F}"/>
+              </a:ext>
+            </a:extLst>
+          </p:cNvPr>
+          <p:cNvGrpSpPr/>
+          <p:nvPr/>
+        </p:nvGrpSpPr>
+        <p:grpSpPr>
+          <a:xfrm>
+            <a:off x="898346" y="1627702"/>
+            <a:ext cx="4918889" cy="3429438"/>
+            <a:chOff x="898346" y="1444822"/>
+            <a:chExt cx="4918889" cy="3429438"/>
+          </a:xfrm>
+        </p:grpSpPr>
+        <p:grpSp>
+          <p:nvGrpSpPr>
+            <p:cNvPr id="10" name="קבוצה 9">
+              <a:extLst>
+                <a:ext uri="{FF2B5EF4-FFF2-40B4-BE49-F238E27FC236}">
+                  <a16:creationId xmlns:a16="http://schemas.microsoft.com/office/drawing/2014/main" id="{0444E5CC-AC19-46B4-8DDC-75471822DB6C}"/>
+                </a:ext>
+              </a:extLst>
+            </p:cNvPr>
+            <p:cNvGrpSpPr/>
+            <p:nvPr/>
+          </p:nvGrpSpPr>
+          <p:grpSpPr>
+            <a:xfrm>
+              <a:off x="898346" y="1444822"/>
+              <a:ext cx="3663493" cy="3429438"/>
+              <a:chOff x="786586" y="1007942"/>
+              <a:chExt cx="3663493" cy="3429438"/>
+            </a:xfrm>
+          </p:grpSpPr>
+          <p:grpSp>
+            <p:nvGrpSpPr>
+              <p:cNvPr id="4" name="קבוצה 3">
+                <a:extLst>
+                  <a:ext uri="{FF2B5EF4-FFF2-40B4-BE49-F238E27FC236}">
+                    <a16:creationId xmlns:a16="http://schemas.microsoft.com/office/drawing/2014/main" id="{CAB64B08-6813-4A2F-BD4E-61245A7798E4}"/>
+                  </a:ext>
+                </a:extLst>
+              </p:cNvPr>
+              <p:cNvGrpSpPr/>
+              <p:nvPr/>
+            </p:nvGrpSpPr>
+            <p:grpSpPr>
+              <a:xfrm>
+                <a:off x="786586" y="1007942"/>
+                <a:ext cx="3663493" cy="3429438"/>
+                <a:chOff x="8352612" y="287217"/>
+                <a:chExt cx="3238500" cy="3086098"/>
+              </a:xfrm>
+            </p:grpSpPr>
+            <p:sp>
+              <p:nvSpPr>
+                <p:cNvPr id="5" name="אליפסה 4">
+                  <a:extLst>
+                    <a:ext uri="{FF2B5EF4-FFF2-40B4-BE49-F238E27FC236}">
+                      <a16:creationId xmlns:a16="http://schemas.microsoft.com/office/drawing/2014/main" id="{F75EB8A7-526B-4A66-9D91-B7A8FECB8BD0}"/>
+                    </a:ext>
+                  </a:extLst>
+                </p:cNvPr>
+                <p:cNvSpPr/>
+                <p:nvPr/>
+              </p:nvSpPr>
+              <p:spPr>
+                <a:xfrm>
+                  <a:off x="8352612" y="287217"/>
+                  <a:ext cx="3238500" cy="3086098"/>
+                </a:xfrm>
+                <a:prstGeom prst="ellipse">
+                  <a:avLst/>
+                </a:prstGeom>
+                <a:solidFill>
+                  <a:schemeClr val="accent6">
+                    <a:lumMod val="75000"/>
+                    <a:alpha val="70000"/>
+                  </a:schemeClr>
+                </a:solidFill>
+                <a:ln w="57150">
+                  <a:solidFill>
+                    <a:schemeClr val="bg1"/>
+                  </a:solidFill>
+                </a:ln>
+              </p:spPr>
+              <p:style>
+                <a:lnRef idx="2">
+                  <a:schemeClr val="accent1">
+                    <a:shade val="50000"/>
+                  </a:schemeClr>
+                </a:lnRef>
+                <a:fillRef idx="1">
+                  <a:schemeClr val="accent1"/>
+                </a:fillRef>
+                <a:effectRef idx="0">
+                  <a:schemeClr val="accent1"/>
+                </a:effectRef>
+                <a:fontRef idx="minor">
+                  <a:schemeClr val="lt1"/>
+                </a:fontRef>
+              </p:style>
+              <p:txBody>
+                <a:bodyPr rtlCol="1" anchor="ctr"/>
+                <a:lstStyle/>
+                <a:p>
+                  <a:pPr algn="ctr"/>
+                  <a:endParaRPr lang="he-IL"/>
+                </a:p>
+              </p:txBody>
+            </p:sp>
+            <p:pic>
+              <p:nvPicPr>
+                <p:cNvPr id="6" name="גרפיקה 5" descr="פגיעה במטרה">
+                  <a:extLst>
+                    <a:ext uri="{FF2B5EF4-FFF2-40B4-BE49-F238E27FC236}">
+                      <a16:creationId xmlns:a16="http://schemas.microsoft.com/office/drawing/2014/main" id="{E8E2793F-B062-4700-8623-E1B910F31023}"/>
+                    </a:ext>
+                  </a:extLst>
+                </p:cNvPr>
+                <p:cNvPicPr>
+                  <a:picLocks noChangeAspect="1"/>
+                </p:cNvPicPr>
+                <p:nvPr/>
+              </p:nvPicPr>
+              <p:blipFill>
+                <a:blip r:embed="rId2">
+                  <a:extLst>
+                    <a:ext uri="{28A0092B-C50C-407E-A947-70E740481C1C}">
+                      <a14:useLocalDpi xmlns:a14="http://schemas.microsoft.com/office/drawing/2010/main" val="0"/>
+                    </a:ext>
+                    <a:ext uri="{96DAC541-7B7A-43D3-8B79-37D633B846F1}">
+                      <asvg:svgBlip xmlns:asvg="http://schemas.microsoft.com/office/drawing/2016/SVG/main" r:embed="rId3"/>
+                    </a:ext>
+                  </a:extLst>
+                </a:blip>
+                <a:stretch>
+                  <a:fillRect/>
+                </a:stretch>
+              </p:blipFill>
+              <p:spPr>
+                <a:xfrm>
+                  <a:off x="9225221" y="1841648"/>
+                  <a:ext cx="1386923" cy="1386924"/>
+                </a:xfrm>
+                <a:prstGeom prst="rect">
+                  <a:avLst/>
+                </a:prstGeom>
+              </p:spPr>
+            </p:pic>
+          </p:grpSp>
+          <p:sp>
+            <p:nvSpPr>
+              <p:cNvPr id="7" name="תיבת טקסט 6">
+                <a:extLst>
+                  <a:ext uri="{FF2B5EF4-FFF2-40B4-BE49-F238E27FC236}">
+                    <a16:creationId xmlns:a16="http://schemas.microsoft.com/office/drawing/2014/main" id="{A78101AF-388D-4BED-901C-35B5A8165E9E}"/>
+                  </a:ext>
+                </a:extLst>
+              </p:cNvPr>
+              <p:cNvSpPr txBox="1"/>
+              <p:nvPr/>
+            </p:nvSpPr>
+            <p:spPr>
+              <a:xfrm>
+                <a:off x="1229340" y="1890032"/>
+                <a:ext cx="2701784" cy="646331"/>
+              </a:xfrm>
+              <a:prstGeom prst="rect">
+                <a:avLst/>
+              </a:prstGeom>
+              <a:noFill/>
+            </p:spPr>
+            <p:txBody>
+              <a:bodyPr wrap="square" rtlCol="1">
+                <a:spAutoFit/>
+              </a:bodyPr>
+              <a:lstStyle/>
+              <a:p>
+                <a:r>
+                  <a:rPr lang="en-US" sz="3600" b="1" dirty="0">
+                    <a:ln w="9525">
+                      <a:solidFill>
+                        <a:schemeClr val="bg1"/>
+                      </a:solidFill>
+                      <a:prstDash val="solid"/>
+                    </a:ln>
+                    <a:solidFill>
+                      <a:schemeClr val="bg1"/>
+                    </a:solidFill>
+                    <a:effectLst>
+                      <a:outerShdw blurRad="12700" dist="38100" dir="2700000" algn="tl" rotWithShape="0">
+                        <a:schemeClr val="bg1">
+                          <a:lumMod val="50000"/>
+                        </a:schemeClr>
+                      </a:outerShdw>
+                    </a:effectLst>
+                    <a:latin typeface="Segoe UI Black" panose="020B0A02040204020203" pitchFamily="34" charset="0"/>
+                    <a:ea typeface="Segoe UI Black" panose="020B0A02040204020203" pitchFamily="34" charset="0"/>
+                  </a:rPr>
+                  <a:t>Conclusion</a:t>
+                </a:r>
+                <a:endParaRPr lang="he-IL" sz="3600" dirty="0">
+                  <a:solidFill>
+                    <a:schemeClr val="bg1"/>
+                  </a:solidFill>
+                  <a:latin typeface="Segoe UI Black" panose="020B0A02040204020203" pitchFamily="34" charset="0"/>
+                  <a:ea typeface="Segoe UI Black" panose="020B0A02040204020203" pitchFamily="34" charset="0"/>
+                </a:endParaRPr>
+              </a:p>
+            </p:txBody>
+          </p:sp>
+        </p:grpSp>
+        <p:cxnSp>
+          <p:nvCxnSpPr>
+            <p:cNvPr id="12" name="מחבר חץ ישר 11">
+              <a:extLst>
+                <a:ext uri="{FF2B5EF4-FFF2-40B4-BE49-F238E27FC236}">
+                  <a16:creationId xmlns:a16="http://schemas.microsoft.com/office/drawing/2014/main" id="{BE277213-989C-41E8-B3FB-88318FCE9051}"/>
+                </a:ext>
+              </a:extLst>
+            </p:cNvPr>
+            <p:cNvCxnSpPr>
+              <a:cxnSpLocks/>
+            </p:cNvCxnSpPr>
+            <p:nvPr/>
+          </p:nvCxnSpPr>
+          <p:spPr>
+            <a:xfrm flipV="1">
+              <a:off x="4378960" y="2085208"/>
+              <a:ext cx="1438275" cy="383672"/>
+            </a:xfrm>
+            <a:prstGeom prst="straightConnector1">
+              <a:avLst/>
+            </a:prstGeom>
+            <a:ln w="50800">
+              <a:solidFill>
+                <a:schemeClr val="bg1"/>
+              </a:solidFill>
+              <a:headEnd w="lg" len="lg"/>
+              <a:tailEnd type="stealth" w="lg" len="lg"/>
+            </a:ln>
+          </p:spPr>
+          <p:style>
+            <a:lnRef idx="1">
+              <a:schemeClr val="accent1"/>
+            </a:lnRef>
+            <a:fillRef idx="0">
+              <a:schemeClr val="accent1"/>
+            </a:fillRef>
+            <a:effectRef idx="0">
+              <a:schemeClr val="accent1"/>
+            </a:effectRef>
+            <a:fontRef idx="minor">
+              <a:schemeClr val="tx1"/>
+            </a:fontRef>
+          </p:style>
+        </p:cxnSp>
+        <p:cxnSp>
+          <p:nvCxnSpPr>
+            <p:cNvPr id="15" name="מחבר חץ ישר 14">
+              <a:extLst>
+                <a:ext uri="{FF2B5EF4-FFF2-40B4-BE49-F238E27FC236}">
+                  <a16:creationId xmlns:a16="http://schemas.microsoft.com/office/drawing/2014/main" id="{C5CAE60C-4AB5-4A91-947D-E3CDCB9EE5E8}"/>
+                </a:ext>
+              </a:extLst>
+            </p:cNvPr>
+            <p:cNvCxnSpPr>
+              <a:cxnSpLocks/>
+            </p:cNvCxnSpPr>
+            <p:nvPr/>
+          </p:nvCxnSpPr>
+          <p:spPr>
+            <a:xfrm>
+              <a:off x="4196080" y="4134637"/>
+              <a:ext cx="1568931" cy="464033"/>
+            </a:xfrm>
+            <a:prstGeom prst="straightConnector1">
+              <a:avLst/>
+            </a:prstGeom>
+            <a:ln w="50800">
+              <a:solidFill>
+                <a:schemeClr val="bg1"/>
+              </a:solidFill>
+              <a:headEnd w="lg" len="lg"/>
+              <a:tailEnd type="stealth" w="lg" len="lg"/>
+            </a:ln>
+          </p:spPr>
+          <p:style>
+            <a:lnRef idx="1">
+              <a:schemeClr val="accent1"/>
+            </a:lnRef>
+            <a:fillRef idx="0">
+              <a:schemeClr val="accent1"/>
+            </a:fillRef>
+            <a:effectRef idx="0">
+              <a:schemeClr val="accent1"/>
+            </a:effectRef>
+            <a:fontRef idx="minor">
+              <a:schemeClr val="tx1"/>
+            </a:fontRef>
+          </p:style>
+        </p:cxnSp>
+      </p:grpSp>
+      <mc:AlternateContent xmlns:mc="http://schemas.openxmlformats.org/markup-compatibility/2006">
+        <mc:Choice xmlns:pslz="http://schemas.microsoft.com/office/powerpoint/2016/slidezoom" Requires="pslz">
+          <p:graphicFrame>
+            <p:nvGraphicFramePr>
+              <p:cNvPr id="22" name="תצוגת שקופית 21">
+                <a:extLst>
+                  <a:ext uri="{FF2B5EF4-FFF2-40B4-BE49-F238E27FC236}">
+                    <a16:creationId xmlns:a16="http://schemas.microsoft.com/office/drawing/2014/main" id="{844AD766-1884-4013-BF99-7FE3820F31FE}"/>
+                  </a:ext>
+                </a:extLst>
+              </p:cNvPr>
+              <p:cNvGraphicFramePr>
+                <a:graphicFrameLocks noChangeAspect="1"/>
+              </p:cNvGraphicFramePr>
+              <p:nvPr>
+                <p:extLst>
+                  <p:ext uri="{D42A27DB-BD31-4B8C-83A1-F6EECF244321}">
+                    <p14:modId xmlns:p14="http://schemas.microsoft.com/office/powerpoint/2010/main" val="1289702880"/>
+                  </p:ext>
+                </p:extLst>
+              </p:nvPr>
+            </p:nvGraphicFramePr>
+            <p:xfrm>
+              <a:off x="5869939" y="1521097"/>
+              <a:ext cx="4800599" cy="1598189"/>
+            </p:xfrm>
+            <a:graphic>
+              <a:graphicData uri="http://schemas.microsoft.com/office/powerpoint/2016/slidezoom">
+                <pslz:sldZm>
+                  <pslz:sldZmObj sldId="279" cId="2040875361">
+                    <pslz:zmPr id="{27FD0B03-48BE-4B1E-9F52-CD42441E71C2}" imageType="cover" transitionDur="1000" showBg="0">
+                      <p166:blipFill xmlns:p166="http://schemas.microsoft.com/office/powerpoint/2016/6/main">
+                        <a:blip r:embed="rId4">
+                          <a:extLst>
+                            <a:ext uri="{28A0092B-C50C-407E-A947-70E740481C1C}">
+                              <a14:useLocalDpi xmlns:a14="http://schemas.microsoft.com/office/drawing/2010/main" val="0"/>
+                            </a:ext>
+                          </a:extLst>
+                        </a:blip>
+                        <a:stretch>
+                          <a:fillRect/>
+                        </a:stretch>
+                      </p166:blipFill>
+                      <p166:spPr xmlns:p166="http://schemas.microsoft.com/office/powerpoint/2016/6/main">
+                        <a:xfrm>
+                          <a:off x="0" y="0"/>
+                          <a:ext cx="4800599" cy="1598189"/>
+                        </a:xfrm>
+                        <a:prstGeom prst="rect">
+                          <a:avLst/>
+                        </a:prstGeom>
+                      </p166:spPr>
+                    </pslz:zmPr>
+                  </pslz:sldZmObj>
+                </pslz:sldZm>
+              </a:graphicData>
+            </a:graphic>
+          </p:graphicFrame>
+        </mc:Choice>
+        <mc:Fallback>
+          <p:pic>
+            <p:nvPicPr>
+              <p:cNvPr id="22" name="תצוגת שקופית 21">
+                <a:hlinkClick r:id="rId5" action="ppaction://hlinksldjump"/>
+                <a:extLst>
+                  <a:ext uri="{FF2B5EF4-FFF2-40B4-BE49-F238E27FC236}">
+                    <a16:creationId xmlns:a16="http://schemas.microsoft.com/office/drawing/2014/main" id="{844AD766-1884-4013-BF99-7FE3820F31FE}"/>
+                  </a:ext>
+                </a:extLst>
+              </p:cNvPr>
+              <p:cNvPicPr>
+                <a:picLocks noGrp="1" noRot="1" noChangeAspect="1" noMove="1" noResize="1" noEditPoints="1" noAdjustHandles="1" noChangeArrowheads="1" noChangeShapeType="1"/>
+              </p:cNvPicPr>
+              <p:nvPr/>
+            </p:nvPicPr>
+            <p:blipFill>
+              <a:blip r:embed="rId4">
+                <a:extLst>
+                  <a:ext uri="{28A0092B-C50C-407E-A947-70E740481C1C}">
+                    <a14:useLocalDpi xmlns:a14="http://schemas.microsoft.com/office/drawing/2010/main" val="0"/>
+                  </a:ext>
+                </a:extLst>
+              </a:blip>
+              <a:stretch>
+                <a:fillRect/>
+              </a:stretch>
+            </p:blipFill>
+            <p:spPr>
+              <a:xfrm>
+                <a:off x="5869939" y="1521097"/>
+                <a:ext cx="4800599" cy="1598189"/>
+              </a:xfrm>
+              <a:prstGeom prst="rect">
+                <a:avLst/>
+              </a:prstGeom>
+            </p:spPr>
+          </p:pic>
+        </mc:Fallback>
+      </mc:AlternateContent>
+      <mc:AlternateContent xmlns:mc="http://schemas.openxmlformats.org/markup-compatibility/2006">
+        <mc:Choice xmlns:pslz="http://schemas.microsoft.com/office/powerpoint/2016/slidezoom" Requires="pslz">
+          <p:graphicFrame>
+            <p:nvGraphicFramePr>
+              <p:cNvPr id="25" name="תצוגת שקופית 24">
+                <a:extLst>
+                  <a:ext uri="{FF2B5EF4-FFF2-40B4-BE49-F238E27FC236}">
+                    <a16:creationId xmlns:a16="http://schemas.microsoft.com/office/drawing/2014/main" id="{B2A1F35C-D838-4574-A0B0-E0431AC73648}"/>
+                  </a:ext>
+                </a:extLst>
+              </p:cNvPr>
+              <p:cNvGraphicFramePr>
+                <a:graphicFrameLocks noChangeAspect="1"/>
+              </p:cNvGraphicFramePr>
+              <p:nvPr>
+                <p:extLst>
+                  <p:ext uri="{D42A27DB-BD31-4B8C-83A1-F6EECF244321}">
+                    <p14:modId xmlns:p14="http://schemas.microsoft.com/office/powerpoint/2010/main" val="2749797421"/>
+                  </p:ext>
+                </p:extLst>
+              </p:nvPr>
+            </p:nvGraphicFramePr>
+            <p:xfrm>
+              <a:off x="5831839" y="3932094"/>
+              <a:ext cx="4874261" cy="1622712"/>
+            </p:xfrm>
+            <a:graphic>
+              <a:graphicData uri="http://schemas.microsoft.com/office/powerpoint/2016/slidezoom">
+                <pslz:sldZm>
+                  <pslz:sldZmObj sldId="281" cId="1155897925">
+                    <pslz:zmPr id="{E3A68524-AD61-44B9-9EB5-8A94EFD9AB0C}" imageType="cover" transitionDur="1000" showBg="0">
+                      <p166:blipFill xmlns:p166="http://schemas.microsoft.com/office/powerpoint/2016/6/main">
+                        <a:blip r:embed="rId6">
+                          <a:extLst>
+                            <a:ext uri="{28A0092B-C50C-407E-A947-70E740481C1C}">
+                              <a14:useLocalDpi xmlns:a14="http://schemas.microsoft.com/office/drawing/2010/main" val="0"/>
+                            </a:ext>
+                          </a:extLst>
+                        </a:blip>
+                        <a:stretch>
+                          <a:fillRect/>
+                        </a:stretch>
+                      </p166:blipFill>
+                      <p166:spPr xmlns:p166="http://schemas.microsoft.com/office/powerpoint/2016/6/main">
+                        <a:xfrm>
+                          <a:off x="0" y="0"/>
+                          <a:ext cx="4874261" cy="1622712"/>
+                        </a:xfrm>
+                        <a:prstGeom prst="rect">
+                          <a:avLst/>
+                        </a:prstGeom>
+                      </p166:spPr>
+                    </pslz:zmPr>
+                  </pslz:sldZmObj>
+                </pslz:sldZm>
+              </a:graphicData>
+            </a:graphic>
+          </p:graphicFrame>
+        </mc:Choice>
+        <mc:Fallback>
+          <p:pic>
+            <p:nvPicPr>
+              <p:cNvPr id="25" name="תצוגת שקופית 24">
+                <a:hlinkClick r:id="rId7" action="ppaction://hlinksldjump"/>
+                <a:extLst>
+                  <a:ext uri="{FF2B5EF4-FFF2-40B4-BE49-F238E27FC236}">
+                    <a16:creationId xmlns:a16="http://schemas.microsoft.com/office/drawing/2014/main" id="{B2A1F35C-D838-4574-A0B0-E0431AC73648}"/>
+                  </a:ext>
+                </a:extLst>
+              </p:cNvPr>
+              <p:cNvPicPr>
+                <a:picLocks noGrp="1" noRot="1" noChangeAspect="1" noMove="1" noResize="1" noEditPoints="1" noAdjustHandles="1" noChangeArrowheads="1" noChangeShapeType="1"/>
+              </p:cNvPicPr>
+              <p:nvPr/>
+            </p:nvPicPr>
+            <p:blipFill>
+              <a:blip r:embed="rId6">
+                <a:extLst>
+                  <a:ext uri="{28A0092B-C50C-407E-A947-70E740481C1C}">
+                    <a14:useLocalDpi xmlns:a14="http://schemas.microsoft.com/office/drawing/2010/main" val="0"/>
+                  </a:ext>
+                </a:extLst>
+              </a:blip>
+              <a:stretch>
+                <a:fillRect/>
+              </a:stretch>
+            </p:blipFill>
+            <p:spPr>
+              <a:xfrm>
+                <a:off x="5831839" y="3932094"/>
+                <a:ext cx="4874261" cy="1622712"/>
+              </a:xfrm>
+              <a:prstGeom prst="rect">
+                <a:avLst/>
+              </a:prstGeom>
+            </p:spPr>
+          </p:pic>
+        </mc:Fallback>
+      </mc:AlternateContent>
+    </p:spTree>
+    <p:extLst>
+      <p:ext uri="{BB962C8B-B14F-4D97-AF65-F5344CB8AC3E}">
+        <p14:creationId xmlns:p14="http://schemas.microsoft.com/office/powerpoint/2010/main" val="2772015783"/>
+      </p:ext>
+    </p:extLst>
+  </p:cSld>
+  <p:clrMapOvr>
+    <a:masterClrMapping/>
+  </p:clrMapOvr>
+</p:sld>
+</file>
+
+<file path=ppt/slides/slide25.xml><?xml version="1.0" encoding="utf-8"?>
+<p:sld xmlns:a="http://schemas.openxmlformats.org/drawingml/2006/main" xmlns:r="http://schemas.openxmlformats.org/officeDocument/2006/relationships" xmlns:p="http://schemas.openxmlformats.org/presentationml/2006/main">
+  <p:cSld>
+    <p:bg>
+      <p:bgPr>
+        <a:solidFill>
+          <a:schemeClr val="bg1">
+            <a:lumMod val="65000"/>
+          </a:schemeClr>
+        </a:solidFill>
+        <a:effectLst/>
+      </p:bgPr>
+    </p:bg>
+    <p:spTree>
+      <p:nvGrpSpPr>
+        <p:cNvPr id="1" name=""/>
+        <p:cNvGrpSpPr/>
+        <p:nvPr/>
+      </p:nvGrpSpPr>
+      <p:grpSpPr>
+        <a:xfrm>
+          <a:off x="0" y="0"/>
+          <a:ext cx="0" cy="0"/>
+          <a:chOff x="0" y="0"/>
+          <a:chExt cx="0" cy="0"/>
+        </a:xfrm>
+      </p:grpSpPr>
+      <p:pic>
+        <p:nvPicPr>
+          <p:cNvPr id="1032" name="Picture 8" descr="×ª××¦××ª ×ª××× × ×¢×××¨ âªemoji shockâ¬â">
+            <a:extLst>
+              <a:ext uri="{FF2B5EF4-FFF2-40B4-BE49-F238E27FC236}">
+                <a16:creationId xmlns:a16="http://schemas.microsoft.com/office/drawing/2014/main" id="{F1F5223C-152A-4A34-BA22-EDCEBB098E8E}"/>
+              </a:ext>
+            </a:extLst>
+          </p:cNvPr>
+          <p:cNvPicPr>
+            <a:picLocks noChangeAspect="1" noChangeArrowheads="1"/>
+          </p:cNvPicPr>
+          <p:nvPr/>
+        </p:nvPicPr>
+        <p:blipFill>
+          <a:blip r:embed="rId2">
+            <a:extLst>
+              <a:ext uri="{28A0092B-C50C-407E-A947-70E740481C1C}">
+                <a14:useLocalDpi xmlns:a14="http://schemas.microsoft.com/office/drawing/2010/main" val="0"/>
+              </a:ext>
+            </a:extLst>
+          </a:blip>
+          <a:srcRect/>
+          <a:stretch>
+            <a:fillRect/>
+          </a:stretch>
+        </p:blipFill>
+        <p:spPr bwMode="auto">
+          <a:xfrm>
+            <a:off x="4143375" y="5013335"/>
+            <a:ext cx="1752600" cy="1752600"/>
+          </a:xfrm>
+          <a:prstGeom prst="rect">
+            <a:avLst/>
+          </a:prstGeom>
+          <a:noFill/>
+          <a:extLst>
+            <a:ext uri="{909E8E84-426E-40DD-AFC4-6F175D3DCCD1}">
+              <a14:hiddenFill xmlns:a14="http://schemas.microsoft.com/office/drawing/2010/main">
+                <a:solidFill>
+                  <a:srgbClr val="FFFFFF"/>
+                </a:solidFill>
+              </a14:hiddenFill>
+            </a:ext>
+          </a:extLst>
+        </p:spPr>
+      </p:pic>
+      <p:sp>
+        <p:nvSpPr>
+          <p:cNvPr id="4" name="תיבת טקסט 3">
+            <a:extLst>
+              <a:ext uri="{FF2B5EF4-FFF2-40B4-BE49-F238E27FC236}">
+                <a16:creationId xmlns:a16="http://schemas.microsoft.com/office/drawing/2014/main" id="{F8F0E914-6AE5-44FA-A0B1-09DEFC17F97B}"/>
+              </a:ext>
+            </a:extLst>
+          </p:cNvPr>
+          <p:cNvSpPr txBox="1"/>
+          <p:nvPr/>
+        </p:nvSpPr>
+        <p:spPr>
+          <a:xfrm>
+            <a:off x="895350" y="305068"/>
+            <a:ext cx="10467975" cy="707886"/>
+          </a:xfrm>
+          <a:prstGeom prst="rect">
+            <a:avLst/>
+          </a:prstGeom>
+          <a:noFill/>
+        </p:spPr>
+        <p:txBody>
+          <a:bodyPr wrap="square" rtlCol="1">
+            <a:spAutoFit/>
+          </a:bodyPr>
+          <a:lstStyle/>
+          <a:p>
+            <a:pPr algn="ctr" rtl="0"/>
+            <a:r>
+              <a:rPr lang="en-US" sz="4000" dirty="0">
+                <a:solidFill>
+                  <a:schemeClr val="bg1"/>
+                </a:solidFill>
+                <a:latin typeface="Segoe UI Black" panose="020B0A02040204020203" pitchFamily="34" charset="0"/>
+                <a:ea typeface="Segoe UI Black" panose="020B0A02040204020203" pitchFamily="34" charset="0"/>
+              </a:rPr>
+              <a:t>Expected Vs. Actual:</a:t>
+            </a:r>
+            <a:endParaRPr lang="he-IL" sz="4000" dirty="0">
+              <a:solidFill>
+                <a:schemeClr val="bg1"/>
+              </a:solidFill>
+              <a:latin typeface="Segoe UI Black" panose="020B0A02040204020203" pitchFamily="34" charset="0"/>
+              <a:ea typeface="Segoe UI Black" panose="020B0A02040204020203" pitchFamily="34" charset="0"/>
+            </a:endParaRPr>
+          </a:p>
+        </p:txBody>
+      </p:sp>
+      <mc:AlternateContent xmlns:mc="http://schemas.openxmlformats.org/markup-compatibility/2006">
+        <mc:Choice xmlns:a14="http://schemas.microsoft.com/office/drawing/2010/main" Requires="a14">
+          <p:graphicFrame>
+            <p:nvGraphicFramePr>
+              <p:cNvPr id="5" name="טבלה 4">
+                <a:extLst>
+                  <a:ext uri="{FF2B5EF4-FFF2-40B4-BE49-F238E27FC236}">
+                    <a16:creationId xmlns:a16="http://schemas.microsoft.com/office/drawing/2014/main" id="{B1EBE4F7-F952-4C73-88D6-E04A9AB7A3E6}"/>
+                  </a:ext>
+                </a:extLst>
+              </p:cNvPr>
+              <p:cNvGraphicFramePr>
+                <a:graphicFrameLocks noGrp="1"/>
+              </p:cNvGraphicFramePr>
+              <p:nvPr>
+                <p:extLst>
+                  <p:ext uri="{D42A27DB-BD31-4B8C-83A1-F6EECF244321}">
+                    <p14:modId xmlns:p14="http://schemas.microsoft.com/office/powerpoint/2010/main" val="3488108911"/>
+                  </p:ext>
+                </p:extLst>
+              </p:nvPr>
+            </p:nvGraphicFramePr>
+            <p:xfrm>
+              <a:off x="1012031" y="1072090"/>
+              <a:ext cx="10234611" cy="4053840"/>
+            </p:xfrm>
+            <a:graphic>
+              <a:graphicData uri="http://schemas.openxmlformats.org/drawingml/2006/table">
+                <a:tbl>
+                  <a:tblPr rtl="1" firstRow="1" bandRow="1">
+                    <a:tableStyleId>{93296810-A885-4BE3-A3E7-6D5BEEA58F35}</a:tableStyleId>
+                  </a:tblPr>
+                  <a:tblGrid>
+                    <a:gridCol w="3411537">
+                      <a:extLst>
+                        <a:ext uri="{9D8B030D-6E8A-4147-A177-3AD203B41FA5}">
+                          <a16:colId xmlns:a16="http://schemas.microsoft.com/office/drawing/2014/main" val="3342371562"/>
+                        </a:ext>
+                      </a:extLst>
+                    </a:gridCol>
+                    <a:gridCol w="3411537">
+                      <a:extLst>
+                        <a:ext uri="{9D8B030D-6E8A-4147-A177-3AD203B41FA5}">
+                          <a16:colId xmlns:a16="http://schemas.microsoft.com/office/drawing/2014/main" val="3742611689"/>
+                        </a:ext>
+                      </a:extLst>
+                    </a:gridCol>
+                    <a:gridCol w="3411537">
+                      <a:extLst>
+                        <a:ext uri="{9D8B030D-6E8A-4147-A177-3AD203B41FA5}">
+                          <a16:colId xmlns:a16="http://schemas.microsoft.com/office/drawing/2014/main" val="3048587971"/>
+                        </a:ext>
+                      </a:extLst>
+                    </a:gridCol>
+                  </a:tblGrid>
+                  <a:tr h="478216">
+                    <a:tc>
+                      <a:txBody>
+                        <a:bodyPr/>
+                        <a:lstStyle/>
+                        <a:p>
+                          <a:pPr algn="ctr" rtl="0"/>
+                          <a:r>
+                            <a:rPr lang="en-US" sz="3200" dirty="0"/>
+                            <a:t>Actual</a:t>
+                          </a:r>
+                          <a:endParaRPr lang="he-IL" sz="3200" dirty="0"/>
+                        </a:p>
+                      </a:txBody>
+                      <a:tcPr/>
+                    </a:tc>
+                    <a:tc>
+                      <a:txBody>
+                        <a:bodyPr/>
+                        <a:lstStyle/>
+                        <a:p>
+                          <a:pPr algn="ctr" rtl="0"/>
+                          <a:r>
+                            <a:rPr lang="en-US" sz="3200" dirty="0"/>
+                            <a:t>Expected</a:t>
+                          </a:r>
+                          <a:endParaRPr lang="he-IL" sz="3200" dirty="0"/>
+                        </a:p>
+                      </a:txBody>
+                      <a:tcPr/>
+                    </a:tc>
+                    <a:tc>
+                      <a:txBody>
+                        <a:bodyPr/>
+                        <a:lstStyle/>
+                        <a:p>
+                          <a:pPr algn="ctr" rtl="0"/>
+                          <a:r>
+                            <a:rPr lang="en-US" sz="3200" dirty="0"/>
+                            <a:t>Field</a:t>
+                          </a:r>
+                          <a:endParaRPr lang="he-IL" sz="3200" dirty="0"/>
+                        </a:p>
+                      </a:txBody>
+                      <a:tcPr/>
+                    </a:tc>
+                    <a:extLst>
+                      <a:ext uri="{0D108BD9-81ED-4DB2-BD59-A6C34878D82A}">
+                        <a16:rowId xmlns:a16="http://schemas.microsoft.com/office/drawing/2014/main" val="2301007177"/>
+                      </a:ext>
+                    </a:extLst>
+                  </a:tr>
+                  <a:tr h="478216">
+                    <a:tc>
+                      <a:txBody>
+                        <a:bodyPr/>
+                        <a:lstStyle/>
+                        <a:p>
+                          <a:pPr marL="0" marR="0" lvl="0" indent="0" algn="ctr" defTabSz="914400" rtl="0" eaLnBrk="1" fontAlgn="auto" latinLnBrk="0" hangingPunct="1">
+                            <a:lnSpc>
+                              <a:spcPct val="100000"/>
+                            </a:lnSpc>
+                            <a:spcBef>
+                              <a:spcPts val="0"/>
+                            </a:spcBef>
+                            <a:spcAft>
+                              <a:spcPts val="0"/>
+                            </a:spcAft>
+                            <a:buClrTx/>
+                            <a:buSzTx/>
+                            <a:buFontTx/>
+                            <a:buNone/>
+                            <a:tabLst/>
+                            <a:defRPr/>
+                          </a:pPr>
+                          <a:r>
+                            <a:rPr lang="en-US" sz="3200" b="0" dirty="0">
+                              <a:ln>
+                                <a:solidFill>
+                                  <a:srgbClr val="FF0000"/>
+                                </a:solidFill>
+                              </a:ln>
+                              <a:solidFill>
+                                <a:srgbClr val="FF0000"/>
+                              </a:solidFill>
+                            </a:rPr>
+                            <a:t>QUIC</a:t>
+                          </a:r>
+                          <a14:m>
+                            <m:oMath xmlns:m="http://schemas.openxmlformats.org/officeDocument/2006/math">
+                              <m:r>
+                                <a:rPr lang="en-US" sz="3200" b="0" i="0" smtClean="0">
+                                  <a:ln>
+                                    <a:solidFill>
+                                      <a:srgbClr val="FF0000"/>
+                                    </a:solidFill>
+                                  </a:ln>
+                                  <a:solidFill>
+                                    <a:srgbClr val="FF0000"/>
+                                  </a:solidFill>
+                                  <a:latin typeface="Cambria Math" panose="02040503050406030204" pitchFamily="18" charset="0"/>
+                                  <a:ea typeface="Cambria Math" panose="02040503050406030204" pitchFamily="18" charset="0"/>
+                                </a:rPr>
+                                <m:t> </m:t>
+                              </m:r>
+                              <m:r>
+                                <a:rPr lang="en-US" sz="3200" b="0" i="1" smtClean="0">
+                                  <a:ln>
+                                    <a:solidFill>
+                                      <a:srgbClr val="FF0000"/>
+                                    </a:solidFill>
+                                  </a:ln>
+                                  <a:solidFill>
+                                    <a:srgbClr val="FF0000"/>
+                                  </a:solidFill>
+                                  <a:latin typeface="Cambria Math" panose="02040503050406030204" pitchFamily="18" charset="0"/>
+                                  <a:ea typeface="Cambria Math" panose="02040503050406030204" pitchFamily="18" charset="0"/>
+                                </a:rPr>
+                                <m:t>≥</m:t>
+                              </m:r>
+                            </m:oMath>
+                          </a14:m>
+                          <a:r>
+                            <a:rPr lang="en-US" sz="3200" b="0" dirty="0">
+                              <a:ln>
+                                <a:solidFill>
+                                  <a:srgbClr val="FF0000"/>
+                                </a:solidFill>
+                              </a:ln>
+                              <a:solidFill>
+                                <a:srgbClr val="FF0000"/>
+                              </a:solidFill>
+                            </a:rPr>
+                            <a:t> TCP</a:t>
+                          </a:r>
+                          <a:endParaRPr lang="he-IL" sz="3200" b="0" dirty="0">
+                            <a:ln>
+                              <a:solidFill>
+                                <a:srgbClr val="FF0000"/>
+                              </a:solidFill>
+                            </a:ln>
+                            <a:solidFill>
+                              <a:srgbClr val="FF0000"/>
+                            </a:solidFill>
+                          </a:endParaRPr>
+                        </a:p>
+                      </a:txBody>
+                      <a:tcPr/>
+                    </a:tc>
+                    <a:tc>
+                      <a:txBody>
+                        <a:bodyPr/>
+                        <a:lstStyle/>
+                        <a:p>
+                          <a:pPr algn="ctr" rtl="0"/>
+                          <a:r>
+                            <a:rPr lang="en-US" sz="3200" dirty="0"/>
+                            <a:t>QUIC &lt; TCP</a:t>
+                          </a:r>
+                          <a:endParaRPr lang="he-IL" sz="3200" dirty="0"/>
+                        </a:p>
+                      </a:txBody>
+                      <a:tcPr/>
+                    </a:tc>
+                    <a:tc>
+                      <a:txBody>
+                        <a:bodyPr/>
+                        <a:lstStyle/>
+                        <a:p>
+                          <a:pPr algn="ctr" rtl="0"/>
+                          <a:r>
+                            <a:rPr lang="en-US" sz="3200" dirty="0"/>
+                            <a:t>Time</a:t>
+                          </a:r>
+                          <a:endParaRPr lang="he-IL" sz="3200" dirty="0"/>
+                        </a:p>
+                      </a:txBody>
+                      <a:tcPr/>
+                    </a:tc>
+                    <a:extLst>
+                      <a:ext uri="{0D108BD9-81ED-4DB2-BD59-A6C34878D82A}">
+                        <a16:rowId xmlns:a16="http://schemas.microsoft.com/office/drawing/2014/main" val="752781072"/>
+                      </a:ext>
+                    </a:extLst>
+                  </a:tr>
+                  <a:tr h="478216">
+                    <a:tc>
+                      <a:txBody>
+                        <a:bodyPr/>
+                        <a:lstStyle/>
+                        <a:p>
+                          <a:pPr marL="0" marR="0" lvl="0" indent="0" algn="ctr" defTabSz="914400" rtl="0" eaLnBrk="1" fontAlgn="auto" latinLnBrk="0" hangingPunct="1">
+                            <a:lnSpc>
+                              <a:spcPct val="100000"/>
+                            </a:lnSpc>
+                            <a:spcBef>
+                              <a:spcPts val="0"/>
+                            </a:spcBef>
+                            <a:spcAft>
+                              <a:spcPts val="0"/>
+                            </a:spcAft>
+                            <a:buClrTx/>
+                            <a:buSzTx/>
+                            <a:buFontTx/>
+                            <a:buNone/>
+                            <a:tabLst/>
+                            <a:defRPr/>
+                          </a:pPr>
+                          <a:r>
+                            <a:rPr lang="en-US" sz="3200" b="0" dirty="0">
+                              <a:ln>
+                                <a:solidFill>
+                                  <a:srgbClr val="FF0000"/>
+                                </a:solidFill>
+                              </a:ln>
+                              <a:solidFill>
+                                <a:srgbClr val="FF0000"/>
+                              </a:solidFill>
+                            </a:rPr>
+                            <a:t>QUIC</a:t>
+                          </a:r>
+                          <a14:m>
+                            <m:oMath xmlns:m="http://schemas.openxmlformats.org/officeDocument/2006/math">
+                              <m:r>
+                                <a:rPr lang="en-US" sz="3200" b="0" i="0" smtClean="0">
+                                  <a:ln>
+                                    <a:solidFill>
+                                      <a:srgbClr val="FF0000"/>
+                                    </a:solidFill>
+                                  </a:ln>
+                                  <a:solidFill>
+                                    <a:srgbClr val="FF0000"/>
+                                  </a:solidFill>
+                                  <a:latin typeface="Cambria Math" panose="02040503050406030204" pitchFamily="18" charset="0"/>
+                                  <a:ea typeface="Cambria Math" panose="02040503050406030204" pitchFamily="18" charset="0"/>
+                                </a:rPr>
+                                <m:t> </m:t>
+                              </m:r>
+                              <m:r>
+                                <a:rPr lang="en-US" sz="3200" b="0" i="1" smtClean="0">
+                                  <a:ln>
+                                    <a:solidFill>
+                                      <a:srgbClr val="FF0000"/>
+                                    </a:solidFill>
+                                  </a:ln>
+                                  <a:solidFill>
+                                    <a:srgbClr val="FF0000"/>
+                                  </a:solidFill>
+                                  <a:latin typeface="Cambria Math" panose="02040503050406030204" pitchFamily="18" charset="0"/>
+                                  <a:ea typeface="Cambria Math" panose="02040503050406030204" pitchFamily="18" charset="0"/>
+                                </a:rPr>
+                                <m:t>≥</m:t>
+                              </m:r>
+                            </m:oMath>
+                          </a14:m>
+                          <a:r>
+                            <a:rPr lang="en-US" sz="3200" b="0" dirty="0">
+                              <a:ln>
+                                <a:solidFill>
+                                  <a:srgbClr val="FF0000"/>
+                                </a:solidFill>
+                              </a:ln>
+                              <a:solidFill>
+                                <a:srgbClr val="FF0000"/>
+                              </a:solidFill>
+                            </a:rPr>
+                            <a:t> TCP</a:t>
+                          </a:r>
+                          <a:endParaRPr lang="he-IL" sz="3200" b="0" dirty="0">
+                            <a:ln>
+                              <a:solidFill>
+                                <a:srgbClr val="FF0000"/>
+                              </a:solidFill>
+                            </a:ln>
+                            <a:solidFill>
+                              <a:srgbClr val="FF0000"/>
+                            </a:solidFill>
+                          </a:endParaRPr>
+                        </a:p>
+                      </a:txBody>
+                      <a:tcPr/>
+                    </a:tc>
+                    <a:tc>
+                      <a:txBody>
+                        <a:bodyPr/>
+                        <a:lstStyle/>
+                        <a:p>
+                          <a:pPr algn="ctr" rtl="0"/>
+                          <a:r>
+                            <a:rPr lang="en-US" sz="3200" dirty="0"/>
+                            <a:t>QUIC </a:t>
+                          </a:r>
+                          <a14:m>
+                            <m:oMath xmlns:m="http://schemas.openxmlformats.org/officeDocument/2006/math">
+                              <m:r>
+                                <a:rPr lang="en-US" sz="3200" i="1" dirty="0" smtClean="0">
+                                  <a:latin typeface="Cambria Math" panose="02040503050406030204" pitchFamily="18" charset="0"/>
+                                  <a:ea typeface="Cambria Math" panose="02040503050406030204" pitchFamily="18" charset="0"/>
+                                </a:rPr>
+                                <m:t>≈</m:t>
+                              </m:r>
+                            </m:oMath>
+                          </a14:m>
+                          <a:r>
+                            <a:rPr lang="en-US" sz="3200" dirty="0"/>
+                            <a:t> TCP</a:t>
+                          </a:r>
+                          <a:endParaRPr lang="he-IL" sz="3200" dirty="0"/>
+                        </a:p>
+                      </a:txBody>
+                      <a:tcPr/>
+                    </a:tc>
+                    <a:tc>
+                      <a:txBody>
+                        <a:bodyPr/>
+                        <a:lstStyle/>
+                        <a:p>
+                          <a:pPr algn="ctr" rtl="0"/>
+                          <a:r>
+                            <a:rPr lang="en-US" sz="3200" dirty="0"/>
+                            <a:t>Requests</a:t>
+                          </a:r>
+                          <a:endParaRPr lang="he-IL" sz="3200" dirty="0"/>
+                        </a:p>
+                      </a:txBody>
+                      <a:tcPr/>
+                    </a:tc>
+                    <a:extLst>
+                      <a:ext uri="{0D108BD9-81ED-4DB2-BD59-A6C34878D82A}">
+                        <a16:rowId xmlns:a16="http://schemas.microsoft.com/office/drawing/2014/main" val="3092036902"/>
+                      </a:ext>
+                    </a:extLst>
+                  </a:tr>
+                  <a:tr h="478216">
+                    <a:tc>
+                      <a:txBody>
+                        <a:bodyPr/>
+                        <a:lstStyle/>
+                        <a:p>
+                          <a:pPr marL="0" marR="0" lvl="0" indent="0" algn="ctr" defTabSz="914400" rtl="0" eaLnBrk="1" fontAlgn="auto" latinLnBrk="0" hangingPunct="1">
+                            <a:lnSpc>
+                              <a:spcPct val="100000"/>
+                            </a:lnSpc>
+                            <a:spcBef>
+                              <a:spcPts val="0"/>
+                            </a:spcBef>
+                            <a:spcAft>
+                              <a:spcPts val="0"/>
+                            </a:spcAft>
+                            <a:buClrTx/>
+                            <a:buSzTx/>
+                            <a:buFontTx/>
+                            <a:buNone/>
+                            <a:tabLst/>
+                            <a:defRPr/>
+                          </a:pPr>
+                          <a:r>
+                            <a:rPr kumimoji="0" lang="en-US" sz="3200" b="0" i="0" u="none" strike="noStrike" kern="1200" cap="none" spc="0" normalizeH="0" baseline="0" noProof="0" dirty="0">
+                              <a:ln>
+                                <a:noFill/>
+                              </a:ln>
+                              <a:solidFill>
+                                <a:srgbClr val="00B050"/>
+                              </a:solidFill>
+                              <a:effectLst/>
+                              <a:uLnTx/>
+                              <a:uFillTx/>
+                              <a:latin typeface="Calibri" panose="020F0502020204030204"/>
+                              <a:ea typeface="+mn-ea"/>
+                              <a:cs typeface="+mn-cs"/>
+                            </a:rPr>
+                            <a:t>QUIC </a:t>
+                          </a:r>
+                          <a14:m>
+                            <m:oMath xmlns:m="http://schemas.openxmlformats.org/officeDocument/2006/math">
+                              <m:r>
+                                <a:rPr kumimoji="0" lang="en-US" sz="3200" b="0" i="1" u="none" strike="noStrike" kern="1200" cap="none" spc="0" normalizeH="0" baseline="0" noProof="0" dirty="0" smtClean="0">
+                                  <a:ln>
+                                    <a:noFill/>
+                                  </a:ln>
+                                  <a:solidFill>
+                                    <a:srgbClr val="00B050"/>
+                                  </a:solidFill>
+                                  <a:effectLst/>
+                                  <a:uLnTx/>
+                                  <a:uFillTx/>
+                                  <a:latin typeface="Cambria Math" panose="02040503050406030204" pitchFamily="18" charset="0"/>
+                                  <a:ea typeface="Cambria Math" panose="02040503050406030204" pitchFamily="18" charset="0"/>
+                                  <a:cs typeface="+mn-cs"/>
+                                </a:rPr>
+                                <m:t>≈</m:t>
+                              </m:r>
+                            </m:oMath>
+                          </a14:m>
+                          <a:r>
+                            <a:rPr kumimoji="0" lang="en-US" sz="3200" b="0" i="0" u="none" strike="noStrike" kern="1200" cap="none" spc="0" normalizeH="0" baseline="0" noProof="0" dirty="0">
+                              <a:ln>
+                                <a:noFill/>
+                              </a:ln>
+                              <a:solidFill>
+                                <a:srgbClr val="00B050"/>
+                              </a:solidFill>
+                              <a:effectLst/>
+                              <a:uLnTx/>
+                              <a:uFillTx/>
+                              <a:latin typeface="Calibri" panose="020F0502020204030204"/>
+                              <a:ea typeface="+mn-ea"/>
+                              <a:cs typeface="+mn-cs"/>
+                            </a:rPr>
+                            <a:t> TCP</a:t>
+                          </a:r>
+                          <a:endParaRPr kumimoji="0" lang="he-IL" sz="3200" b="0" i="0" u="none" strike="noStrike" kern="1200" cap="none" spc="0" normalizeH="0" baseline="0" noProof="0" dirty="0">
+                            <a:ln>
+                              <a:noFill/>
+                            </a:ln>
+                            <a:solidFill>
+                              <a:srgbClr val="00B050"/>
+                            </a:solidFill>
+                            <a:effectLst/>
+                            <a:uLnTx/>
+                            <a:uFillTx/>
+                            <a:latin typeface="Calibri" panose="020F0502020204030204"/>
+                            <a:ea typeface="+mn-ea"/>
+                            <a:cs typeface="Arial" panose="020B0604020202020204" pitchFamily="34" charset="0"/>
+                          </a:endParaRPr>
+                        </a:p>
+                      </a:txBody>
+                      <a:tcPr/>
+                    </a:tc>
+                    <a:tc>
+                      <a:txBody>
+                        <a:bodyPr/>
+                        <a:lstStyle/>
+                        <a:p>
+                          <a:pPr marL="0" marR="0" lvl="0" indent="0" algn="ctr" defTabSz="914400" rtl="0" eaLnBrk="1" fontAlgn="auto" latinLnBrk="0" hangingPunct="1">
+                            <a:lnSpc>
+                              <a:spcPct val="100000"/>
+                            </a:lnSpc>
+                            <a:spcBef>
+                              <a:spcPts val="0"/>
+                            </a:spcBef>
+                            <a:spcAft>
+                              <a:spcPts val="0"/>
+                            </a:spcAft>
+                            <a:buClrTx/>
+                            <a:buSzTx/>
+                            <a:buFontTx/>
+                            <a:buNone/>
+                            <a:tabLst/>
+                            <a:defRPr/>
+                          </a:pPr>
+                          <a:r>
+                            <a:rPr kumimoji="0" lang="en-US" sz="3200" b="0" i="0" u="none" strike="noStrike" kern="1200" cap="none" spc="0" normalizeH="0" baseline="0" noProof="0" dirty="0">
+                              <a:ln>
+                                <a:noFill/>
+                              </a:ln>
+                              <a:solidFill>
+                                <a:prstClr val="black"/>
+                              </a:solidFill>
+                              <a:effectLst/>
+                              <a:uLnTx/>
+                              <a:uFillTx/>
+                              <a:latin typeface="Calibri" panose="020F0502020204030204"/>
+                              <a:ea typeface="+mn-ea"/>
+                              <a:cs typeface="+mn-cs"/>
+                            </a:rPr>
+                            <a:t>QUIC </a:t>
+                          </a:r>
+                          <a14:m>
+                            <m:oMath xmlns:m="http://schemas.openxmlformats.org/officeDocument/2006/math">
+                              <m:r>
+                                <a:rPr kumimoji="0" lang="en-US" sz="3200" b="0" i="1" u="none" strike="noStrike" kern="1200" cap="none" spc="0" normalizeH="0" baseline="0" noProof="0" dirty="0" smtClean="0">
+                                  <a:ln>
+                                    <a:noFill/>
+                                  </a:ln>
+                                  <a:solidFill>
+                                    <a:prstClr val="black"/>
+                                  </a:solidFill>
+                                  <a:effectLst/>
+                                  <a:uLnTx/>
+                                  <a:uFillTx/>
+                                  <a:latin typeface="Cambria Math" panose="02040503050406030204" pitchFamily="18" charset="0"/>
+                                  <a:ea typeface="Cambria Math" panose="02040503050406030204" pitchFamily="18" charset="0"/>
+                                  <a:cs typeface="+mn-cs"/>
+                                </a:rPr>
+                                <m:t>≈</m:t>
+                              </m:r>
+                            </m:oMath>
+                          </a14:m>
+                          <a:r>
+                            <a:rPr kumimoji="0" lang="en-US" sz="3200" b="0" i="0" u="none" strike="noStrike" kern="1200" cap="none" spc="0" normalizeH="0" baseline="0" noProof="0" dirty="0">
+                              <a:ln>
+                                <a:noFill/>
+                              </a:ln>
+                              <a:solidFill>
+                                <a:prstClr val="black"/>
+                              </a:solidFill>
+                              <a:effectLst/>
+                              <a:uLnTx/>
+                              <a:uFillTx/>
+                              <a:latin typeface="Calibri" panose="020F0502020204030204"/>
+                              <a:ea typeface="+mn-ea"/>
+                              <a:cs typeface="+mn-cs"/>
+                            </a:rPr>
+                            <a:t> TCP</a:t>
+                          </a:r>
+                          <a:endParaRPr kumimoji="0" lang="he-IL" sz="3200" b="0" i="0" u="none" strike="noStrike" kern="1200" cap="none" spc="0" normalizeH="0" baseline="0" noProof="0" dirty="0">
+                            <a:ln>
+                              <a:noFill/>
+                            </a:ln>
+                            <a:solidFill>
+                              <a:prstClr val="black"/>
+                            </a:solidFill>
+                            <a:effectLst/>
+                            <a:uLnTx/>
+                            <a:uFillTx/>
+                            <a:latin typeface="Calibri" panose="020F0502020204030204"/>
+                            <a:ea typeface="+mn-ea"/>
+                            <a:cs typeface="Arial" panose="020B0604020202020204" pitchFamily="34" charset="0"/>
+                          </a:endParaRPr>
+                        </a:p>
+                      </a:txBody>
+                      <a:tcPr/>
+                    </a:tc>
+                    <a:tc>
+                      <a:txBody>
+                        <a:bodyPr/>
+                        <a:lstStyle/>
+                        <a:p>
+                          <a:pPr algn="ctr" rtl="0"/>
+                          <a:r>
+                            <a:rPr lang="en-US" sz="3200" dirty="0"/>
+                            <a:t>Weight</a:t>
+                          </a:r>
+                          <a:endParaRPr lang="he-IL" sz="3200" dirty="0"/>
+                        </a:p>
+                      </a:txBody>
+                      <a:tcPr/>
+                    </a:tc>
+                    <a:extLst>
+                      <a:ext uri="{0D108BD9-81ED-4DB2-BD59-A6C34878D82A}">
+                        <a16:rowId xmlns:a16="http://schemas.microsoft.com/office/drawing/2014/main" val="281270715"/>
+                      </a:ext>
+                    </a:extLst>
+                  </a:tr>
+                  <a:tr h="478216">
+                    <a:tc>
+                      <a:txBody>
+                        <a:bodyPr/>
+                        <a:lstStyle/>
+                        <a:p>
+                          <a:pPr marL="0" marR="0" lvl="0" indent="0" algn="ctr" defTabSz="914400" rtl="0" eaLnBrk="1" fontAlgn="auto" latinLnBrk="0" hangingPunct="1">
+                            <a:lnSpc>
+                              <a:spcPct val="100000"/>
+                            </a:lnSpc>
+                            <a:spcBef>
+                              <a:spcPts val="0"/>
+                            </a:spcBef>
+                            <a:spcAft>
+                              <a:spcPts val="0"/>
+                            </a:spcAft>
+                            <a:buClrTx/>
+                            <a:buSzTx/>
+                            <a:buFontTx/>
+                            <a:buNone/>
+                            <a:tabLst/>
+                            <a:defRPr/>
+                          </a:pPr>
+                          <a:r>
+                            <a:rPr lang="en-US" sz="3200" b="1" dirty="0">
+                              <a:ln>
+                                <a:solidFill>
+                                  <a:srgbClr val="FF0000"/>
+                                </a:solidFill>
+                              </a:ln>
+                              <a:solidFill>
+                                <a:srgbClr val="FF0000"/>
+                              </a:solidFill>
+                            </a:rPr>
+                            <a:t>QUIC</a:t>
+                          </a:r>
+                          <a14:m>
+                            <m:oMath xmlns:m="http://schemas.openxmlformats.org/officeDocument/2006/math">
+                              <m:r>
+                                <a:rPr lang="en-US" sz="3200" b="1" i="0" baseline="0" smtClean="0">
+                                  <a:ln>
+                                    <a:solidFill>
+                                      <a:srgbClr val="FF0000"/>
+                                    </a:solidFill>
+                                  </a:ln>
+                                  <a:solidFill>
+                                    <a:srgbClr val="FF0000"/>
+                                  </a:solidFill>
+                                  <a:latin typeface="Cambria Math" panose="02040503050406030204" pitchFamily="18" charset="0"/>
+                                  <a:ea typeface="Cambria Math" panose="02040503050406030204" pitchFamily="18" charset="0"/>
+                                </a:rPr>
+                                <m:t> </m:t>
+                              </m:r>
+                              <m:r>
+                                <a:rPr lang="en-US" sz="3200" b="1" i="1" smtClean="0">
+                                  <a:ln>
+                                    <a:solidFill>
+                                      <a:srgbClr val="FF0000"/>
+                                    </a:solidFill>
+                                  </a:ln>
+                                  <a:solidFill>
+                                    <a:srgbClr val="FF0000"/>
+                                  </a:solidFill>
+                                  <a:latin typeface="Cambria Math" panose="02040503050406030204" pitchFamily="18" charset="0"/>
+                                  <a:ea typeface="Cambria Math" panose="02040503050406030204" pitchFamily="18" charset="0"/>
+                                </a:rPr>
+                                <m:t>&gt;</m:t>
+                              </m:r>
+                            </m:oMath>
+                          </a14:m>
+                          <a:r>
+                            <a:rPr lang="en-US" sz="3200" b="1" dirty="0">
+                              <a:ln>
+                                <a:solidFill>
+                                  <a:srgbClr val="FF0000"/>
+                                </a:solidFill>
+                              </a:ln>
+                              <a:solidFill>
+                                <a:srgbClr val="FF0000"/>
+                              </a:solidFill>
+                            </a:rPr>
+                            <a:t> TCP</a:t>
+                          </a:r>
+                          <a:endParaRPr lang="he-IL" sz="3200" b="0" dirty="0">
+                            <a:ln>
+                              <a:solidFill>
+                                <a:srgbClr val="FF0000"/>
+                              </a:solidFill>
+                            </a:ln>
+                            <a:solidFill>
+                              <a:srgbClr val="FF0000"/>
+                            </a:solidFill>
+                          </a:endParaRPr>
+                        </a:p>
+                      </a:txBody>
+                      <a:tcPr/>
+                    </a:tc>
+                    <a:tc>
+                      <a:txBody>
+                        <a:bodyPr/>
+                        <a:lstStyle/>
+                        <a:p>
+                          <a:pPr algn="ctr" rtl="0"/>
+                          <a:r>
+                            <a:rPr lang="en-US" sz="3200" dirty="0"/>
+                            <a:t>QUIC &lt; TCP</a:t>
+                          </a:r>
+                          <a:endParaRPr lang="he-IL" sz="3200" dirty="0"/>
+                        </a:p>
+                      </a:txBody>
+                      <a:tcPr/>
+                    </a:tc>
+                    <a:tc>
+                      <a:txBody>
+                        <a:bodyPr/>
+                        <a:lstStyle/>
+                        <a:p>
+                          <a:pPr algn="ctr" rtl="0"/>
+                          <a:r>
+                            <a:rPr lang="en-US" sz="3200" dirty="0"/>
+                            <a:t>Incognito Time</a:t>
+                          </a:r>
+                          <a:endParaRPr lang="he-IL" sz="3200" dirty="0"/>
+                        </a:p>
+                      </a:txBody>
+                      <a:tcPr/>
+                    </a:tc>
+                    <a:extLst>
+                      <a:ext uri="{0D108BD9-81ED-4DB2-BD59-A6C34878D82A}">
+                        <a16:rowId xmlns:a16="http://schemas.microsoft.com/office/drawing/2014/main" val="1246502599"/>
+                      </a:ext>
+                    </a:extLst>
+                  </a:tr>
+                  <a:tr h="478216">
+                    <a:tc>
+                      <a:txBody>
+                        <a:bodyPr/>
+                        <a:lstStyle/>
+                        <a:p>
+                          <a:pPr algn="ctr" rtl="0"/>
+                          <a:r>
+                            <a:rPr lang="en-US" sz="3200" dirty="0"/>
+                            <a:t>QUIC</a:t>
+                          </a:r>
+                          <a14:m>
+                            <m:oMath xmlns:m="http://schemas.openxmlformats.org/officeDocument/2006/math">
+                              <m:r>
+                                <a:rPr lang="en-US" sz="3200" b="0" i="0" smtClean="0">
+                                  <a:latin typeface="Cambria Math" panose="02040503050406030204" pitchFamily="18" charset="0"/>
+                                  <a:ea typeface="Cambria Math" panose="02040503050406030204" pitchFamily="18" charset="0"/>
+                                </a:rPr>
+                                <m:t> </m:t>
+                              </m:r>
+                              <m:r>
+                                <a:rPr lang="en-US" sz="3200" i="1" smtClean="0">
+                                  <a:latin typeface="Cambria Math" panose="02040503050406030204" pitchFamily="18" charset="0"/>
+                                  <a:ea typeface="Cambria Math" panose="02040503050406030204" pitchFamily="18" charset="0"/>
+                                </a:rPr>
+                                <m:t>≥</m:t>
+                              </m:r>
+                            </m:oMath>
+                          </a14:m>
+                          <a:r>
+                            <a:rPr lang="en-US" sz="3200" dirty="0"/>
+                            <a:t> TCP</a:t>
+                          </a:r>
+                          <a:endParaRPr lang="he-IL" sz="3200" dirty="0"/>
+                        </a:p>
+                      </a:txBody>
+                      <a:tcPr/>
+                    </a:tc>
+                    <a:tc>
+                      <a:txBody>
+                        <a:bodyPr/>
+                        <a:lstStyle/>
+                        <a:p>
+                          <a:pPr algn="ctr" rtl="0"/>
+                          <a:r>
+                            <a:rPr lang="en-US" sz="3200" dirty="0"/>
+                            <a:t>QUIC </a:t>
+                          </a:r>
+                          <a14:m>
+                            <m:oMath xmlns:m="http://schemas.openxmlformats.org/officeDocument/2006/math">
+                              <m:r>
+                                <a:rPr lang="en-US" sz="3200" i="1" dirty="0" smtClean="0">
+                                  <a:latin typeface="Cambria Math" panose="02040503050406030204" pitchFamily="18" charset="0"/>
+                                  <a:ea typeface="Cambria Math" panose="02040503050406030204" pitchFamily="18" charset="0"/>
+                                </a:rPr>
+                                <m:t>≈</m:t>
+                              </m:r>
+                            </m:oMath>
+                          </a14:m>
+                          <a:r>
+                            <a:rPr lang="en-US" sz="3200" dirty="0"/>
+                            <a:t> TCP</a:t>
+                          </a:r>
+                          <a:endParaRPr lang="he-IL" sz="3200" dirty="0"/>
+                        </a:p>
+                      </a:txBody>
+                      <a:tcPr/>
+                    </a:tc>
+                    <a:tc>
+                      <a:txBody>
+                        <a:bodyPr/>
+                        <a:lstStyle/>
+                        <a:p>
+                          <a:pPr algn="ctr" rtl="0"/>
+                          <a:r>
+                            <a:rPr lang="en-US" sz="3200" dirty="0"/>
+                            <a:t>Incognito Requests</a:t>
+                          </a:r>
+                          <a:endParaRPr lang="he-IL" sz="3200" dirty="0"/>
+                        </a:p>
+                      </a:txBody>
+                      <a:tcPr/>
+                    </a:tc>
+                    <a:extLst>
+                      <a:ext uri="{0D108BD9-81ED-4DB2-BD59-A6C34878D82A}">
+                        <a16:rowId xmlns:a16="http://schemas.microsoft.com/office/drawing/2014/main" val="2256995163"/>
+                      </a:ext>
+                    </a:extLst>
+                  </a:tr>
+                  <a:tr h="478216">
+                    <a:tc>
+                      <a:txBody>
+                        <a:bodyPr/>
+                        <a:lstStyle/>
+                        <a:p>
+                          <a:pPr algn="ctr" rtl="0"/>
+                          <a:r>
+                            <a:rPr lang="en-US" sz="3200" dirty="0">
+                              <a:solidFill>
+                                <a:srgbClr val="00B050"/>
+                              </a:solidFill>
+                            </a:rPr>
+                            <a:t>QUIC </a:t>
+                          </a:r>
+                          <a14:m>
+                            <m:oMath xmlns:m="http://schemas.openxmlformats.org/officeDocument/2006/math">
+                              <m:r>
+                                <a:rPr lang="en-US" sz="3200" i="1" dirty="0" smtClean="0">
+                                  <a:solidFill>
+                                    <a:srgbClr val="00B050"/>
+                                  </a:solidFill>
+                                  <a:latin typeface="Cambria Math" panose="02040503050406030204" pitchFamily="18" charset="0"/>
+                                  <a:ea typeface="Cambria Math" panose="02040503050406030204" pitchFamily="18" charset="0"/>
+                                </a:rPr>
+                                <m:t>≈</m:t>
+                              </m:r>
+                            </m:oMath>
+                          </a14:m>
+                          <a:r>
+                            <a:rPr lang="en-US" sz="3200" dirty="0">
+                              <a:solidFill>
+                                <a:srgbClr val="00B050"/>
+                              </a:solidFill>
+                            </a:rPr>
+                            <a:t> TCP</a:t>
+                          </a:r>
+                          <a:endParaRPr lang="he-IL" sz="3200" dirty="0">
+                            <a:solidFill>
+                              <a:srgbClr val="00B050"/>
+                            </a:solidFill>
+                          </a:endParaRPr>
+                        </a:p>
+                      </a:txBody>
+                      <a:tcPr/>
+                    </a:tc>
+                    <a:tc>
+                      <a:txBody>
+                        <a:bodyPr/>
+                        <a:lstStyle/>
+                        <a:p>
+                          <a:pPr algn="ctr" rtl="0"/>
+                          <a:r>
+                            <a:rPr lang="en-US" sz="3200" dirty="0"/>
+                            <a:t>QUIC </a:t>
+                          </a:r>
+                          <a14:m>
+                            <m:oMath xmlns:m="http://schemas.openxmlformats.org/officeDocument/2006/math">
+                              <m:r>
+                                <a:rPr lang="en-US" sz="3200" i="1" dirty="0" smtClean="0">
+                                  <a:latin typeface="Cambria Math" panose="02040503050406030204" pitchFamily="18" charset="0"/>
+                                  <a:ea typeface="Cambria Math" panose="02040503050406030204" pitchFamily="18" charset="0"/>
+                                </a:rPr>
+                                <m:t>≈</m:t>
+                              </m:r>
+                            </m:oMath>
+                          </a14:m>
+                          <a:r>
+                            <a:rPr lang="en-US" sz="3200" dirty="0"/>
+                            <a:t> TCP</a:t>
+                          </a:r>
+                          <a:endParaRPr lang="he-IL" sz="3200" dirty="0"/>
+                        </a:p>
+                      </a:txBody>
+                      <a:tcPr/>
+                    </a:tc>
+                    <a:tc>
+                      <a:txBody>
+                        <a:bodyPr/>
+                        <a:lstStyle/>
+                        <a:p>
+                          <a:pPr algn="ctr" rtl="0"/>
+                          <a:r>
+                            <a:rPr lang="en-US" sz="3200" dirty="0"/>
+                            <a:t>Incognito Weight</a:t>
+                          </a:r>
+                          <a:endParaRPr lang="he-IL" sz="3200" dirty="0"/>
+                        </a:p>
+                      </a:txBody>
+                      <a:tcPr/>
+                    </a:tc>
+                    <a:extLst>
+                      <a:ext uri="{0D108BD9-81ED-4DB2-BD59-A6C34878D82A}">
+                        <a16:rowId xmlns:a16="http://schemas.microsoft.com/office/drawing/2014/main" val="2557310670"/>
+                      </a:ext>
+                    </a:extLst>
+                  </a:tr>
+                </a:tbl>
+              </a:graphicData>
+            </a:graphic>
+          </p:graphicFrame>
+        </mc:Choice>
+        <mc:Fallback>
+          <p:graphicFrame>
+            <p:nvGraphicFramePr>
+              <p:cNvPr id="5" name="טבלה 4">
+                <a:extLst>
+                  <a:ext uri="{FF2B5EF4-FFF2-40B4-BE49-F238E27FC236}">
+                    <a16:creationId xmlns:a16="http://schemas.microsoft.com/office/drawing/2014/main" id="{B1EBE4F7-F952-4C73-88D6-E04A9AB7A3E6}"/>
+                  </a:ext>
+                </a:extLst>
+              </p:cNvPr>
+              <p:cNvGraphicFramePr>
+                <a:graphicFrameLocks noGrp="1"/>
+              </p:cNvGraphicFramePr>
+              <p:nvPr>
+                <p:extLst>
+                  <p:ext uri="{D42A27DB-BD31-4B8C-83A1-F6EECF244321}">
+                    <p14:modId xmlns:p14="http://schemas.microsoft.com/office/powerpoint/2010/main" val="3488108911"/>
+                  </p:ext>
+                </p:extLst>
+              </p:nvPr>
+            </p:nvGraphicFramePr>
+            <p:xfrm>
+              <a:off x="1012031" y="1072090"/>
+              <a:ext cx="10234611" cy="4053840"/>
+            </p:xfrm>
+            <a:graphic>
+              <a:graphicData uri="http://schemas.openxmlformats.org/drawingml/2006/table">
+                <a:tbl>
+                  <a:tblPr rtl="1" firstRow="1" bandRow="1">
+                    <a:tableStyleId>{93296810-A885-4BE3-A3E7-6D5BEEA58F35}</a:tableStyleId>
+                  </a:tblPr>
+                  <a:tblGrid>
+                    <a:gridCol w="3411537">
+                      <a:extLst>
+                        <a:ext uri="{9D8B030D-6E8A-4147-A177-3AD203B41FA5}">
+                          <a16:colId xmlns:a16="http://schemas.microsoft.com/office/drawing/2014/main" val="3342371562"/>
+                        </a:ext>
+                      </a:extLst>
+                    </a:gridCol>
+                    <a:gridCol w="3411537">
+                      <a:extLst>
+                        <a:ext uri="{9D8B030D-6E8A-4147-A177-3AD203B41FA5}">
+                          <a16:colId xmlns:a16="http://schemas.microsoft.com/office/drawing/2014/main" val="3742611689"/>
+                        </a:ext>
+                      </a:extLst>
+                    </a:gridCol>
+                    <a:gridCol w="3411537">
+                      <a:extLst>
+                        <a:ext uri="{9D8B030D-6E8A-4147-A177-3AD203B41FA5}">
+                          <a16:colId xmlns:a16="http://schemas.microsoft.com/office/drawing/2014/main" val="3048587971"/>
+                        </a:ext>
+                      </a:extLst>
+                    </a:gridCol>
+                  </a:tblGrid>
+                  <a:tr h="579120">
+                    <a:tc>
+                      <a:txBody>
+                        <a:bodyPr/>
+                        <a:lstStyle/>
+                        <a:p>
+                          <a:pPr algn="ctr" rtl="0"/>
+                          <a:r>
+                            <a:rPr lang="en-US" sz="3200" dirty="0"/>
+                            <a:t>Actual</a:t>
+                          </a:r>
+                          <a:endParaRPr lang="he-IL" sz="3200" dirty="0"/>
+                        </a:p>
+                      </a:txBody>
+                      <a:tcPr/>
+                    </a:tc>
+                    <a:tc>
+                      <a:txBody>
+                        <a:bodyPr/>
+                        <a:lstStyle/>
+                        <a:p>
+                          <a:pPr algn="ctr" rtl="0"/>
+                          <a:r>
+                            <a:rPr lang="en-US" sz="3200" dirty="0"/>
+                            <a:t>Expected</a:t>
+                          </a:r>
+                          <a:endParaRPr lang="he-IL" sz="3200" dirty="0"/>
+                        </a:p>
+                      </a:txBody>
+                      <a:tcPr/>
+                    </a:tc>
+                    <a:tc>
+                      <a:txBody>
+                        <a:bodyPr/>
+                        <a:lstStyle/>
+                        <a:p>
+                          <a:pPr algn="ctr" rtl="0"/>
+                          <a:r>
+                            <a:rPr lang="en-US" sz="3200" dirty="0"/>
+                            <a:t>Field</a:t>
+                          </a:r>
+                          <a:endParaRPr lang="he-IL" sz="3200" dirty="0"/>
+                        </a:p>
+                      </a:txBody>
+                      <a:tcPr/>
+                    </a:tc>
+                    <a:extLst>
+                      <a:ext uri="{0D108BD9-81ED-4DB2-BD59-A6C34878D82A}">
+                        <a16:rowId xmlns:a16="http://schemas.microsoft.com/office/drawing/2014/main" val="2301007177"/>
+                      </a:ext>
+                    </a:extLst>
+                  </a:tr>
+                  <a:tr h="579120">
+                    <a:tc>
+                      <a:txBody>
+                        <a:bodyPr/>
+                        <a:lstStyle/>
+                        <a:p>
+                          <a:endParaRPr lang="he-IL"/>
+                        </a:p>
+                      </a:txBody>
+                      <a:tcPr>
+                        <a:blipFill>
+                          <a:blip r:embed="rId3"/>
+                          <a:stretch>
+                            <a:fillRect l="-357" t="-111579" r="-200714" b="-536842"/>
+                          </a:stretch>
+                        </a:blipFill>
+                      </a:tcPr>
+                    </a:tc>
+                    <a:tc>
+                      <a:txBody>
+                        <a:bodyPr/>
+                        <a:lstStyle/>
+                        <a:p>
+                          <a:pPr algn="ctr" rtl="0"/>
+                          <a:r>
+                            <a:rPr lang="en-US" sz="3200" dirty="0"/>
+                            <a:t>QUIC &lt; TCP</a:t>
+                          </a:r>
+                          <a:endParaRPr lang="he-IL" sz="3200" dirty="0"/>
+                        </a:p>
+                      </a:txBody>
+                      <a:tcPr/>
+                    </a:tc>
+                    <a:tc>
+                      <a:txBody>
+                        <a:bodyPr/>
+                        <a:lstStyle/>
+                        <a:p>
+                          <a:pPr algn="ctr" rtl="0"/>
+                          <a:r>
+                            <a:rPr lang="en-US" sz="3200" dirty="0"/>
+                            <a:t>Time</a:t>
+                          </a:r>
+                          <a:endParaRPr lang="he-IL" sz="3200" dirty="0"/>
+                        </a:p>
+                      </a:txBody>
+                      <a:tcPr/>
+                    </a:tc>
+                    <a:extLst>
+                      <a:ext uri="{0D108BD9-81ED-4DB2-BD59-A6C34878D82A}">
+                        <a16:rowId xmlns:a16="http://schemas.microsoft.com/office/drawing/2014/main" val="752781072"/>
+                      </a:ext>
+                    </a:extLst>
+                  </a:tr>
+                  <a:tr h="579120">
+                    <a:tc>
+                      <a:txBody>
+                        <a:bodyPr/>
+                        <a:lstStyle/>
+                        <a:p>
+                          <a:endParaRPr lang="he-IL"/>
+                        </a:p>
+                      </a:txBody>
+                      <a:tcPr>
+                        <a:blipFill>
+                          <a:blip r:embed="rId3"/>
+                          <a:stretch>
+                            <a:fillRect l="-357" t="-211579" r="-200714" b="-436842"/>
+                          </a:stretch>
+                        </a:blipFill>
+                      </a:tcPr>
+                    </a:tc>
+                    <a:tc>
+                      <a:txBody>
+                        <a:bodyPr/>
+                        <a:lstStyle/>
+                        <a:p>
+                          <a:endParaRPr lang="he-IL"/>
+                        </a:p>
+                      </a:txBody>
+                      <a:tcPr>
+                        <a:blipFill>
+                          <a:blip r:embed="rId3"/>
+                          <a:stretch>
+                            <a:fillRect l="-100537" t="-211579" r="-101073" b="-436842"/>
+                          </a:stretch>
+                        </a:blipFill>
+                      </a:tcPr>
+                    </a:tc>
+                    <a:tc>
+                      <a:txBody>
+                        <a:bodyPr/>
+                        <a:lstStyle/>
+                        <a:p>
+                          <a:pPr algn="ctr" rtl="0"/>
+                          <a:r>
+                            <a:rPr lang="en-US" sz="3200" dirty="0"/>
+                            <a:t>Requests</a:t>
+                          </a:r>
+                          <a:endParaRPr lang="he-IL" sz="3200" dirty="0"/>
+                        </a:p>
+                      </a:txBody>
+                      <a:tcPr/>
+                    </a:tc>
+                    <a:extLst>
+                      <a:ext uri="{0D108BD9-81ED-4DB2-BD59-A6C34878D82A}">
+                        <a16:rowId xmlns:a16="http://schemas.microsoft.com/office/drawing/2014/main" val="3092036902"/>
+                      </a:ext>
+                    </a:extLst>
+                  </a:tr>
+                  <a:tr h="579120">
+                    <a:tc>
+                      <a:txBody>
+                        <a:bodyPr/>
+                        <a:lstStyle/>
+                        <a:p>
+                          <a:endParaRPr lang="he-IL"/>
+                        </a:p>
+                      </a:txBody>
+                      <a:tcPr>
+                        <a:blipFill>
+                          <a:blip r:embed="rId3"/>
+                          <a:stretch>
+                            <a:fillRect l="-357" t="-308333" r="-200714" b="-332292"/>
+                          </a:stretch>
+                        </a:blipFill>
+                      </a:tcPr>
+                    </a:tc>
+                    <a:tc>
+                      <a:txBody>
+                        <a:bodyPr/>
+                        <a:lstStyle/>
+                        <a:p>
+                          <a:endParaRPr lang="he-IL"/>
+                        </a:p>
+                      </a:txBody>
+                      <a:tcPr>
+                        <a:blipFill>
+                          <a:blip r:embed="rId3"/>
+                          <a:stretch>
+                            <a:fillRect l="-100537" t="-308333" r="-101073" b="-332292"/>
+                          </a:stretch>
+                        </a:blipFill>
+                      </a:tcPr>
+                    </a:tc>
+                    <a:tc>
+                      <a:txBody>
+                        <a:bodyPr/>
+                        <a:lstStyle/>
+                        <a:p>
+                          <a:pPr algn="ctr" rtl="0"/>
+                          <a:r>
+                            <a:rPr lang="en-US" sz="3200" dirty="0"/>
+                            <a:t>Weight</a:t>
+                          </a:r>
+                          <a:endParaRPr lang="he-IL" sz="3200" dirty="0"/>
+                        </a:p>
+                      </a:txBody>
+                      <a:tcPr/>
+                    </a:tc>
+                    <a:extLst>
+                      <a:ext uri="{0D108BD9-81ED-4DB2-BD59-A6C34878D82A}">
+                        <a16:rowId xmlns:a16="http://schemas.microsoft.com/office/drawing/2014/main" val="281270715"/>
+                      </a:ext>
+                    </a:extLst>
+                  </a:tr>
+                  <a:tr h="579120">
+                    <a:tc>
+                      <a:txBody>
+                        <a:bodyPr/>
+                        <a:lstStyle/>
+                        <a:p>
+                          <a:endParaRPr lang="he-IL"/>
+                        </a:p>
+                      </a:txBody>
+                      <a:tcPr>
+                        <a:blipFill>
+                          <a:blip r:embed="rId3"/>
+                          <a:stretch>
+                            <a:fillRect l="-357" t="-412632" r="-200714" b="-235789"/>
+                          </a:stretch>
+                        </a:blipFill>
+                      </a:tcPr>
+                    </a:tc>
+                    <a:tc>
+                      <a:txBody>
+                        <a:bodyPr/>
+                        <a:lstStyle/>
+                        <a:p>
+                          <a:pPr algn="ctr" rtl="0"/>
+                          <a:r>
+                            <a:rPr lang="en-US" sz="3200" dirty="0"/>
+                            <a:t>QUIC &lt; TCP</a:t>
+                          </a:r>
+                          <a:endParaRPr lang="he-IL" sz="3200" dirty="0"/>
+                        </a:p>
+                      </a:txBody>
+                      <a:tcPr/>
+                    </a:tc>
+                    <a:tc>
+                      <a:txBody>
+                        <a:bodyPr/>
+                        <a:lstStyle/>
+                        <a:p>
+                          <a:pPr algn="ctr" rtl="0"/>
+                          <a:r>
+                            <a:rPr lang="en-US" sz="3200" dirty="0"/>
+                            <a:t>Incognito Time</a:t>
+                          </a:r>
+                          <a:endParaRPr lang="he-IL" sz="3200" dirty="0"/>
+                        </a:p>
+                      </a:txBody>
+                      <a:tcPr/>
+                    </a:tc>
+                    <a:extLst>
+                      <a:ext uri="{0D108BD9-81ED-4DB2-BD59-A6C34878D82A}">
+                        <a16:rowId xmlns:a16="http://schemas.microsoft.com/office/drawing/2014/main" val="1246502599"/>
+                      </a:ext>
+                    </a:extLst>
+                  </a:tr>
+                  <a:tr h="579120">
+                    <a:tc>
+                      <a:txBody>
+                        <a:bodyPr/>
+                        <a:lstStyle/>
+                        <a:p>
+                          <a:endParaRPr lang="he-IL"/>
+                        </a:p>
+                      </a:txBody>
+                      <a:tcPr>
+                        <a:blipFill>
+                          <a:blip r:embed="rId3"/>
+                          <a:stretch>
+                            <a:fillRect l="-357" t="-512632" r="-200714" b="-135789"/>
+                          </a:stretch>
+                        </a:blipFill>
+                      </a:tcPr>
+                    </a:tc>
+                    <a:tc>
+                      <a:txBody>
+                        <a:bodyPr/>
+                        <a:lstStyle/>
+                        <a:p>
+                          <a:endParaRPr lang="he-IL"/>
+                        </a:p>
+                      </a:txBody>
+                      <a:tcPr>
+                        <a:blipFill>
+                          <a:blip r:embed="rId3"/>
+                          <a:stretch>
+                            <a:fillRect l="-100537" t="-512632" r="-101073" b="-135789"/>
+                          </a:stretch>
+                        </a:blipFill>
+                      </a:tcPr>
+                    </a:tc>
+                    <a:tc>
+                      <a:txBody>
+                        <a:bodyPr/>
+                        <a:lstStyle/>
+                        <a:p>
+                          <a:pPr algn="ctr" rtl="0"/>
+                          <a:r>
+                            <a:rPr lang="en-US" sz="3200" dirty="0"/>
+                            <a:t>Incognito Requests</a:t>
+                          </a:r>
+                          <a:endParaRPr lang="he-IL" sz="3200" dirty="0"/>
+                        </a:p>
+                      </a:txBody>
+                      <a:tcPr/>
+                    </a:tc>
+                    <a:extLst>
+                      <a:ext uri="{0D108BD9-81ED-4DB2-BD59-A6C34878D82A}">
+                        <a16:rowId xmlns:a16="http://schemas.microsoft.com/office/drawing/2014/main" val="2256995163"/>
+                      </a:ext>
+                    </a:extLst>
+                  </a:tr>
+                  <a:tr h="579120">
+                    <a:tc>
+                      <a:txBody>
+                        <a:bodyPr/>
+                        <a:lstStyle/>
+                        <a:p>
+                          <a:endParaRPr lang="he-IL"/>
+                        </a:p>
+                      </a:txBody>
+                      <a:tcPr>
+                        <a:blipFill>
+                          <a:blip r:embed="rId3"/>
+                          <a:stretch>
+                            <a:fillRect l="-357" t="-612632" r="-200714" b="-35789"/>
+                          </a:stretch>
+                        </a:blipFill>
+                      </a:tcPr>
+                    </a:tc>
+                    <a:tc>
+                      <a:txBody>
+                        <a:bodyPr/>
+                        <a:lstStyle/>
+                        <a:p>
+                          <a:endParaRPr lang="he-IL"/>
+                        </a:p>
+                      </a:txBody>
+                      <a:tcPr>
+                        <a:blipFill>
+                          <a:blip r:embed="rId3"/>
+                          <a:stretch>
+                            <a:fillRect l="-100537" t="-612632" r="-101073" b="-35789"/>
+                          </a:stretch>
+                        </a:blipFill>
+                      </a:tcPr>
+                    </a:tc>
+                    <a:tc>
+                      <a:txBody>
+                        <a:bodyPr/>
+                        <a:lstStyle/>
+                        <a:p>
+                          <a:pPr algn="ctr" rtl="0"/>
+                          <a:r>
+                            <a:rPr lang="en-US" sz="3200" dirty="0"/>
+                            <a:t>Incognito Weight</a:t>
+                          </a:r>
+                          <a:endParaRPr lang="he-IL" sz="3200" dirty="0"/>
+                        </a:p>
+                      </a:txBody>
+                      <a:tcPr/>
+                    </a:tc>
+                    <a:extLst>
+                      <a:ext uri="{0D108BD9-81ED-4DB2-BD59-A6C34878D82A}">
+                        <a16:rowId xmlns:a16="http://schemas.microsoft.com/office/drawing/2014/main" val="2557310670"/>
+                      </a:ext>
+                    </a:extLst>
+                  </a:tr>
+                </a:tbl>
+              </a:graphicData>
+            </a:graphic>
+          </p:graphicFrame>
+        </mc:Fallback>
+      </mc:AlternateContent>
+      <p:sp>
+        <p:nvSpPr>
+          <p:cNvPr id="6" name="תיבת טקסט 5">
+            <a:extLst>
+              <a:ext uri="{FF2B5EF4-FFF2-40B4-BE49-F238E27FC236}">
+                <a16:creationId xmlns:a16="http://schemas.microsoft.com/office/drawing/2014/main" id="{FDE07741-EA34-45E9-AD40-672E5DCC4B6A}"/>
+              </a:ext>
+            </a:extLst>
+          </p:cNvPr>
+          <p:cNvSpPr txBox="1"/>
+          <p:nvPr/>
+        </p:nvSpPr>
+        <p:spPr>
+          <a:xfrm>
+            <a:off x="1012031" y="5845046"/>
+            <a:ext cx="10467975" cy="707886"/>
+          </a:xfrm>
+          <a:prstGeom prst="rect">
+            <a:avLst/>
+          </a:prstGeom>
+          <a:noFill/>
+        </p:spPr>
+        <p:txBody>
+          <a:bodyPr wrap="square" rtlCol="1">
+            <a:spAutoFit/>
+          </a:bodyPr>
+          <a:lstStyle/>
+          <a:p>
+            <a:pPr algn="ctr" rtl="0"/>
+            <a:r>
+              <a:rPr lang="en-US" sz="4000" dirty="0">
+                <a:solidFill>
+                  <a:schemeClr val="bg1"/>
+                </a:solidFill>
+                <a:latin typeface="Segoe UI Black" panose="020B0A02040204020203" pitchFamily="34" charset="0"/>
+                <a:ea typeface="Segoe UI Black" panose="020B0A02040204020203" pitchFamily="34" charset="0"/>
+              </a:rPr>
+              <a:t>WHY??</a:t>
+            </a:r>
+            <a:endParaRPr lang="he-IL" sz="4000" dirty="0">
+              <a:solidFill>
+                <a:schemeClr val="bg1"/>
+              </a:solidFill>
+              <a:latin typeface="Segoe UI Black" panose="020B0A02040204020203" pitchFamily="34" charset="0"/>
+              <a:ea typeface="Segoe UI Black" panose="020B0A02040204020203" pitchFamily="34" charset="0"/>
+            </a:endParaRPr>
+          </a:p>
+        </p:txBody>
+      </p:sp>
+    </p:spTree>
+    <p:extLst>
+      <p:ext uri="{BB962C8B-B14F-4D97-AF65-F5344CB8AC3E}">
+        <p14:creationId xmlns:p14="http://schemas.microsoft.com/office/powerpoint/2010/main" val="2040875361"/>
+      </p:ext>
+    </p:extLst>
+  </p:cSld>
+  <p:clrMapOvr>
+    <a:masterClrMapping/>
+  </p:clrMapOvr>
+  <p:timing>
+    <p:tnLst>
+      <p:par>
+        <p:cTn id="1" dur="indefinite" restart="never" nodeType="tmRoot">
+          <p:childTnLst>
+            <p:seq concurrent="1" nextAc="seek">
+              <p:cTn id="2" dur="indefinite" nodeType="mainSeq">
+                <p:childTnLst>
+                  <p:par>
+                    <p:cTn id="3" fill="hold">
+                      <p:stCondLst>
+                        <p:cond delay="indefinite"/>
+                        <p:cond evt="onBegin" delay="0">
+                          <p:tn val="2"/>
+                        </p:cond>
+                      </p:stCondLst>
+                      <p:childTnLst>
+                        <p:par>
+                          <p:cTn id="4" fill="hold">
+                            <p:stCondLst>
+                              <p:cond delay="0"/>
+                            </p:stCondLst>
+                            <p:childTnLst>
+                              <p:par>
+                                <p:cTn id="5" presetID="32" presetClass="emph" presetSubtype="0" fill="hold" nodeType="afterEffect">
+                                  <p:stCondLst>
+                                    <p:cond delay="0"/>
+                                  </p:stCondLst>
+                                  <p:childTnLst>
+                                    <p:animRot by="120000">
+                                      <p:cBhvr>
+                                        <p:cTn id="6" dur="100" fill="hold">
+                                          <p:stCondLst>
+                                            <p:cond delay="0"/>
+                                          </p:stCondLst>
+                                        </p:cTn>
+                                        <p:tgtEl>
+                                          <p:spTgt spid="1032"/>
+                                        </p:tgtEl>
+                                        <p:attrNameLst>
+                                          <p:attrName>r</p:attrName>
+                                        </p:attrNameLst>
+                                      </p:cBhvr>
+                                    </p:animRot>
+                                    <p:animRot by="-240000">
+                                      <p:cBhvr>
+                                        <p:cTn id="7" dur="200" fill="hold">
+                                          <p:stCondLst>
+                                            <p:cond delay="200"/>
+                                          </p:stCondLst>
+                                        </p:cTn>
+                                        <p:tgtEl>
+                                          <p:spTgt spid="1032"/>
+                                        </p:tgtEl>
+                                        <p:attrNameLst>
+                                          <p:attrName>r</p:attrName>
+                                        </p:attrNameLst>
+                                      </p:cBhvr>
+                                    </p:animRot>
+                                    <p:animRot by="240000">
+                                      <p:cBhvr>
+                                        <p:cTn id="8" dur="200" fill="hold">
+                                          <p:stCondLst>
+                                            <p:cond delay="400"/>
+                                          </p:stCondLst>
+                                        </p:cTn>
+                                        <p:tgtEl>
+                                          <p:spTgt spid="1032"/>
+                                        </p:tgtEl>
+                                        <p:attrNameLst>
+                                          <p:attrName>r</p:attrName>
+                                        </p:attrNameLst>
+                                      </p:cBhvr>
+                                    </p:animRot>
+                                    <p:animRot by="-240000">
+                                      <p:cBhvr>
+                                        <p:cTn id="9" dur="200" fill="hold">
+                                          <p:stCondLst>
+                                            <p:cond delay="600"/>
+                                          </p:stCondLst>
+                                        </p:cTn>
+                                        <p:tgtEl>
+                                          <p:spTgt spid="1032"/>
+                                        </p:tgtEl>
+                                        <p:attrNameLst>
+                                          <p:attrName>r</p:attrName>
+                                        </p:attrNameLst>
+                                      </p:cBhvr>
+                                    </p:animRot>
+                                    <p:animRot by="120000">
+                                      <p:cBhvr>
+                                        <p:cTn id="10" dur="200" fill="hold">
+                                          <p:stCondLst>
+                                            <p:cond delay="800"/>
+                                          </p:stCondLst>
+                                        </p:cTn>
+                                        <p:tgtEl>
+                                          <p:spTgt spid="1032"/>
+                                        </p:tgtEl>
+                                        <p:attrNameLst>
+                                          <p:attrName>r</p:attrName>
+                                        </p:attrNameLst>
+                                      </p:cBhvr>
+                                    </p:animRot>
+                                  </p:childTnLst>
+                                </p:cTn>
+                              </p:par>
+                            </p:childTnLst>
+                          </p:cTn>
+                        </p:par>
+                      </p:childTnLst>
+                    </p:cTn>
+                  </p:par>
+                </p:childTnLst>
+              </p:cTn>
+              <p:prevCondLst>
+                <p:cond evt="onPrev" delay="0">
+                  <p:tgtEl>
+                    <p:sldTgt/>
+                  </p:tgtEl>
+                </p:cond>
+              </p:prevCondLst>
+              <p:nextCondLst>
+                <p:cond evt="onNext" delay="0">
+                  <p:tgtEl>
+                    <p:sldTgt/>
+                  </p:tgtEl>
+                </p:cond>
+              </p:nextCondLst>
+            </p:seq>
+          </p:childTnLst>
+        </p:cTn>
+      </p:par>
+    </p:tnLst>
+  </p:timing>
+</p:sld>
+</file>
+
+<file path=ppt/slides/slide26.xml><?xml version="1.0" encoding="utf-8"?>
+<p:sld xmlns:a="http://schemas.openxmlformats.org/drawingml/2006/main" xmlns:r="http://schemas.openxmlformats.org/officeDocument/2006/relationships" xmlns:p="http://schemas.openxmlformats.org/presentationml/2006/main">
+  <p:cSld>
+    <p:bg>
+      <p:bgPr>
+        <a:solidFill>
+          <a:schemeClr val="bg1">
+            <a:lumMod val="65000"/>
+          </a:schemeClr>
+        </a:solidFill>
+        <a:effectLst/>
+      </p:bgPr>
+    </p:bg>
+    <p:spTree>
+      <p:nvGrpSpPr>
+        <p:cNvPr id="1" name=""/>
+        <p:cNvGrpSpPr/>
+        <p:nvPr/>
+      </p:nvGrpSpPr>
+      <p:grpSpPr>
+        <a:xfrm>
+          <a:off x="0" y="0"/>
+          <a:ext cx="0" cy="0"/>
+          <a:chOff x="0" y="0"/>
+          <a:chExt cx="0" cy="0"/>
+        </a:xfrm>
+      </p:grpSpPr>
+      <p:sp>
+        <p:nvSpPr>
+          <p:cNvPr id="4" name="מלבן 3">
+            <a:extLst>
+              <a:ext uri="{FF2B5EF4-FFF2-40B4-BE49-F238E27FC236}">
+                <a16:creationId xmlns:a16="http://schemas.microsoft.com/office/drawing/2014/main" id="{944C76FF-49C9-4225-8825-65F8C59B069B}"/>
+              </a:ext>
+            </a:extLst>
+          </p:cNvPr>
+          <p:cNvSpPr/>
+          <p:nvPr/>
+        </p:nvSpPr>
+        <p:spPr>
+          <a:xfrm>
+            <a:off x="4096901" y="426839"/>
+            <a:ext cx="3998210" cy="830997"/>
+          </a:xfrm>
+          <a:prstGeom prst="rect">
+            <a:avLst/>
+          </a:prstGeom>
+        </p:spPr>
+        <p:txBody>
+          <a:bodyPr wrap="none">
+            <a:spAutoFit/>
+          </a:bodyPr>
+          <a:lstStyle/>
+          <a:p>
+            <a:pPr marL="0" marR="0" lvl="0" indent="0" algn="ctr" defTabSz="914400" rtl="1" eaLnBrk="1" fontAlgn="auto" latinLnBrk="0" hangingPunct="1">
+              <a:lnSpc>
+                <a:spcPct val="100000"/>
+              </a:lnSpc>
+              <a:spcBef>
+                <a:spcPts val="0"/>
+              </a:spcBef>
+              <a:spcAft>
+                <a:spcPts val="0"/>
+              </a:spcAft>
+              <a:buClrTx/>
+              <a:buSzTx/>
+              <a:buFontTx/>
+              <a:buNone/>
+              <a:tabLst/>
+              <a:defRPr/>
+            </a:pPr>
+            <a:r>
+              <a:rPr kumimoji="0" lang="en-US" sz="4800" b="1" i="0" u="none" strike="noStrike" kern="1200" cap="none" spc="0" normalizeH="0" baseline="0" noProof="0" dirty="0">
+                <a:ln w="9525">
+                  <a:solidFill>
+                    <a:prstClr val="white"/>
+                  </a:solidFill>
+                  <a:prstDash val="solid"/>
+                </a:ln>
+                <a:solidFill>
+                  <a:prstClr val="white"/>
+                </a:solidFill>
+                <a:effectLst>
+                  <a:outerShdw blurRad="12700" dist="38100" dir="2700000" algn="tl" rotWithShape="0">
+                    <a:prstClr val="white">
+                      <a:lumMod val="50000"/>
+                    </a:prstClr>
+                  </a:outerShdw>
+                </a:effectLst>
+                <a:uLnTx/>
+                <a:uFillTx/>
+                <a:latin typeface="Segoe UI Black" panose="020B0A02040204020203" pitchFamily="34" charset="0"/>
+                <a:ea typeface="Segoe UI Black" panose="020B0A02040204020203" pitchFamily="34" charset="0"/>
+                <a:cs typeface="+mn-cs"/>
+              </a:rPr>
+              <a:t>Future Work</a:t>
+            </a:r>
+            <a:endParaRPr kumimoji="0" lang="he-IL" sz="4800" b="0" i="0" u="none" strike="noStrike" kern="1200" cap="none" spc="0" normalizeH="0" baseline="0" noProof="0" dirty="0">
+              <a:ln>
+                <a:noFill/>
+              </a:ln>
+              <a:solidFill>
+                <a:prstClr val="white"/>
+              </a:solidFill>
+              <a:effectLst/>
+              <a:uLnTx/>
+              <a:uFillTx/>
+              <a:latin typeface="Segoe UI Black" panose="020B0A02040204020203" pitchFamily="34" charset="0"/>
+              <a:ea typeface="Segoe UI Black" panose="020B0A02040204020203" pitchFamily="34" charset="0"/>
+              <a:cs typeface="Arial" panose="020B0604020202020204" pitchFamily="34" charset="0"/>
+            </a:endParaRPr>
+          </a:p>
+        </p:txBody>
+      </p:sp>
+    </p:spTree>
+    <p:extLst>
+      <p:ext uri="{BB962C8B-B14F-4D97-AF65-F5344CB8AC3E}">
+        <p14:creationId xmlns:p14="http://schemas.microsoft.com/office/powerpoint/2010/main" val="1155897925"/>
       </p:ext>
     </p:extLst>
   </p:cSld>
@@ -8869,10 +11766,10 @@
       </p:pic>
       <p:pic>
         <p:nvPicPr>
-          <p:cNvPr id="5" name="תמונה 4">
+          <p:cNvPr id="9" name="תמונה 8">
             <a:extLst>
               <a:ext uri="{FF2B5EF4-FFF2-40B4-BE49-F238E27FC236}">
-                <a16:creationId xmlns:a16="http://schemas.microsoft.com/office/drawing/2014/main" id="{43C2E485-9F75-447A-B2B8-B0026B0291A8}"/>
+                <a16:creationId xmlns:a16="http://schemas.microsoft.com/office/drawing/2014/main" id="{3A375E03-80B8-44A9-8DC3-06341A0857BF}"/>
               </a:ext>
             </a:extLst>
           </p:cNvPr>
@@ -8895,8 +11792,8 @@
         </p:blipFill>
         <p:spPr>
           <a:xfrm>
-            <a:off x="6746606" y="1313879"/>
-            <a:ext cx="4170901" cy="2648522"/>
+            <a:off x="6696076" y="1271588"/>
+            <a:ext cx="4252500" cy="2700337"/>
           </a:xfrm>
           <a:prstGeom prst="rect">
             <a:avLst/>
@@ -9527,7 +12424,7 @@
                 <a:latin typeface="Segoe UI Black" panose="020B0A02040204020203" pitchFamily="34" charset="0"/>
                 <a:ea typeface="Segoe UI Black" panose="020B0A02040204020203" pitchFamily="34" charset="0"/>
               </a:rPr>
-              <a:t>Google Corporation and some recent research claim that QUIC has reduced the latency of Google search responses by 3.6% and YouTube video repositories by 15.3%.</a:t>
+              <a:t>Google Corporation and some recent researches claim that QUIC has reduced the latency of Google search responses by 3.6% and YouTube video repositories by 15.3%.</a:t>
             </a:r>
             <a:endParaRPr lang="he-IL" sz="2400" dirty="0">
               <a:solidFill>
@@ -9648,8 +12545,8 @@
         </p:nvSpPr>
         <p:spPr>
           <a:xfrm>
-            <a:off x="64134" y="446532"/>
-            <a:ext cx="5460366" cy="1446550"/>
+            <a:off x="253205" y="378289"/>
+            <a:ext cx="6091237" cy="4031873"/>
           </a:xfrm>
           <a:prstGeom prst="rect">
             <a:avLst/>
@@ -9662,7 +12559,7 @@
           </a:bodyPr>
           <a:lstStyle/>
           <a:p>
-            <a:pPr algn="ctr"/>
+            <a:pPr algn="ctr" rtl="0"/>
             <a:r>
               <a:rPr lang="en-US" sz="4000" dirty="0">
                 <a:solidFill>
@@ -9682,7 +12579,7 @@
             </a:endParaRPr>
           </a:p>
           <a:p>
-            <a:pPr algn="ctr"/>
+            <a:pPr algn="ctr" rtl="0"/>
             <a:endParaRPr lang="en-US" sz="2400" dirty="0">
               <a:solidFill>
                 <a:schemeClr val="bg1"/>
@@ -9690,7 +12587,7 @@
             </a:endParaRPr>
           </a:p>
           <a:p>
-            <a:pPr algn="ctr"/>
+            <a:pPr algn="ctr" rtl="0"/>
             <a:r>
               <a:rPr lang="en-US" sz="2400" dirty="0">
                 <a:solidFill>
@@ -9702,12 +12599,35 @@
             <a:r>
               <a:rPr lang="en-US" sz="2400" dirty="0">
                 <a:solidFill>
-                  <a:srgbClr val="FF0000"/>
+                  <a:schemeClr val="bg1"/>
                 </a:solidFill>
                 <a:latin typeface="Segoe UI Black" panose="020B0A02040204020203" pitchFamily="34" charset="0"/>
                 <a:ea typeface="Segoe UI Black" panose="020B0A02040204020203" pitchFamily="34" charset="0"/>
               </a:rPr>
-              <a:t>Related work.. TBD….</a:t>
+              <a:t>Since the QUIC protocol is consistently updating, the old researches doesn’t reflect the authentical performances.</a:t>
+            </a:r>
+          </a:p>
+          <a:p>
+            <a:pPr algn="ctr" rtl="0"/>
+            <a:endParaRPr lang="en-US" sz="2400" dirty="0">
+              <a:solidFill>
+                <a:schemeClr val="bg1"/>
+              </a:solidFill>
+              <a:latin typeface="Segoe UI Black" panose="020B0A02040204020203" pitchFamily="34" charset="0"/>
+              <a:ea typeface="Segoe UI Black" panose="020B0A02040204020203" pitchFamily="34" charset="0"/>
+            </a:endParaRPr>
+          </a:p>
+          <a:p>
+            <a:pPr algn="ctr" rtl="0"/>
+            <a:r>
+              <a:rPr lang="en-US" sz="2400" dirty="0">
+                <a:solidFill>
+                  <a:schemeClr val="bg1"/>
+                </a:solidFill>
+                <a:latin typeface="Segoe UI Black" panose="020B0A02040204020203" pitchFamily="34" charset="0"/>
+                <a:ea typeface="Segoe UI Black" panose="020B0A02040204020203" pitchFamily="34" charset="0"/>
+              </a:rPr>
+              <a:t>In addition, most of the research's which sideways QUIC are published by googles teams or appear in Google scholar.</a:t>
             </a:r>
           </a:p>
         </p:txBody>
@@ -9792,8 +12712,8 @@
         </p:blipFill>
         <p:spPr>
           <a:xfrm>
-            <a:off x="3590925" y="3901356"/>
-            <a:ext cx="7758480" cy="2101255"/>
+            <a:off x="4467224" y="4126590"/>
+            <a:ext cx="7367955" cy="1995488"/>
           </a:xfrm>
           <a:prstGeom prst="rect">
             <a:avLst/>
@@ -9822,8 +12742,8 @@
         </p:blipFill>
         <p:spPr>
           <a:xfrm>
-            <a:off x="6091237" y="735921"/>
-            <a:ext cx="5460366" cy="2220723"/>
+            <a:off x="6870539" y="735922"/>
+            <a:ext cx="4681064" cy="1903782"/>
           </a:xfrm>
           <a:prstGeom prst="rect">
             <a:avLst/>
@@ -9836,6 +12756,105 @@
           </a:effectLst>
         </p:spPr>
       </p:pic>
+      <mc:AlternateContent xmlns:mc="http://schemas.openxmlformats.org/markup-compatibility/2006">
+        <mc:Choice xmlns:pslz="http://schemas.microsoft.com/office/powerpoint/2016/slidezoom" Requires="pslz">
+          <p:graphicFrame>
+            <p:nvGraphicFramePr>
+              <p:cNvPr id="8" name="תצוגת שקופית 7">
+                <a:extLst>
+                  <a:ext uri="{FF2B5EF4-FFF2-40B4-BE49-F238E27FC236}">
+                    <a16:creationId xmlns:a16="http://schemas.microsoft.com/office/drawing/2014/main" id="{6AB5C03E-F8BB-486C-88C9-66C0A024393E}"/>
+                  </a:ext>
+                </a:extLst>
+              </p:cNvPr>
+              <p:cNvGraphicFramePr>
+                <a:graphicFrameLocks noChangeAspect="1"/>
+              </p:cNvGraphicFramePr>
+              <p:nvPr>
+                <p:extLst>
+                  <p:ext uri="{D42A27DB-BD31-4B8C-83A1-F6EECF244321}">
+                    <p14:modId xmlns:p14="http://schemas.microsoft.com/office/powerpoint/2010/main" val="3629421063"/>
+                  </p:ext>
+                </p:extLst>
+              </p:nvPr>
+            </p:nvGraphicFramePr>
+            <p:xfrm>
+              <a:off x="742950" y="4560257"/>
+              <a:ext cx="1133475" cy="564077"/>
+            </p:xfrm>
+            <a:graphic>
+              <a:graphicData uri="http://schemas.microsoft.com/office/powerpoint/2016/slidezoom">
+                <pslz:sldZm>
+                  <pslz:sldZmObj sldId="280" cId="1620921287">
+                    <pslz:zmPr id="{E3A782E6-284D-4F70-851A-A2AA270A48A2}" imageType="cover" transitionDur="1000" showBg="0">
+                      <p166:blipFill xmlns:p166="http://schemas.microsoft.com/office/powerpoint/2016/6/main">
+                        <a:blip r:embed="rId4">
+                          <a:extLst>
+                            <a:ext uri="{28A0092B-C50C-407E-A947-70E740481C1C}">
+                              <a14:useLocalDpi xmlns:a14="http://schemas.microsoft.com/office/drawing/2010/main" val="0"/>
+                            </a:ext>
+                          </a:extLst>
+                        </a:blip>
+                        <a:stretch>
+                          <a:fillRect/>
+                        </a:stretch>
+                      </p166:blipFill>
+                      <p166:spPr xmlns:p166="http://schemas.microsoft.com/office/powerpoint/2016/6/main">
+                        <a:xfrm>
+                          <a:off x="0" y="0"/>
+                          <a:ext cx="1133475" cy="564077"/>
+                        </a:xfrm>
+                        <a:prstGeom prst="rect">
+                          <a:avLst/>
+                        </a:prstGeom>
+                      </p166:spPr>
+                    </pslz:zmPr>
+                  </pslz:sldZmObj>
+                </pslz:sldZm>
+              </a:graphicData>
+            </a:graphic>
+          </p:graphicFrame>
+        </mc:Choice>
+        <mc:Fallback>
+          <p:pic>
+            <p:nvPicPr>
+              <p:cNvPr id="8" name="תצוגת שקופית 7">
+                <a:hlinkClick r:id="rId5" action="ppaction://hlinksldjump"/>
+                <a:extLst>
+                  <a:ext uri="{FF2B5EF4-FFF2-40B4-BE49-F238E27FC236}">
+                    <a16:creationId xmlns:a16="http://schemas.microsoft.com/office/drawing/2014/main" id="{6AB5C03E-F8BB-486C-88C9-66C0A024393E}"/>
+                  </a:ext>
+                </a:extLst>
+              </p:cNvPr>
+              <p:cNvPicPr>
+                <a:picLocks noGrp="1" noRot="1" noChangeAspect="1" noMove="1" noResize="1" noEditPoints="1" noAdjustHandles="1" noChangeArrowheads="1" noChangeShapeType="1"/>
+              </p:cNvPicPr>
+              <p:nvPr/>
+            </p:nvPicPr>
+            <p:blipFill>
+              <a:blip r:embed="rId4">
+                <a:extLst>
+                  <a:ext uri="{28A0092B-C50C-407E-A947-70E740481C1C}">
+                    <a14:useLocalDpi xmlns:a14="http://schemas.microsoft.com/office/drawing/2010/main" val="0"/>
+                  </a:ext>
+                </a:extLst>
+              </a:blip>
+              <a:stretch>
+                <a:fillRect/>
+              </a:stretch>
+            </p:blipFill>
+            <p:spPr>
+              <a:xfrm>
+                <a:off x="742950" y="4560257"/>
+                <a:ext cx="1133475" cy="564077"/>
+              </a:xfrm>
+              <a:prstGeom prst="rect">
+                <a:avLst/>
+              </a:prstGeom>
+            </p:spPr>
+          </p:pic>
+        </mc:Fallback>
+      </mc:AlternateContent>
     </p:spTree>
     <p:extLst>
       <p:ext uri="{BB962C8B-B14F-4D97-AF65-F5344CB8AC3E}">
@@ -9850,6 +12869,242 @@
 </file>
 
 <file path=ppt/slides/slide6.xml><?xml version="1.0" encoding="utf-8"?>
+<p:sld xmlns:a="http://schemas.openxmlformats.org/drawingml/2006/main" xmlns:r="http://schemas.openxmlformats.org/officeDocument/2006/relationships" xmlns:p="http://schemas.openxmlformats.org/presentationml/2006/main">
+  <p:cSld>
+    <p:bg>
+      <p:bgPr>
+        <a:solidFill>
+          <a:schemeClr val="bg1">
+            <a:lumMod val="65000"/>
+          </a:schemeClr>
+        </a:solidFill>
+        <a:effectLst/>
+      </p:bgPr>
+    </p:bg>
+    <p:spTree>
+      <p:nvGrpSpPr>
+        <p:cNvPr id="1" name=""/>
+        <p:cNvGrpSpPr/>
+        <p:nvPr/>
+      </p:nvGrpSpPr>
+      <p:grpSpPr>
+        <a:xfrm>
+          <a:off x="0" y="0"/>
+          <a:ext cx="0" cy="0"/>
+          <a:chOff x="0" y="0"/>
+          <a:chExt cx="0" cy="0"/>
+        </a:xfrm>
+      </p:grpSpPr>
+      <p:sp>
+        <p:nvSpPr>
+          <p:cNvPr id="4" name="תיבת טקסט 3">
+            <a:extLst>
+              <a:ext uri="{FF2B5EF4-FFF2-40B4-BE49-F238E27FC236}">
+                <a16:creationId xmlns:a16="http://schemas.microsoft.com/office/drawing/2014/main" id="{D9E34E35-2973-4AEE-95E1-BE1909F131A5}"/>
+              </a:ext>
+            </a:extLst>
+          </p:cNvPr>
+          <p:cNvSpPr txBox="1"/>
+          <p:nvPr/>
+        </p:nvSpPr>
+        <p:spPr>
+          <a:xfrm>
+            <a:off x="1349630" y="579329"/>
+            <a:ext cx="9492739" cy="3785652"/>
+          </a:xfrm>
+          <a:prstGeom prst="rect">
+            <a:avLst/>
+          </a:prstGeom>
+          <a:noFill/>
+        </p:spPr>
+        <p:txBody>
+          <a:bodyPr wrap="square" rtlCol="1">
+            <a:spAutoFit/>
+          </a:bodyPr>
+          <a:lstStyle/>
+          <a:p>
+            <a:pPr marL="342900" indent="-342900" algn="l" rtl="0">
+              <a:buFont typeface="Wingdings" panose="05000000000000000000" pitchFamily="2" charset="2"/>
+              <a:buChar char="q"/>
+            </a:pPr>
+            <a:endParaRPr lang="en-US" sz="2400" dirty="0">
+              <a:solidFill>
+                <a:schemeClr val="bg1"/>
+              </a:solidFill>
+            </a:endParaRPr>
+          </a:p>
+          <a:p>
+            <a:pPr marL="342900" indent="-342900" algn="l" rtl="0">
+              <a:buFont typeface="Wingdings" panose="05000000000000000000" pitchFamily="2" charset="2"/>
+              <a:buChar char="q"/>
+            </a:pPr>
+            <a:r>
+              <a:rPr lang="en-US" sz="2400" dirty="0">
+                <a:solidFill>
+                  <a:schemeClr val="bg1"/>
+                </a:solidFill>
+                <a:latin typeface="Segoe UI Black" panose="020B0A02040204020203" pitchFamily="34" charset="0"/>
+                <a:ea typeface="Segoe UI Black" panose="020B0A02040204020203" pitchFamily="34" charset="0"/>
+              </a:rPr>
+              <a:t>The QUIC Transport Protocol: Design and Internet-Scale Deployment (2017) – Google research</a:t>
+            </a:r>
+          </a:p>
+          <a:p>
+            <a:pPr marL="342900" indent="-342900" algn="l" rtl="0">
+              <a:buFont typeface="Wingdings" panose="05000000000000000000" pitchFamily="2" charset="2"/>
+              <a:buChar char="q"/>
+            </a:pPr>
+            <a:endParaRPr lang="en-US" sz="2400" dirty="0">
+              <a:solidFill>
+                <a:schemeClr val="bg1"/>
+              </a:solidFill>
+              <a:latin typeface="Segoe UI Black" panose="020B0A02040204020203" pitchFamily="34" charset="0"/>
+              <a:ea typeface="Segoe UI Black" panose="020B0A02040204020203" pitchFamily="34" charset="0"/>
+            </a:endParaRPr>
+          </a:p>
+          <a:p>
+            <a:pPr marL="342900" indent="-342900" algn="l" rtl="0">
+              <a:buFont typeface="Wingdings" panose="05000000000000000000" pitchFamily="2" charset="2"/>
+              <a:buChar char="q"/>
+            </a:pPr>
+            <a:r>
+              <a:rPr lang="en-US" sz="2400" dirty="0">
+                <a:solidFill>
+                  <a:schemeClr val="bg1"/>
+                </a:solidFill>
+                <a:latin typeface="Segoe UI Black" panose="020B0A02040204020203" pitchFamily="34" charset="0"/>
+                <a:ea typeface="Segoe UI Black" panose="020B0A02040204020203" pitchFamily="34" charset="0"/>
+              </a:rPr>
+              <a:t>Taking a long look at QUIC (2017) – A. </a:t>
+            </a:r>
+            <a:r>
+              <a:rPr lang="en-US" sz="2400" dirty="0" err="1">
+                <a:solidFill>
+                  <a:schemeClr val="bg1"/>
+                </a:solidFill>
+                <a:latin typeface="Segoe UI Black" panose="020B0A02040204020203" pitchFamily="34" charset="0"/>
+                <a:ea typeface="Segoe UI Black" panose="020B0A02040204020203" pitchFamily="34" charset="0"/>
+              </a:rPr>
+              <a:t>Molavi</a:t>
+            </a:r>
+            <a:r>
+              <a:rPr lang="en-US" sz="2400" dirty="0">
+                <a:solidFill>
+                  <a:schemeClr val="bg1"/>
+                </a:solidFill>
+                <a:latin typeface="Segoe UI Black" panose="020B0A02040204020203" pitchFamily="34" charset="0"/>
+                <a:ea typeface="Segoe UI Black" panose="020B0A02040204020203" pitchFamily="34" charset="0"/>
+              </a:rPr>
+              <a:t> </a:t>
+            </a:r>
+            <a:r>
+              <a:rPr lang="en-US" sz="2400" dirty="0" err="1">
+                <a:solidFill>
+                  <a:schemeClr val="bg1"/>
+                </a:solidFill>
+                <a:latin typeface="Segoe UI Black" panose="020B0A02040204020203" pitchFamily="34" charset="0"/>
+                <a:ea typeface="Segoe UI Black" panose="020B0A02040204020203" pitchFamily="34" charset="0"/>
+              </a:rPr>
+              <a:t>Kakhki</a:t>
+            </a:r>
+            <a:r>
+              <a:rPr lang="en-US" sz="2400" dirty="0">
+                <a:solidFill>
+                  <a:schemeClr val="bg1"/>
+                </a:solidFill>
+                <a:latin typeface="Segoe UI Black" panose="020B0A02040204020203" pitchFamily="34" charset="0"/>
+                <a:ea typeface="Segoe UI Black" panose="020B0A02040204020203" pitchFamily="34" charset="0"/>
+              </a:rPr>
+              <a:t> et al.</a:t>
+            </a:r>
+          </a:p>
+          <a:p>
+            <a:pPr marL="342900" indent="-342900" algn="l" rtl="0">
+              <a:buFont typeface="Wingdings" panose="05000000000000000000" pitchFamily="2" charset="2"/>
+              <a:buChar char="q"/>
+            </a:pPr>
+            <a:endParaRPr lang="en-US" sz="2400" dirty="0">
+              <a:solidFill>
+                <a:schemeClr val="bg1"/>
+              </a:solidFill>
+              <a:latin typeface="Segoe UI Black" panose="020B0A02040204020203" pitchFamily="34" charset="0"/>
+              <a:ea typeface="Segoe UI Black" panose="020B0A02040204020203" pitchFamily="34" charset="0"/>
+            </a:endParaRPr>
+          </a:p>
+          <a:p>
+            <a:pPr marL="342900" indent="-342900" algn="l" rtl="0">
+              <a:buFont typeface="Wingdings" panose="05000000000000000000" pitchFamily="2" charset="2"/>
+              <a:buChar char="q"/>
+            </a:pPr>
+            <a:r>
+              <a:rPr lang="en-US" sz="2400" dirty="0">
+                <a:solidFill>
+                  <a:schemeClr val="bg1"/>
+                </a:solidFill>
+                <a:latin typeface="Segoe UI Black" panose="020B0A02040204020203" pitchFamily="34" charset="0"/>
+                <a:ea typeface="Segoe UI Black" panose="020B0A02040204020203" pitchFamily="34" charset="0"/>
+              </a:rPr>
+              <a:t>A First Look at QUIC in the Wild (2018) – TU Berlin</a:t>
+            </a:r>
+          </a:p>
+          <a:p>
+            <a:pPr marL="342900" indent="-342900" algn="l" rtl="0">
+              <a:buFont typeface="Wingdings" panose="05000000000000000000" pitchFamily="2" charset="2"/>
+              <a:buChar char="q"/>
+            </a:pPr>
+            <a:endParaRPr lang="en-US" sz="2400" dirty="0">
+              <a:solidFill>
+                <a:schemeClr val="bg1"/>
+              </a:solidFill>
+              <a:latin typeface="Segoe UI Black" panose="020B0A02040204020203" pitchFamily="34" charset="0"/>
+              <a:ea typeface="Segoe UI Black" panose="020B0A02040204020203" pitchFamily="34" charset="0"/>
+            </a:endParaRPr>
+          </a:p>
+          <a:p>
+            <a:pPr marL="342900" indent="-342900" algn="l" rtl="0">
+              <a:buFont typeface="Wingdings" panose="05000000000000000000" pitchFamily="2" charset="2"/>
+              <a:buChar char="q"/>
+            </a:pPr>
+            <a:r>
+              <a:rPr lang="en-US" sz="2400" dirty="0">
+                <a:solidFill>
+                  <a:schemeClr val="bg1"/>
+                </a:solidFill>
+                <a:latin typeface="Segoe UI Black" panose="020B0A02040204020203" pitchFamily="34" charset="0"/>
+                <a:ea typeface="Segoe UI Black" panose="020B0A02040204020203" pitchFamily="34" charset="0"/>
+              </a:rPr>
+              <a:t>How Quick is QUIC? (2017) – Budapest University</a:t>
+            </a:r>
+          </a:p>
+          <a:p>
+            <a:pPr marL="342900" indent="-342900" algn="l" rtl="0">
+              <a:buFont typeface="Wingdings" panose="05000000000000000000" pitchFamily="2" charset="2"/>
+              <a:buChar char="q"/>
+            </a:pPr>
+            <a:endParaRPr lang="en-US" sz="2400" dirty="0">
+              <a:solidFill>
+                <a:srgbClr val="FF0000"/>
+              </a:solidFill>
+              <a:latin typeface="Segoe UI Black" panose="020B0A02040204020203" pitchFamily="34" charset="0"/>
+              <a:ea typeface="Segoe UI Black" panose="020B0A02040204020203" pitchFamily="34" charset="0"/>
+            </a:endParaRPr>
+          </a:p>
+        </p:txBody>
+      </p:sp>
+    </p:spTree>
+    <p:extLst>
+      <p:ext uri="{BB962C8B-B14F-4D97-AF65-F5344CB8AC3E}">
+        <p14:creationId xmlns:p14="http://schemas.microsoft.com/office/powerpoint/2010/main" val="1620921287"/>
+      </p:ext>
+    </p:extLst>
+  </p:cSld>
+  <p:clrMapOvr>
+    <a:masterClrMapping/>
+  </p:clrMapOvr>
+</p:sld>
+</file>
+
+<file path=ppt/slides/slide7.xml><?xml version="1.0" encoding="utf-8"?>
 <p:sld xmlns:a="http://schemas.openxmlformats.org/drawingml/2006/main" xmlns:r="http://schemas.openxmlformats.org/officeDocument/2006/relationships" xmlns:p="http://schemas.openxmlformats.org/presentationml/2006/main">
   <p:cSld>
     <p:bg>
@@ -10522,7 +13777,7 @@
 </p:sld>
 </file>
 
-<file path=ppt/slides/slide7.xml><?xml version="1.0" encoding="utf-8"?>
+<file path=ppt/slides/slide8.xml><?xml version="1.0" encoding="utf-8"?>
 <p:sld xmlns:a="http://schemas.openxmlformats.org/drawingml/2006/main" xmlns:r="http://schemas.openxmlformats.org/officeDocument/2006/relationships" xmlns:p="http://schemas.openxmlformats.org/presentationml/2006/main">
   <p:cSld>
     <p:bg>
@@ -10645,7 +13900,7 @@
                 <a:latin typeface="Segoe UI Black" panose="020B0A02040204020203" pitchFamily="34" charset="0"/>
                 <a:ea typeface="Segoe UI Black" panose="020B0A02040204020203" pitchFamily="34" charset="0"/>
               </a:rPr>
-              <a:t> protocol that implements by Google working only on a Google client (Chrome) and servers (still no use for IETF QUIC - </a:t>
+              <a:t> protocol that implements by Google works only on a Google client (Chrome) and servers (still no use for IETF QUIC - </a:t>
             </a:r>
             <a:r>
               <a:rPr lang="en-US" sz="2000" dirty="0" err="1">
@@ -10970,7 +14225,7 @@
 </p:sld>
 </file>
 
-<file path=ppt/slides/slide8.xml><?xml version="1.0" encoding="utf-8"?>
+<file path=ppt/slides/slide9.xml><?xml version="1.0" encoding="utf-8"?>
 <p:sld xmlns:a="http://schemas.openxmlformats.org/drawingml/2006/main" xmlns:r="http://schemas.openxmlformats.org/officeDocument/2006/relationships" xmlns:p="http://schemas.openxmlformats.org/presentationml/2006/main">
   <p:cSld>
     <p:bg>
@@ -11164,555 +14419,6 @@
   <p:clrMapOvr>
     <a:masterClrMapping/>
   </p:clrMapOvr>
-</p:sld>
-</file>
-
-<file path=ppt/slides/slide9.xml><?xml version="1.0" encoding="utf-8"?>
-<p:sld xmlns:a="http://schemas.openxmlformats.org/drawingml/2006/main" xmlns:r="http://schemas.openxmlformats.org/officeDocument/2006/relationships" xmlns:p="http://schemas.openxmlformats.org/presentationml/2006/main">
-  <p:cSld>
-    <p:bg>
-      <p:bgPr>
-        <a:solidFill>
-          <a:schemeClr val="bg2">
-            <a:lumMod val="25000"/>
-          </a:schemeClr>
-        </a:solidFill>
-        <a:effectLst/>
-      </p:bgPr>
-    </p:bg>
-    <p:spTree>
-      <p:nvGrpSpPr>
-        <p:cNvPr id="1" name=""/>
-        <p:cNvGrpSpPr/>
-        <p:nvPr/>
-      </p:nvGrpSpPr>
-      <p:grpSpPr>
-        <a:xfrm>
-          <a:off x="0" y="0"/>
-          <a:ext cx="0" cy="0"/>
-          <a:chOff x="0" y="0"/>
-          <a:chExt cx="0" cy="0"/>
-        </a:xfrm>
-      </p:grpSpPr>
-      <p:sp>
-        <p:nvSpPr>
-          <p:cNvPr id="2" name="תיבת טקסט 1">
-            <a:extLst>
-              <a:ext uri="{FF2B5EF4-FFF2-40B4-BE49-F238E27FC236}">
-                <a16:creationId xmlns:a16="http://schemas.microsoft.com/office/drawing/2014/main" id="{A1FA8E3E-762E-4356-BFC6-A8310BF007C3}"/>
-              </a:ext>
-            </a:extLst>
-          </p:cNvPr>
-          <p:cNvSpPr txBox="1"/>
-          <p:nvPr/>
-        </p:nvSpPr>
-        <p:spPr>
-          <a:xfrm>
-            <a:off x="895350" y="305068"/>
-            <a:ext cx="10467975" cy="6432530"/>
-          </a:xfrm>
-          <a:prstGeom prst="rect">
-            <a:avLst/>
-          </a:prstGeom>
-          <a:noFill/>
-        </p:spPr>
-        <p:txBody>
-          <a:bodyPr wrap="square" rtlCol="1">
-            <a:spAutoFit/>
-          </a:bodyPr>
-          <a:lstStyle/>
-          <a:p>
-            <a:pPr algn="ctr"/>
-            <a:r>
-              <a:rPr lang="en-US" sz="4000" dirty="0">
-                <a:solidFill>
-                  <a:schemeClr val="bg1"/>
-                </a:solidFill>
-                <a:latin typeface="Segoe UI Black" panose="020B0A02040204020203" pitchFamily="34" charset="0"/>
-                <a:ea typeface="Segoe UI Black" panose="020B0A02040204020203" pitchFamily="34" charset="0"/>
-              </a:rPr>
-              <a:t>Our lab &amp; tools:</a:t>
-            </a:r>
-            <a:endParaRPr lang="he-IL" sz="4000" dirty="0">
-              <a:solidFill>
-                <a:schemeClr val="bg1"/>
-              </a:solidFill>
-              <a:latin typeface="Segoe UI Black" panose="020B0A02040204020203" pitchFamily="34" charset="0"/>
-              <a:ea typeface="Segoe UI Black" panose="020B0A02040204020203" pitchFamily="34" charset="0"/>
-            </a:endParaRPr>
-          </a:p>
-          <a:p>
-            <a:pPr algn="ctr"/>
-            <a:endParaRPr lang="en-US" sz="2400" dirty="0">
-              <a:solidFill>
-                <a:schemeClr val="bg1"/>
-              </a:solidFill>
-            </a:endParaRPr>
-          </a:p>
-          <a:p>
-            <a:pPr algn="l"/>
-            <a:r>
-              <a:rPr lang="en-US" sz="2400" dirty="0">
-                <a:solidFill>
-                  <a:schemeClr val="bg1"/>
-                </a:solidFill>
-              </a:rPr>
-              <a:t>We measure 3 things in every entry (through :</a:t>
-            </a:r>
-          </a:p>
-          <a:p>
-            <a:pPr marL="457200" indent="-457200" algn="l" rtl="0">
-              <a:buAutoNum type="arabicPeriod"/>
-            </a:pPr>
-            <a:r>
-              <a:rPr lang="en-US" sz="2400" dirty="0">
-                <a:solidFill>
-                  <a:schemeClr val="bg1"/>
-                </a:solidFill>
-              </a:rPr>
-              <a:t>Number of </a:t>
-            </a:r>
-            <a:r>
-              <a:rPr lang="en-US" sz="2400" b="1" dirty="0">
-                <a:solidFill>
-                  <a:schemeClr val="bg1"/>
-                </a:solidFill>
-              </a:rPr>
-              <a:t>requests</a:t>
-            </a:r>
-          </a:p>
-          <a:p>
-            <a:pPr marL="457200" indent="-457200" algn="l" rtl="0">
-              <a:buAutoNum type="arabicPeriod"/>
-            </a:pPr>
-            <a:r>
-              <a:rPr lang="en-US" sz="2400" dirty="0">
-                <a:solidFill>
-                  <a:schemeClr val="bg1"/>
-                </a:solidFill>
-              </a:rPr>
-              <a:t>Total </a:t>
-            </a:r>
-            <a:r>
-              <a:rPr lang="en-US" sz="2400" b="1" dirty="0">
-                <a:solidFill>
-                  <a:schemeClr val="bg1"/>
-                </a:solidFill>
-              </a:rPr>
-              <a:t>weight</a:t>
-            </a:r>
-          </a:p>
-          <a:p>
-            <a:pPr marL="457200" indent="-457200" algn="l" rtl="0">
-              <a:buAutoNum type="arabicPeriod"/>
-            </a:pPr>
-            <a:r>
-              <a:rPr lang="en-US" sz="2400" dirty="0">
-                <a:solidFill>
-                  <a:schemeClr val="bg1"/>
-                </a:solidFill>
-              </a:rPr>
-              <a:t>Total </a:t>
-            </a:r>
-            <a:r>
-              <a:rPr lang="en-US" sz="2400" b="1" dirty="0">
-                <a:solidFill>
-                  <a:schemeClr val="bg1"/>
-                </a:solidFill>
-              </a:rPr>
-              <a:t>time</a:t>
-            </a:r>
-          </a:p>
-          <a:p>
-            <a:pPr marL="457200" indent="-457200" algn="l" rtl="0">
-              <a:buAutoNum type="arabicPeriod"/>
-            </a:pPr>
-            <a:endParaRPr lang="en-US" sz="2400" dirty="0">
-              <a:solidFill>
-                <a:schemeClr val="bg1"/>
-              </a:solidFill>
-            </a:endParaRPr>
-          </a:p>
-          <a:p>
-            <a:pPr algn="l"/>
-            <a:r>
-              <a:rPr lang="en-US" sz="2400" dirty="0">
-                <a:solidFill>
-                  <a:schemeClr val="bg1"/>
-                </a:solidFill>
-              </a:rPr>
-              <a:t>After verifying that the browser use the QUIC protocol only when set in the profile configuration, we looked at 3 test cases:</a:t>
-            </a:r>
-          </a:p>
-          <a:p>
-            <a:pPr algn="l"/>
-            <a:r>
-              <a:rPr lang="en-US" sz="2400" dirty="0">
-                <a:solidFill>
-                  <a:schemeClr val="bg1"/>
-                </a:solidFill>
-              </a:rPr>
-              <a:t>1. Run on a virtual machine with </a:t>
-            </a:r>
-            <a:r>
-              <a:rPr lang="en-US" sz="2400" dirty="0" err="1">
-                <a:solidFill>
-                  <a:schemeClr val="bg1"/>
-                </a:solidFill>
-              </a:rPr>
-              <a:t>WiFi</a:t>
-            </a:r>
-            <a:r>
-              <a:rPr lang="en-US" sz="2400" dirty="0">
-                <a:solidFill>
-                  <a:schemeClr val="bg1"/>
-                </a:solidFill>
-              </a:rPr>
-              <a:t> connection</a:t>
-            </a:r>
-          </a:p>
-          <a:p>
-            <a:pPr algn="l"/>
-            <a:r>
-              <a:rPr lang="en-US" sz="2400" dirty="0">
-                <a:solidFill>
-                  <a:schemeClr val="bg1"/>
-                </a:solidFill>
-              </a:rPr>
-              <a:t>2. Run on a virtual machine with an Ethernet connection</a:t>
-            </a:r>
-          </a:p>
-          <a:p>
-            <a:pPr algn="l"/>
-            <a:r>
-              <a:rPr lang="en-US" sz="2400" dirty="0">
-                <a:solidFill>
-                  <a:schemeClr val="bg1"/>
-                </a:solidFill>
-              </a:rPr>
-              <a:t>3. Run on Linux with an Ethernet connection</a:t>
-            </a:r>
-            <a:endParaRPr lang="he-IL" sz="2400" dirty="0">
-              <a:solidFill>
-                <a:schemeClr val="bg1"/>
-              </a:solidFill>
-            </a:endParaRPr>
-          </a:p>
-          <a:p>
-            <a:pPr algn="l"/>
-            <a:endParaRPr lang="en-US" dirty="0">
-              <a:solidFill>
-                <a:schemeClr val="bg1"/>
-              </a:solidFill>
-            </a:endParaRPr>
-          </a:p>
-          <a:p>
-            <a:pPr algn="ctr"/>
-            <a:r>
-              <a:rPr lang="en-US" sz="2800" b="1" dirty="0">
-                <a:solidFill>
-                  <a:schemeClr val="bg1"/>
-                </a:solidFill>
-              </a:rPr>
-              <a:t>In each test case we made 500 entries to Google server (YouTube) using the QUIC protocol and 500 identical entries without the experimental protocol (using HTTP 2.0)</a:t>
-            </a:r>
-            <a:endParaRPr lang="en-US" sz="2800" b="1" dirty="0">
-              <a:solidFill>
-                <a:srgbClr val="FF0000"/>
-              </a:solidFill>
-              <a:latin typeface="Segoe UI Black" panose="020B0A02040204020203" pitchFamily="34" charset="0"/>
-              <a:ea typeface="Segoe UI Black" panose="020B0A02040204020203" pitchFamily="34" charset="0"/>
-            </a:endParaRPr>
-          </a:p>
-        </p:txBody>
-      </p:sp>
-      <p:pic>
-        <p:nvPicPr>
-          <p:cNvPr id="4" name="תמונה 3" descr="תמונה שמכילה טקסט&#10;&#10;התיאור נוצר באופן אוטומטי">
-            <a:extLst>
-              <a:ext uri="{FF2B5EF4-FFF2-40B4-BE49-F238E27FC236}">
-                <a16:creationId xmlns:a16="http://schemas.microsoft.com/office/drawing/2014/main" id="{0D52779F-E880-464C-A36E-177390401293}"/>
-              </a:ext>
-            </a:extLst>
-          </p:cNvPr>
-          <p:cNvPicPr>
-            <a:picLocks noChangeAspect="1"/>
-          </p:cNvPicPr>
-          <p:nvPr/>
-        </p:nvPicPr>
-        <p:blipFill>
-          <a:blip r:embed="rId2">
-            <a:extLst>
-              <a:ext uri="{28A0092B-C50C-407E-A947-70E740481C1C}">
-                <a14:useLocalDpi xmlns:a14="http://schemas.microsoft.com/office/drawing/2010/main" val="0"/>
-              </a:ext>
-              <a:ext uri="{837473B0-CC2E-450A-ABE3-18F120FF3D39}">
-                <a1611:picAttrSrcUrl xmlns:a1611="http://schemas.microsoft.com/office/drawing/2016/11/main" r:id="rId3"/>
-              </a:ext>
-            </a:extLst>
-          </a:blip>
-          <a:stretch>
-            <a:fillRect/>
-          </a:stretch>
-        </p:blipFill>
-        <p:spPr>
-          <a:xfrm>
-            <a:off x="8420101" y="674400"/>
-            <a:ext cx="2214562" cy="2384913"/>
-          </a:xfrm>
-          <a:prstGeom prst="rect">
-            <a:avLst/>
-          </a:prstGeom>
-          <a:ln>
-            <a:noFill/>
-          </a:ln>
-          <a:effectLst>
-            <a:softEdge rad="112500"/>
-          </a:effectLst>
-        </p:spPr>
-      </p:pic>
-      <mc:AlternateContent xmlns:mc="http://schemas.openxmlformats.org/markup-compatibility/2006">
-        <mc:Choice xmlns:pslz="http://schemas.microsoft.com/office/powerpoint/2016/slidezoom" Requires="pslz">
-          <p:graphicFrame>
-            <p:nvGraphicFramePr>
-              <p:cNvPr id="5" name="תצוגת שקופית 4">
-                <a:extLst>
-                  <a:ext uri="{FF2B5EF4-FFF2-40B4-BE49-F238E27FC236}">
-                    <a16:creationId xmlns:a16="http://schemas.microsoft.com/office/drawing/2014/main" id="{84CE687A-A772-46EA-9DAF-0856548E8C0B}"/>
-                  </a:ext>
-                </a:extLst>
-              </p:cNvPr>
-              <p:cNvGraphicFramePr>
-                <a:graphicFrameLocks noChangeAspect="1"/>
-              </p:cNvGraphicFramePr>
-              <p:nvPr>
-                <p:extLst>
-                  <p:ext uri="{D42A27DB-BD31-4B8C-83A1-F6EECF244321}">
-                    <p14:modId xmlns:p14="http://schemas.microsoft.com/office/powerpoint/2010/main" val="250908577"/>
-                  </p:ext>
-                </p:extLst>
-              </p:nvPr>
-            </p:nvGraphicFramePr>
-            <p:xfrm>
-              <a:off x="4295775" y="2028825"/>
-              <a:ext cx="1195705" cy="672584"/>
-            </p:xfrm>
-            <a:graphic>
-              <a:graphicData uri="http://schemas.microsoft.com/office/powerpoint/2016/slidezoom">
-                <pslz:sldZm>
-                  <pslz:sldZmObj sldId="264" cId="810889528">
-                    <pslz:zmPr id="{8DA0DE95-3053-40F8-81E3-0757488F1683}" transitionDur="1000">
-                      <p166:blipFill xmlns:p166="http://schemas.microsoft.com/office/powerpoint/2016/6/main">
-                        <a:blip r:embed="rId4"/>
-                        <a:stretch>
-                          <a:fillRect/>
-                        </a:stretch>
-                      </p166:blipFill>
-                      <p166:spPr xmlns:p166="http://schemas.microsoft.com/office/powerpoint/2016/6/main">
-                        <a:xfrm>
-                          <a:off x="0" y="0"/>
-                          <a:ext cx="1195705" cy="672584"/>
-                        </a:xfrm>
-                        <a:prstGeom prst="rect">
-                          <a:avLst/>
-                        </a:prstGeom>
-                        <a:ln w="3175">
-                          <a:solidFill>
-                            <a:prstClr val="ltGray"/>
-                          </a:solidFill>
-                        </a:ln>
-                      </p166:spPr>
-                    </pslz:zmPr>
-                  </pslz:sldZmObj>
-                </pslz:sldZm>
-              </a:graphicData>
-            </a:graphic>
-          </p:graphicFrame>
-        </mc:Choice>
-        <mc:Fallback>
-          <p:pic>
-            <p:nvPicPr>
-              <p:cNvPr id="5" name="תצוגת שקופית 4">
-                <a:hlinkClick r:id="rId5" action="ppaction://hlinksldjump"/>
-                <a:extLst>
-                  <a:ext uri="{FF2B5EF4-FFF2-40B4-BE49-F238E27FC236}">
-                    <a16:creationId xmlns:a16="http://schemas.microsoft.com/office/drawing/2014/main" id="{84CE687A-A772-46EA-9DAF-0856548E8C0B}"/>
-                  </a:ext>
-                </a:extLst>
-              </p:cNvPr>
-              <p:cNvPicPr>
-                <a:picLocks noGrp="1" noRot="1" noChangeAspect="1" noMove="1" noResize="1" noEditPoints="1" noAdjustHandles="1" noChangeArrowheads="1" noChangeShapeType="1"/>
-              </p:cNvPicPr>
-              <p:nvPr/>
-            </p:nvPicPr>
-            <p:blipFill>
-              <a:blip r:embed="rId4"/>
-              <a:stretch>
-                <a:fillRect/>
-              </a:stretch>
-            </p:blipFill>
-            <p:spPr>
-              <a:xfrm>
-                <a:off x="4295775" y="2028825"/>
-                <a:ext cx="1195705" cy="672584"/>
-              </a:xfrm>
-              <a:prstGeom prst="rect">
-                <a:avLst/>
-              </a:prstGeom>
-              <a:ln w="3175">
-                <a:solidFill>
-                  <a:prstClr val="ltGray"/>
-                </a:solidFill>
-              </a:ln>
-            </p:spPr>
-          </p:pic>
-        </mc:Fallback>
-      </mc:AlternateContent>
-    </p:spTree>
-    <p:extLst>
-      <p:ext uri="{BB962C8B-B14F-4D97-AF65-F5344CB8AC3E}">
-        <p14:creationId xmlns:p14="http://schemas.microsoft.com/office/powerpoint/2010/main" val="2399457740"/>
-      </p:ext>
-    </p:extLst>
-  </p:cSld>
-  <p:clrMapOvr>
-    <a:masterClrMapping/>
-  </p:clrMapOvr>
-  <p:timing>
-    <p:tnLst>
-      <p:par>
-        <p:cTn id="1" dur="indefinite" restart="never" nodeType="tmRoot">
-          <p:childTnLst>
-            <p:seq concurrent="1" nextAc="seek">
-              <p:cTn id="2" dur="indefinite" nodeType="mainSeq">
-                <p:childTnLst>
-                  <p:par>
-                    <p:cTn id="3" fill="hold">
-                      <p:stCondLst>
-                        <p:cond delay="indefinite"/>
-                        <p:cond evt="onBegin" delay="0">
-                          <p:tn val="2"/>
-                        </p:cond>
-                      </p:stCondLst>
-                      <p:childTnLst>
-                        <p:par>
-                          <p:cTn id="4" fill="hold">
-                            <p:stCondLst>
-                              <p:cond delay="0"/>
-                            </p:stCondLst>
-                            <p:childTnLst>
-                              <p:par>
-                                <p:cTn id="5" presetID="32" presetClass="emph" presetSubtype="0" fill="hold" nodeType="afterEffect">
-                                  <p:stCondLst>
-                                    <p:cond delay="0"/>
-                                  </p:stCondLst>
-                                  <p:childTnLst>
-                                    <p:animRot by="120000">
-                                      <p:cBhvr>
-                                        <p:cTn id="6" dur="100" fill="hold">
-                                          <p:stCondLst>
-                                            <p:cond delay="0"/>
-                                          </p:stCondLst>
-                                        </p:cTn>
-                                        <p:tgtEl>
-                                          <p:spTgt spid="4"/>
-                                        </p:tgtEl>
-                                        <p:attrNameLst>
-                                          <p:attrName>r</p:attrName>
-                                        </p:attrNameLst>
-                                      </p:cBhvr>
-                                    </p:animRot>
-                                    <p:animRot by="-240000">
-                                      <p:cBhvr>
-                                        <p:cTn id="7" dur="200" fill="hold">
-                                          <p:stCondLst>
-                                            <p:cond delay="200"/>
-                                          </p:stCondLst>
-                                        </p:cTn>
-                                        <p:tgtEl>
-                                          <p:spTgt spid="4"/>
-                                        </p:tgtEl>
-                                        <p:attrNameLst>
-                                          <p:attrName>r</p:attrName>
-                                        </p:attrNameLst>
-                                      </p:cBhvr>
-                                    </p:animRot>
-                                    <p:animRot by="240000">
-                                      <p:cBhvr>
-                                        <p:cTn id="8" dur="200" fill="hold">
-                                          <p:stCondLst>
-                                            <p:cond delay="400"/>
-                                          </p:stCondLst>
-                                        </p:cTn>
-                                        <p:tgtEl>
-                                          <p:spTgt spid="4"/>
-                                        </p:tgtEl>
-                                        <p:attrNameLst>
-                                          <p:attrName>r</p:attrName>
-                                        </p:attrNameLst>
-                                      </p:cBhvr>
-                                    </p:animRot>
-                                    <p:animRot by="-240000">
-                                      <p:cBhvr>
-                                        <p:cTn id="9" dur="200" fill="hold">
-                                          <p:stCondLst>
-                                            <p:cond delay="600"/>
-                                          </p:stCondLst>
-                                        </p:cTn>
-                                        <p:tgtEl>
-                                          <p:spTgt spid="4"/>
-                                        </p:tgtEl>
-                                        <p:attrNameLst>
-                                          <p:attrName>r</p:attrName>
-                                        </p:attrNameLst>
-                                      </p:cBhvr>
-                                    </p:animRot>
-                                    <p:animRot by="120000">
-                                      <p:cBhvr>
-                                        <p:cTn id="10" dur="200" fill="hold">
-                                          <p:stCondLst>
-                                            <p:cond delay="800"/>
-                                          </p:stCondLst>
-                                        </p:cTn>
-                                        <p:tgtEl>
-                                          <p:spTgt spid="4"/>
-                                        </p:tgtEl>
-                                        <p:attrNameLst>
-                                          <p:attrName>r</p:attrName>
-                                        </p:attrNameLst>
-                                      </p:cBhvr>
-                                    </p:animRot>
-                                  </p:childTnLst>
-                                </p:cTn>
-                              </p:par>
-                            </p:childTnLst>
-                          </p:cTn>
-                        </p:par>
-                      </p:childTnLst>
-                    </p:cTn>
-                  </p:par>
-                </p:childTnLst>
-              </p:cTn>
-              <p:prevCondLst>
-                <p:cond evt="onPrev" delay="0">
-                  <p:tgtEl>
-                    <p:sldTgt/>
-                  </p:tgtEl>
-                </p:cond>
-              </p:prevCondLst>
-              <p:nextCondLst>
-                <p:cond evt="onNext" delay="0">
-                  <p:tgtEl>
-                    <p:sldTgt/>
-                  </p:tgtEl>
-                </p:cond>
-              </p:nextCondLst>
-            </p:seq>
-          </p:childTnLst>
-        </p:cTn>
-      </p:par>
-    </p:tnLst>
-  </p:timing>
 </p:sld>
 </file>
 

--- a/מצגת הגנה.pptx
+++ b/מצגת הגנה.pptx
@@ -284,7 +284,7 @@
           <a:p>
             <a:fld id="{62D6E202-B606-4609-B914-27C9371A1F6D}" type="datetime1">
               <a:rPr lang="en-US" smtClean="0"/>
-              <a:t>8/29/2019</a:t>
+              <a:t>9/2/2019</a:t>
             </a:fld>
             <a:endParaRPr lang="en-US" dirty="0"/>
           </a:p>
@@ -483,7 +483,7 @@
           <a:p>
             <a:fld id="{62D6E202-B606-4609-B914-27C9371A1F6D}" type="datetime1">
               <a:rPr lang="en-US" smtClean="0"/>
-              <a:t>8/29/2019</a:t>
+              <a:t>9/2/2019</a:t>
             </a:fld>
             <a:endParaRPr lang="en-US" dirty="0"/>
           </a:p>
@@ -692,7 +692,7 @@
           <a:p>
             <a:fld id="{62D6E202-B606-4609-B914-27C9371A1F6D}" type="datetime1">
               <a:rPr lang="en-US" smtClean="0"/>
-              <a:t>8/29/2019</a:t>
+              <a:t>9/2/2019</a:t>
             </a:fld>
             <a:endParaRPr lang="en-US" dirty="0"/>
           </a:p>
@@ -891,7 +891,7 @@
           <a:p>
             <a:fld id="{62D6E202-B606-4609-B914-27C9371A1F6D}" type="datetime1">
               <a:rPr lang="en-US" smtClean="0"/>
-              <a:t>8/29/2019</a:t>
+              <a:t>9/2/2019</a:t>
             </a:fld>
             <a:endParaRPr lang="en-US" dirty="0"/>
           </a:p>
@@ -1167,7 +1167,7 @@
           <a:p>
             <a:fld id="{62D6E202-B606-4609-B914-27C9371A1F6D}" type="datetime1">
               <a:rPr lang="en-US" smtClean="0"/>
-              <a:t>8/29/2019</a:t>
+              <a:t>9/2/2019</a:t>
             </a:fld>
             <a:endParaRPr lang="en-US" dirty="0"/>
           </a:p>
@@ -1433,7 +1433,7 @@
           <a:p>
             <a:fld id="{62D6E202-B606-4609-B914-27C9371A1F6D}" type="datetime1">
               <a:rPr lang="en-US" smtClean="0"/>
-              <a:t>8/29/2019</a:t>
+              <a:t>9/2/2019</a:t>
             </a:fld>
             <a:endParaRPr lang="en-US" dirty="0"/>
           </a:p>
@@ -1846,7 +1846,7 @@
           <a:p>
             <a:fld id="{62D6E202-B606-4609-B914-27C9371A1F6D}" type="datetime1">
               <a:rPr lang="en-US" smtClean="0"/>
-              <a:t>8/29/2019</a:t>
+              <a:t>9/2/2019</a:t>
             </a:fld>
             <a:endParaRPr lang="en-US" dirty="0"/>
           </a:p>
@@ -1988,7 +1988,7 @@
           <a:p>
             <a:fld id="{62D6E202-B606-4609-B914-27C9371A1F6D}" type="datetime1">
               <a:rPr lang="en-US" smtClean="0"/>
-              <a:t>8/29/2019</a:t>
+              <a:t>9/2/2019</a:t>
             </a:fld>
             <a:endParaRPr lang="en-US" dirty="0"/>
           </a:p>
@@ -2102,7 +2102,7 @@
           <a:p>
             <a:fld id="{62D6E202-B606-4609-B914-27C9371A1F6D}" type="datetime1">
               <a:rPr lang="en-US" smtClean="0"/>
-              <a:t>8/29/2019</a:t>
+              <a:t>9/2/2019</a:t>
             </a:fld>
             <a:endParaRPr lang="en-US" dirty="0"/>
           </a:p>
@@ -2414,7 +2414,7 @@
           <a:p>
             <a:fld id="{62D6E202-B606-4609-B914-27C9371A1F6D}" type="datetime1">
               <a:rPr lang="en-US" smtClean="0"/>
-              <a:t>8/29/2019</a:t>
+              <a:t>9/2/2019</a:t>
             </a:fld>
             <a:endParaRPr lang="en-US" dirty="0"/>
           </a:p>
@@ -2703,7 +2703,7 @@
           <a:p>
             <a:fld id="{62D6E202-B606-4609-B914-27C9371A1F6D}" type="datetime1">
               <a:rPr lang="en-US" smtClean="0"/>
-              <a:t>8/29/2019</a:t>
+              <a:t>9/2/2019</a:t>
             </a:fld>
             <a:endParaRPr lang="en-US" dirty="0"/>
           </a:p>
@@ -2945,7 +2945,7 @@
           <a:p>
             <a:fld id="{62D6E202-B606-4609-B914-27C9371A1F6D}" type="datetime1">
               <a:rPr lang="en-US" smtClean="0"/>
-              <a:t>8/29/2019</a:t>
+              <a:t>9/2/2019</a:t>
             </a:fld>
             <a:endParaRPr lang="en-US" dirty="0"/>
           </a:p>
@@ -4163,8 +4163,8 @@
           </p:pic>
         </mc:Fallback>
       </mc:AlternateContent>
-      <mc:AlternateContent xmlns:mc="http://schemas.openxmlformats.org/markup-compatibility/2006">
-        <mc:Choice xmlns:pslz="http://schemas.microsoft.com/office/powerpoint/2016/slidezoom" Requires="pslz">
+      <mc:AlternateContent xmlns:mc="http://schemas.openxmlformats.org/markup-compatibility/2006" xmlns:pslz="http://schemas.microsoft.com/office/powerpoint/2016/slidezoom">
+        <mc:Choice Requires="pslz">
           <p:graphicFrame>
             <p:nvGraphicFramePr>
               <p:cNvPr id="7" name="תצוגת שקופית 6">
@@ -4222,7 +4222,7 @@
             </a:graphic>
           </p:graphicFrame>
         </mc:Choice>
-        <mc:Fallback>
+        <mc:Fallback xmlns="">
           <p:pic>
             <p:nvPicPr>
               <p:cNvPr id="7" name="תצוגת שקופית 6">
@@ -4239,7 +4239,7 @@
               <p:nvPr/>
             </p:nvPicPr>
             <p:blipFill>
-              <a:blip r:embed="rId20">
+              <a:blip r:embed="rId22">
                 <a:extLst>
                   <a:ext uri="{28A0092B-C50C-407E-A947-70E740481C1C}">
                     <a14:useLocalDpi xmlns:a14="http://schemas.microsoft.com/office/drawing/2010/main" val="0"/>
@@ -6166,10 +6166,10 @@
       </p:sp>
       <p:pic>
         <p:nvPicPr>
-          <p:cNvPr id="3" name="תמונה 2" descr="תמונה שמכילה צילום מסך&#10;&#10;התיאור נוצר באופן אוטומטי">
+          <p:cNvPr id="9" name="תמונה 8" descr="תמונה שמכילה צילום מסך&#10;&#10;התיאור נוצר באופן אוטומטי">
             <a:extLst>
               <a:ext uri="{FF2B5EF4-FFF2-40B4-BE49-F238E27FC236}">
-                <a16:creationId xmlns:a16="http://schemas.microsoft.com/office/drawing/2014/main" id="{25C67AAF-94CE-4823-9DAE-13E5EA264B3C}"/>
+                <a16:creationId xmlns:a16="http://schemas.microsoft.com/office/drawing/2014/main" id="{F8C98632-E3E5-4E9D-853B-06C47115FA91}"/>
               </a:ext>
             </a:extLst>
           </p:cNvPr>
@@ -6192,8 +6192,8 @@
         </p:blipFill>
         <p:spPr>
           <a:xfrm>
-            <a:off x="1772936" y="186702"/>
-            <a:ext cx="8646127" cy="6484595"/>
+            <a:off x="1689707" y="124280"/>
+            <a:ext cx="8749694" cy="6562270"/>
           </a:xfrm>
           <a:prstGeom prst="rect">
             <a:avLst/>
@@ -6329,10 +6329,10 @@
       </p:sp>
       <p:pic>
         <p:nvPicPr>
-          <p:cNvPr id="5" name="תמונה 4" descr="תמונה שמכילה צילום מסך&#10;&#10;התיאור נוצר באופן אוטומטי">
+          <p:cNvPr id="6" name="תמונה 5" descr="תמונה שמכילה צילום מסך&#10;&#10;התיאור נוצר באופן אוטומטי">
             <a:extLst>
               <a:ext uri="{FF2B5EF4-FFF2-40B4-BE49-F238E27FC236}">
-                <a16:creationId xmlns:a16="http://schemas.microsoft.com/office/drawing/2014/main" id="{1A313AFA-EB63-4919-A73F-03753DF07C62}"/>
+                <a16:creationId xmlns:a16="http://schemas.microsoft.com/office/drawing/2014/main" id="{C85E42D6-CD17-400A-B87A-436851968261}"/>
               </a:ext>
             </a:extLst>
           </p:cNvPr>
@@ -6355,8 +6355,8 @@
         </p:blipFill>
         <p:spPr>
           <a:xfrm>
-            <a:off x="1442719" y="137155"/>
-            <a:ext cx="8798567" cy="6598925"/>
+            <a:off x="1735757" y="158817"/>
+            <a:ext cx="8525844" cy="6394383"/>
           </a:xfrm>
           <a:prstGeom prst="rect">
             <a:avLst/>
@@ -6492,10 +6492,10 @@
       </p:sp>
       <p:pic>
         <p:nvPicPr>
-          <p:cNvPr id="5" name="תמונה 4" descr="תמונה שמכילה צילום מסך&#10;&#10;התיאור נוצר באופן אוטומטי">
+          <p:cNvPr id="6" name="תמונה 5" descr="תמונה שמכילה צילום מסך&#10;&#10;התיאור נוצר באופן אוטומטי">
             <a:extLst>
               <a:ext uri="{FF2B5EF4-FFF2-40B4-BE49-F238E27FC236}">
-                <a16:creationId xmlns:a16="http://schemas.microsoft.com/office/drawing/2014/main" id="{C0FEA76D-15D6-4607-B8D0-EFB16AA0906A}"/>
+                <a16:creationId xmlns:a16="http://schemas.microsoft.com/office/drawing/2014/main" id="{33AA3E72-F208-483F-9817-1DC216BBF13B}"/>
               </a:ext>
             </a:extLst>
           </p:cNvPr>
@@ -6518,8 +6518,8 @@
         </p:blipFill>
         <p:spPr>
           <a:xfrm>
-            <a:off x="1656076" y="99057"/>
-            <a:ext cx="8808723" cy="6606543"/>
+            <a:off x="1673857" y="112393"/>
+            <a:ext cx="8790944" cy="6593208"/>
           </a:xfrm>
           <a:prstGeom prst="rect">
             <a:avLst/>
@@ -7243,10 +7243,10 @@
       </p:sp>
       <p:pic>
         <p:nvPicPr>
-          <p:cNvPr id="9" name="תמונה 8" descr="תמונה שמכילה צילום מסך&#10;&#10;התיאור נוצר באופן אוטומטי">
+          <p:cNvPr id="8" name="תמונה 7" descr="תמונה שמכילה צילום מסך&#10;&#10;התיאור נוצר באופן אוטומטי">
             <a:extLst>
               <a:ext uri="{FF2B5EF4-FFF2-40B4-BE49-F238E27FC236}">
-                <a16:creationId xmlns:a16="http://schemas.microsoft.com/office/drawing/2014/main" id="{77C9C69B-9D85-4272-8E38-5730888416AF}"/>
+                <a16:creationId xmlns:a16="http://schemas.microsoft.com/office/drawing/2014/main" id="{49C61EFA-8064-4216-976B-900BEE7FF436}"/>
               </a:ext>
             </a:extLst>
           </p:cNvPr>
@@ -7269,8 +7269,8 @@
         </p:blipFill>
         <p:spPr>
           <a:xfrm>
-            <a:off x="1772703" y="186527"/>
-            <a:ext cx="8646594" cy="6484946"/>
+            <a:off x="1612538" y="112514"/>
+            <a:ext cx="8864961" cy="6648721"/>
           </a:xfrm>
           <a:prstGeom prst="rect">
             <a:avLst/>
@@ -7317,42 +7317,6 @@
           <a:chExt cx="0" cy="0"/>
         </a:xfrm>
       </p:grpSpPr>
-      <p:pic>
-        <p:nvPicPr>
-          <p:cNvPr id="5" name="תמונה 4" descr="תמונה שמכילה צילום מסך&#10;&#10;התיאור נוצר באופן אוטומטי">
-            <a:extLst>
-              <a:ext uri="{FF2B5EF4-FFF2-40B4-BE49-F238E27FC236}">
-                <a16:creationId xmlns:a16="http://schemas.microsoft.com/office/drawing/2014/main" id="{3167E6EE-AA83-4DA2-800C-43A02ED3195A}"/>
-              </a:ext>
-            </a:extLst>
-          </p:cNvPr>
-          <p:cNvPicPr>
-            <a:picLocks noChangeAspect="1"/>
-          </p:cNvPicPr>
-          <p:nvPr/>
-        </p:nvPicPr>
-        <p:blipFill>
-          <a:blip r:embed="rId2">
-            <a:extLst>
-              <a:ext uri="{28A0092B-C50C-407E-A947-70E740481C1C}">
-                <a14:useLocalDpi xmlns:a14="http://schemas.microsoft.com/office/drawing/2010/main" val="0"/>
-              </a:ext>
-            </a:extLst>
-          </a:blip>
-          <a:stretch>
-            <a:fillRect/>
-          </a:stretch>
-        </p:blipFill>
-        <p:spPr>
-          <a:xfrm>
-            <a:off x="1643529" y="89647"/>
-            <a:ext cx="8904941" cy="6678706"/>
-          </a:xfrm>
-          <a:prstGeom prst="rect">
-            <a:avLst/>
-          </a:prstGeom>
-        </p:spPr>
-      </p:pic>
       <p:sp>
         <p:nvSpPr>
           <p:cNvPr id="6" name="מלבן 5">
@@ -7485,6 +7449,42 @@
           </a:p>
         </p:txBody>
       </p:sp>
+      <p:pic>
+        <p:nvPicPr>
+          <p:cNvPr id="4" name="תמונה 3" descr="תמונה שמכילה צילום מסך&#10;&#10;התיאור נוצר באופן אוטומטי">
+            <a:extLst>
+              <a:ext uri="{FF2B5EF4-FFF2-40B4-BE49-F238E27FC236}">
+                <a16:creationId xmlns:a16="http://schemas.microsoft.com/office/drawing/2014/main" id="{503A5CBB-D33C-48D8-8AB7-DCB84372B745}"/>
+              </a:ext>
+            </a:extLst>
+          </p:cNvPr>
+          <p:cNvPicPr>
+            <a:picLocks noChangeAspect="1"/>
+          </p:cNvPicPr>
+          <p:nvPr/>
+        </p:nvPicPr>
+        <p:blipFill>
+          <a:blip r:embed="rId2">
+            <a:extLst>
+              <a:ext uri="{28A0092B-C50C-407E-A947-70E740481C1C}">
+                <a14:useLocalDpi xmlns:a14="http://schemas.microsoft.com/office/drawing/2010/main" val="0"/>
+              </a:ext>
+            </a:extLst>
+          </a:blip>
+          <a:stretch>
+            <a:fillRect/>
+          </a:stretch>
+        </p:blipFill>
+        <p:spPr>
+          <a:xfrm>
+            <a:off x="1548264" y="95864"/>
+            <a:ext cx="8948286" cy="6711215"/>
+          </a:xfrm>
+          <a:prstGeom prst="rect">
+            <a:avLst/>
+          </a:prstGeom>
+        </p:spPr>
+      </p:pic>
     </p:spTree>
     <p:extLst>
       <p:ext uri="{BB962C8B-B14F-4D97-AF65-F5344CB8AC3E}">
@@ -7525,42 +7525,6 @@
           <a:chExt cx="0" cy="0"/>
         </a:xfrm>
       </p:grpSpPr>
-      <p:pic>
-        <p:nvPicPr>
-          <p:cNvPr id="5" name="תמונה 4" descr="תמונה שמכילה צילום מסך&#10;&#10;התיאור נוצר באופן אוטומטי">
-            <a:extLst>
-              <a:ext uri="{FF2B5EF4-FFF2-40B4-BE49-F238E27FC236}">
-                <a16:creationId xmlns:a16="http://schemas.microsoft.com/office/drawing/2014/main" id="{6FE9D9E5-8924-4329-BB92-DBEC075E6204}"/>
-              </a:ext>
-            </a:extLst>
-          </p:cNvPr>
-          <p:cNvPicPr>
-            <a:picLocks noChangeAspect="1"/>
-          </p:cNvPicPr>
-          <p:nvPr/>
-        </p:nvPicPr>
-        <p:blipFill>
-          <a:blip r:embed="rId2">
-            <a:extLst>
-              <a:ext uri="{28A0092B-C50C-407E-A947-70E740481C1C}">
-                <a14:useLocalDpi xmlns:a14="http://schemas.microsoft.com/office/drawing/2010/main" val="0"/>
-              </a:ext>
-            </a:extLst>
-          </a:blip>
-          <a:stretch>
-            <a:fillRect/>
-          </a:stretch>
-        </p:blipFill>
-        <p:spPr>
-          <a:xfrm>
-            <a:off x="1762757" y="179067"/>
-            <a:ext cx="8666486" cy="6499865"/>
-          </a:xfrm>
-          <a:prstGeom prst="rect">
-            <a:avLst/>
-          </a:prstGeom>
-        </p:spPr>
-      </p:pic>
       <p:sp>
         <p:nvSpPr>
           <p:cNvPr id="6" name="מלבן 5">
@@ -7693,6 +7657,42 @@
           </a:p>
         </p:txBody>
       </p:sp>
+      <p:pic>
+        <p:nvPicPr>
+          <p:cNvPr id="4" name="תמונה 3" descr="תמונה שמכילה צילום מסך&#10;&#10;התיאור נוצר באופן אוטומטי">
+            <a:extLst>
+              <a:ext uri="{FF2B5EF4-FFF2-40B4-BE49-F238E27FC236}">
+                <a16:creationId xmlns:a16="http://schemas.microsoft.com/office/drawing/2014/main" id="{ACA68C01-3FC7-41E7-861B-1D9A1EC192E8}"/>
+              </a:ext>
+            </a:extLst>
+          </p:cNvPr>
+          <p:cNvPicPr>
+            <a:picLocks noChangeAspect="1"/>
+          </p:cNvPicPr>
+          <p:nvPr/>
+        </p:nvPicPr>
+        <p:blipFill>
+          <a:blip r:embed="rId2">
+            <a:extLst>
+              <a:ext uri="{28A0092B-C50C-407E-A947-70E740481C1C}">
+                <a14:useLocalDpi xmlns:a14="http://schemas.microsoft.com/office/drawing/2010/main" val="0"/>
+              </a:ext>
+            </a:extLst>
+          </a:blip>
+          <a:stretch>
+            <a:fillRect/>
+          </a:stretch>
+        </p:blipFill>
+        <p:spPr>
+          <a:xfrm>
+            <a:off x="1550663" y="107789"/>
+            <a:ext cx="8911381" cy="6683536"/>
+          </a:xfrm>
+          <a:prstGeom prst="rect">
+            <a:avLst/>
+          </a:prstGeom>
+        </p:spPr>
+      </p:pic>
     </p:spTree>
     <p:extLst>
       <p:ext uri="{BB962C8B-B14F-4D97-AF65-F5344CB8AC3E}">
@@ -9518,8 +9518,8 @@
           </p:style>
         </p:cxnSp>
       </p:grpSp>
-      <mc:AlternateContent xmlns:mc="http://schemas.openxmlformats.org/markup-compatibility/2006">
-        <mc:Choice xmlns:pslz="http://schemas.microsoft.com/office/powerpoint/2016/slidezoom" Requires="pslz">
+      <mc:AlternateContent xmlns:mc="http://schemas.openxmlformats.org/markup-compatibility/2006" xmlns:pslz="http://schemas.microsoft.com/office/powerpoint/2016/slidezoom">
+        <mc:Choice Requires="pslz">
           <p:graphicFrame>
             <p:nvGraphicFramePr>
               <p:cNvPr id="22" name="תצוגת שקופית 21">
@@ -9577,7 +9577,7 @@
             </a:graphic>
           </p:graphicFrame>
         </mc:Choice>
-        <mc:Fallback>
+        <mc:Fallback xmlns="">
           <p:pic>
             <p:nvPicPr>
               <p:cNvPr id="22" name="תצוגת שקופית 21">
@@ -9594,7 +9594,7 @@
               <p:nvPr/>
             </p:nvPicPr>
             <p:blipFill>
-              <a:blip r:embed="rId4">
+              <a:blip r:embed="rId6">
                 <a:extLst>
                   <a:ext uri="{28A0092B-C50C-407E-A947-70E740481C1C}">
                     <a14:useLocalDpi xmlns:a14="http://schemas.microsoft.com/office/drawing/2010/main" val="0"/>
@@ -9617,8 +9617,8 @@
           </p:pic>
         </mc:Fallback>
       </mc:AlternateContent>
-      <mc:AlternateContent xmlns:mc="http://schemas.openxmlformats.org/markup-compatibility/2006">
-        <mc:Choice xmlns:pslz="http://schemas.microsoft.com/office/powerpoint/2016/slidezoom" Requires="pslz">
+      <mc:AlternateContent xmlns:mc="http://schemas.openxmlformats.org/markup-compatibility/2006" xmlns:pslz="http://schemas.microsoft.com/office/powerpoint/2016/slidezoom">
+        <mc:Choice Requires="pslz">
           <p:graphicFrame>
             <p:nvGraphicFramePr>
               <p:cNvPr id="25" name="תצוגת שקופית 24">
@@ -9649,7 +9649,7 @@
                   <pslz:sldZmObj sldId="281" cId="1155897925">
                     <pslz:zmPr id="{E3A68524-AD61-44B9-9EB5-8A94EFD9AB0C}" imageType="cover" transitionDur="1000" showBg="0">
                       <p166:blipFill xmlns:p166="http://schemas.microsoft.com/office/powerpoint/2016/6/main">
-                        <a:blip r:embed="rId6">
+                        <a:blip r:embed="rId7">
                           <a:extLst>
                             <a:ext uri="{28A0092B-C50C-407E-A947-70E740481C1C}">
                               <a14:useLocalDpi xmlns:a14="http://schemas.microsoft.com/office/drawing/2010/main" val="0"/>
@@ -9676,11 +9676,11 @@
             </a:graphic>
           </p:graphicFrame>
         </mc:Choice>
-        <mc:Fallback>
+        <mc:Fallback xmlns="">
           <p:pic>
             <p:nvPicPr>
               <p:cNvPr id="25" name="תצוגת שקופית 24">
-                <a:hlinkClick r:id="rId7" action="ppaction://hlinksldjump"/>
+                <a:hlinkClick r:id="rId8" action="ppaction://hlinksldjump"/>
                 <a:extLst>
                   <a:ext uri="{FF2B5EF4-FFF2-40B4-BE49-F238E27FC236}">
                     <a16:creationId xmlns:a16="http://schemas.microsoft.com/office/drawing/2014/main" id="{B2A1F35C-D838-4574-A0B0-E0431AC73648}"/>
@@ -9693,7 +9693,7 @@
               <p:nvPr/>
             </p:nvPicPr>
             <p:blipFill>
-              <a:blip r:embed="rId6">
+              <a:blip r:embed="rId9">
                 <a:extLst>
                   <a:ext uri="{28A0092B-C50C-407E-A947-70E740481C1C}">
                     <a14:useLocalDpi xmlns:a14="http://schemas.microsoft.com/office/drawing/2010/main" val="0"/>
@@ -9869,7 +9869,7 @@
               <p:nvPr>
                 <p:extLst>
                   <p:ext uri="{D42A27DB-BD31-4B8C-83A1-F6EECF244321}">
-                    <p14:modId xmlns:p14="http://schemas.microsoft.com/office/powerpoint/2010/main" val="3488108911"/>
+                    <p14:modId xmlns:p14="http://schemas.microsoft.com/office/powerpoint/2010/main" val="2822938800"/>
                   </p:ext>
                 </p:extLst>
               </p:nvPr>
@@ -10040,7 +10040,7 @@
                                 <a:srgbClr val="FF0000"/>
                               </a:solidFill>
                             </a:rPr>
-                            <a:t> TCP</a:t>
+                            <a:t> HTTP2</a:t>
                           </a:r>
                           <a:endParaRPr lang="he-IL" sz="3200" b="0" dirty="0">
                             <a:ln>
@@ -10064,7 +10064,7 @@
                           <a:pPr algn="ctr" rtl="0"/>
                           <a:r>
                             <a:rPr lang="en-US" sz="3200" dirty="0"/>
-                            <a:t>QUIC &lt; TCP</a:t>
+                            <a:t>QUIC &lt; HTTP2</a:t>
                           </a:r>
                           <a:endParaRPr lang="he-IL" sz="3200" dirty="0"/>
                         </a:p>
@@ -10173,7 +10173,7 @@
                                 <a:srgbClr val="FF0000"/>
                               </a:solidFill>
                             </a:rPr>
-                            <a:t> TCP</a:t>
+                            <a:t> HTTP2</a:t>
                           </a:r>
                           <a:endParaRPr lang="he-IL" sz="3200" b="0" dirty="0">
                             <a:ln>
@@ -10212,7 +10212,7 @@
                           </a14:m>
                           <a:r>
                             <a:rPr lang="en-US" sz="3200" dirty="0"/>
-                            <a:t> TCP</a:t>
+                            <a:t> HTTP2</a:t>
                           </a:r>
                           <a:endParaRPr lang="he-IL" sz="3200" dirty="0"/>
                         </a:p>
@@ -10316,7 +10316,24 @@
                               <a:ea typeface="+mn-ea"/>
                               <a:cs typeface="+mn-cs"/>
                             </a:rPr>
-                            <a:t> TCP</a:t>
+                            <a:t> </a:t>
+                          </a:r>
+                          <a:r>
+                            <a:rPr kumimoji="0" lang="en-US" sz="3200" b="0" i="0" u="none" strike="noStrike" kern="1200" cap="none" spc="0" normalizeH="0" baseline="0" noProof="0" dirty="0">
+                              <a:ln>
+                                <a:noFill/>
+                              </a:ln>
+                              <a:solidFill>
+                                <a:srgbClr val="00B050"/>
+                              </a:solidFill>
+                              <a:effectLst/>
+                              <a:uLnTx/>
+                              <a:uFillTx/>
+                              <a:latin typeface="+mn-lt"/>
+                              <a:ea typeface="+mn-ea"/>
+                              <a:cs typeface="+mn-cs"/>
+                            </a:rPr>
+                            <a:t>HTTP2</a:t>
                           </a:r>
                           <a:endParaRPr kumimoji="0" lang="he-IL" sz="3200" b="0" i="0" u="none" strike="noStrike" kern="1200" cap="none" spc="0" normalizeH="0" baseline="0" noProof="0" dirty="0">
                             <a:ln>
@@ -10411,7 +10428,7 @@
                               <a:ea typeface="+mn-ea"/>
                               <a:cs typeface="+mn-cs"/>
                             </a:rPr>
-                            <a:t> TCP</a:t>
+                            <a:t> HTTP2</a:t>
                           </a:r>
                           <a:endParaRPr kumimoji="0" lang="he-IL" sz="3200" b="0" i="0" u="none" strike="noStrike" kern="1200" cap="none" spc="0" normalizeH="0" baseline="0" noProof="0" dirty="0">
                             <a:ln>
@@ -10533,7 +10550,7 @@
                                 <a:srgbClr val="FF0000"/>
                               </a:solidFill>
                             </a:rPr>
-                            <a:t> TCP</a:t>
+                            <a:t> HTTP2</a:t>
                           </a:r>
                           <a:endParaRPr lang="he-IL" sz="3200" b="0" dirty="0">
                             <a:ln>
@@ -10557,7 +10574,24 @@
                           <a:pPr algn="ctr" rtl="0"/>
                           <a:r>
                             <a:rPr lang="en-US" sz="3200" dirty="0"/>
-                            <a:t>QUIC &lt; TCP</a:t>
+                            <a:t>QUIC &lt; </a:t>
+                          </a:r>
+                          <a:r>
+                            <a:rPr kumimoji="0" lang="en-US" sz="3200" b="0" i="0" u="none" strike="noStrike" kern="1200" cap="none" spc="0" normalizeH="0" baseline="0" noProof="0" dirty="0">
+                              <a:ln>
+                                <a:noFill/>
+                              </a:ln>
+                              <a:solidFill>
+                                <a:prstClr val="black"/>
+                              </a:solidFill>
+                              <a:effectLst/>
+                              <a:uLnTx/>
+                              <a:uFillTx/>
+                              <a:latin typeface="+mn-lt"/>
+                              <a:ea typeface="+mn-ea"/>
+                              <a:cs typeface="+mn-cs"/>
+                            </a:rPr>
+                            <a:t>HTTP2</a:t>
                           </a:r>
                           <a:endParaRPr lang="he-IL" sz="3200" dirty="0"/>
                         </a:p>
@@ -10616,7 +10650,7 @@
                           </a14:m>
                           <a:r>
                             <a:rPr lang="en-US" sz="3200" dirty="0"/>
-                            <a:t> TCP</a:t>
+                            <a:t> HTTP2</a:t>
                           </a:r>
                           <a:endParaRPr lang="he-IL" sz="3200" dirty="0"/>
                         </a:p>
@@ -10646,7 +10680,24 @@
                           </a14:m>
                           <a:r>
                             <a:rPr lang="en-US" sz="3200" dirty="0"/>
-                            <a:t> TCP</a:t>
+                            <a:t> </a:t>
+                          </a:r>
+                          <a:r>
+                            <a:rPr kumimoji="0" lang="en-US" sz="3200" b="0" i="0" u="none" strike="noStrike" kern="1200" cap="none" spc="0" normalizeH="0" baseline="0" noProof="0" dirty="0">
+                              <a:ln>
+                                <a:noFill/>
+                              </a:ln>
+                              <a:solidFill>
+                                <a:prstClr val="black"/>
+                              </a:solidFill>
+                              <a:effectLst/>
+                              <a:uLnTx/>
+                              <a:uFillTx/>
+                              <a:latin typeface="+mn-lt"/>
+                              <a:ea typeface="+mn-ea"/>
+                              <a:cs typeface="+mn-cs"/>
+                            </a:rPr>
+                            <a:t>HTTP2</a:t>
                           </a:r>
                           <a:endParaRPr lang="he-IL" sz="3200" dirty="0"/>
                         </a:p>
@@ -10709,7 +10760,7 @@
                                 <a:srgbClr val="00B050"/>
                               </a:solidFill>
                             </a:rPr>
-                            <a:t> TCP</a:t>
+                            <a:t> HTTP2</a:t>
                           </a:r>
                           <a:endParaRPr lang="he-IL" sz="3200" dirty="0">
                             <a:solidFill>
@@ -10743,7 +10794,7 @@
                           </a14:m>
                           <a:r>
                             <a:rPr lang="en-US" sz="3200" dirty="0"/>
-                            <a:t> TCP</a:t>
+                            <a:t> HTTP2</a:t>
                           </a:r>
                           <a:endParaRPr lang="he-IL" sz="3200" dirty="0"/>
                         </a:p>
@@ -10792,7 +10843,7 @@
               <p:nvPr>
                 <p:extLst>
                   <p:ext uri="{D42A27DB-BD31-4B8C-83A1-F6EECF244321}">
-                    <p14:modId xmlns:p14="http://schemas.microsoft.com/office/powerpoint/2010/main" val="3488108911"/>
+                    <p14:modId xmlns:p14="http://schemas.microsoft.com/office/powerpoint/2010/main" val="2822938800"/>
                   </p:ext>
                 </p:extLst>
               </p:nvPr>
@@ -10908,7 +10959,7 @@
                           <a:pPr algn="ctr" rtl="0"/>
                           <a:r>
                             <a:rPr lang="en-US" sz="3200" dirty="0"/>
-                            <a:t>QUIC &lt; TCP</a:t>
+                            <a:t>QUIC &lt; HTTP2</a:t>
                           </a:r>
                           <a:endParaRPr lang="he-IL" sz="3200" dirty="0"/>
                         </a:p>
@@ -11074,7 +11125,24 @@
                           <a:pPr algn="ctr" rtl="0"/>
                           <a:r>
                             <a:rPr lang="en-US" sz="3200" dirty="0"/>
-                            <a:t>QUIC &lt; TCP</a:t>
+                            <a:t>QUIC &lt; </a:t>
+                          </a:r>
+                          <a:r>
+                            <a:rPr kumimoji="0" lang="en-US" sz="3200" b="0" i="0" u="none" strike="noStrike" kern="1200" cap="none" spc="0" normalizeH="0" baseline="0" noProof="0" dirty="0">
+                              <a:ln>
+                                <a:noFill/>
+                              </a:ln>
+                              <a:solidFill>
+                                <a:prstClr val="black"/>
+                              </a:solidFill>
+                              <a:effectLst/>
+                              <a:uLnTx/>
+                              <a:uFillTx/>
+                              <a:latin typeface="+mn-lt"/>
+                              <a:ea typeface="+mn-ea"/>
+                              <a:cs typeface="+mn-cs"/>
+                            </a:rPr>
+                            <a:t>HTTP2</a:t>
                           </a:r>
                           <a:endParaRPr lang="he-IL" sz="3200" dirty="0"/>
                         </a:p>
@@ -11527,6 +11595,182 @@
               <a:latin typeface="Segoe UI Black" panose="020B0A02040204020203" pitchFamily="34" charset="0"/>
               <a:ea typeface="Segoe UI Black" panose="020B0A02040204020203" pitchFamily="34" charset="0"/>
               <a:cs typeface="Arial" panose="020B0604020202020204" pitchFamily="34" charset="0"/>
+            </a:endParaRPr>
+          </a:p>
+        </p:txBody>
+      </p:sp>
+      <p:sp>
+        <p:nvSpPr>
+          <p:cNvPr id="3" name="תיבת טקסט 2">
+            <a:extLst>
+              <a:ext uri="{FF2B5EF4-FFF2-40B4-BE49-F238E27FC236}">
+                <a16:creationId xmlns:a16="http://schemas.microsoft.com/office/drawing/2014/main" id="{0748B736-BCD2-482C-A4ED-29E1466DE7DE}"/>
+              </a:ext>
+            </a:extLst>
+          </p:cNvPr>
+          <p:cNvSpPr txBox="1"/>
+          <p:nvPr/>
+        </p:nvSpPr>
+        <p:spPr>
+          <a:xfrm>
+            <a:off x="487618" y="842337"/>
+            <a:ext cx="11216763" cy="4524315"/>
+          </a:xfrm>
+          <a:prstGeom prst="rect">
+            <a:avLst/>
+          </a:prstGeom>
+          <a:noFill/>
+        </p:spPr>
+        <p:txBody>
+          <a:bodyPr wrap="square" rtlCol="1">
+            <a:spAutoFit/>
+          </a:bodyPr>
+          <a:lstStyle/>
+          <a:p>
+            <a:pPr algn="ctr" rtl="0"/>
+            <a:endParaRPr lang="he-IL" sz="2400" dirty="0">
+              <a:solidFill>
+                <a:schemeClr val="bg1"/>
+              </a:solidFill>
+            </a:endParaRPr>
+          </a:p>
+          <a:p>
+            <a:pPr marL="342900" indent="-342900" algn="l" rtl="0">
+              <a:buFont typeface="Wingdings" panose="05000000000000000000" pitchFamily="2" charset="2"/>
+              <a:buChar char="q"/>
+            </a:pPr>
+            <a:endParaRPr lang="en-US" sz="2400" dirty="0">
+              <a:solidFill>
+                <a:schemeClr val="bg1"/>
+              </a:solidFill>
+            </a:endParaRPr>
+          </a:p>
+          <a:p>
+            <a:pPr marL="342900" indent="-342900" algn="l" rtl="0">
+              <a:buFont typeface="Wingdings" panose="05000000000000000000" pitchFamily="2" charset="2"/>
+              <a:buChar char="q"/>
+            </a:pPr>
+            <a:r>
+              <a:rPr lang="en-US" sz="2400" dirty="0">
+                <a:solidFill>
+                  <a:schemeClr val="bg1"/>
+                </a:solidFill>
+              </a:rPr>
+              <a:t>Extra wide research – </a:t>
+            </a:r>
+          </a:p>
+          <a:p>
+            <a:pPr marL="800100" lvl="1" indent="-342900" algn="l" rtl="0">
+              <a:buFont typeface="Wingdings" panose="05000000000000000000" pitchFamily="2" charset="2"/>
+              <a:buChar char="q"/>
+            </a:pPr>
+            <a:r>
+              <a:rPr lang="en-US" sz="2400" dirty="0">
+                <a:solidFill>
+                  <a:schemeClr val="bg1"/>
+                </a:solidFill>
+              </a:rPr>
+              <a:t>Check the same metrics in other data centers (globally).</a:t>
+            </a:r>
+          </a:p>
+          <a:p>
+            <a:pPr marL="800100" lvl="1" indent="-342900" algn="l" rtl="0">
+              <a:buFont typeface="Wingdings" panose="05000000000000000000" pitchFamily="2" charset="2"/>
+              <a:buChar char="q"/>
+            </a:pPr>
+            <a:r>
+              <a:rPr lang="en-US" sz="2400" dirty="0">
+                <a:solidFill>
+                  <a:schemeClr val="bg1"/>
+                </a:solidFill>
+              </a:rPr>
+              <a:t>Check the protocol on mobile devices.</a:t>
+            </a:r>
+          </a:p>
+          <a:p>
+            <a:pPr marL="800100" lvl="1" indent="-342900" algn="l" rtl="0">
+              <a:buFont typeface="Wingdings" panose="05000000000000000000" pitchFamily="2" charset="2"/>
+              <a:buChar char="q"/>
+            </a:pPr>
+            <a:r>
+              <a:rPr lang="en-US" sz="2400" dirty="0">
+                <a:solidFill>
+                  <a:schemeClr val="bg1"/>
+                </a:solidFill>
+              </a:rPr>
+              <a:t>Packet Loss scenario</a:t>
+            </a:r>
+          </a:p>
+          <a:p>
+            <a:pPr marL="800100" lvl="1" indent="-342900" algn="l" rtl="0">
+              <a:buFont typeface="Wingdings" panose="05000000000000000000" pitchFamily="2" charset="2"/>
+              <a:buChar char="q"/>
+            </a:pPr>
+            <a:r>
+              <a:rPr lang="en-US" sz="2400" dirty="0">
+                <a:solidFill>
+                  <a:schemeClr val="bg1"/>
+                </a:solidFill>
+              </a:rPr>
+              <a:t>Why the number of requests in QUIC is larger than HTTP2</a:t>
+            </a:r>
+          </a:p>
+          <a:p>
+            <a:pPr algn="l" rtl="0"/>
+            <a:endParaRPr lang="en-US" sz="2400" dirty="0">
+              <a:solidFill>
+                <a:schemeClr val="bg1"/>
+              </a:solidFill>
+            </a:endParaRPr>
+          </a:p>
+          <a:p>
+            <a:pPr marL="342900" indent="-342900" algn="l" rtl="0">
+              <a:buFont typeface="Wingdings" panose="05000000000000000000" pitchFamily="2" charset="2"/>
+              <a:buChar char="q"/>
+            </a:pPr>
+            <a:r>
+              <a:rPr lang="en-US" sz="2400" dirty="0">
+                <a:solidFill>
+                  <a:schemeClr val="bg1"/>
+                </a:solidFill>
+              </a:rPr>
+              <a:t>Examine GQUIC implementation VS IQUIC</a:t>
+            </a:r>
+          </a:p>
+          <a:p>
+            <a:pPr marL="342900" indent="-342900" algn="l" rtl="0">
+              <a:buFont typeface="Wingdings" panose="05000000000000000000" pitchFamily="2" charset="2"/>
+              <a:buChar char="q"/>
+            </a:pPr>
+            <a:r>
+              <a:rPr lang="en-US" sz="2400" dirty="0">
+                <a:solidFill>
+                  <a:schemeClr val="bg1"/>
+                </a:solidFill>
+              </a:rPr>
+              <a:t>More parameters</a:t>
+            </a:r>
+          </a:p>
+          <a:p>
+            <a:pPr marL="342900" indent="-342900" algn="l" rtl="0">
+              <a:buFont typeface="Wingdings" panose="05000000000000000000" pitchFamily="2" charset="2"/>
+              <a:buChar char="q"/>
+            </a:pPr>
+            <a:endParaRPr lang="en-US" sz="2400" dirty="0">
+              <a:solidFill>
+                <a:schemeClr val="bg1"/>
+              </a:solidFill>
+            </a:endParaRPr>
+          </a:p>
+          <a:p>
+            <a:pPr marL="800100" lvl="1" indent="-342900" algn="l" rtl="0">
+              <a:buFont typeface="Wingdings" panose="05000000000000000000" pitchFamily="2" charset="2"/>
+              <a:buChar char="q"/>
+            </a:pPr>
+            <a:endParaRPr lang="en-US" sz="2400" dirty="0">
+              <a:solidFill>
+                <a:schemeClr val="bg1"/>
+              </a:solidFill>
             </a:endParaRPr>
           </a:p>
         </p:txBody>
@@ -12756,8 +13000,8 @@
           </a:effectLst>
         </p:spPr>
       </p:pic>
-      <mc:AlternateContent xmlns:mc="http://schemas.openxmlformats.org/markup-compatibility/2006">
-        <mc:Choice xmlns:pslz="http://schemas.microsoft.com/office/powerpoint/2016/slidezoom" Requires="pslz">
+      <mc:AlternateContent xmlns:mc="http://schemas.openxmlformats.org/markup-compatibility/2006" xmlns:pslz="http://schemas.microsoft.com/office/powerpoint/2016/slidezoom">
+        <mc:Choice Requires="pslz">
           <p:graphicFrame>
             <p:nvGraphicFramePr>
               <p:cNvPr id="8" name="תצוגת שקופית 7">
@@ -12815,7 +13059,7 @@
             </a:graphic>
           </p:graphicFrame>
         </mc:Choice>
-        <mc:Fallback>
+        <mc:Fallback xmlns="">
           <p:pic>
             <p:nvPicPr>
               <p:cNvPr id="8" name="תצוגת שקופית 7">
@@ -12832,7 +13076,7 @@
               <p:nvPr/>
             </p:nvPicPr>
             <p:blipFill>
-              <a:blip r:embed="rId4">
+              <a:blip r:embed="rId6">
                 <a:extLst>
                   <a:ext uri="{28A0092B-C50C-407E-A947-70E740481C1C}">
                     <a14:useLocalDpi xmlns:a14="http://schemas.microsoft.com/office/drawing/2010/main" val="0"/>
